--- a/js.pptx
+++ b/js.pptx
@@ -11,6 +11,18 @@
     <p:sldId id="261" r:id="rId5"/>
     <p:sldId id="259" r:id="rId6"/>
     <p:sldId id="260" r:id="rId7"/>
+    <p:sldId id="262" r:id="rId8"/>
+    <p:sldId id="263" r:id="rId9"/>
+    <p:sldId id="264" r:id="rId10"/>
+    <p:sldId id="267" r:id="rId11"/>
+    <p:sldId id="265" r:id="rId12"/>
+    <p:sldId id="266" r:id="rId13"/>
+    <p:sldId id="268" r:id="rId14"/>
+    <p:sldId id="269" r:id="rId15"/>
+    <p:sldId id="270" r:id="rId16"/>
+    <p:sldId id="271" r:id="rId17"/>
+    <p:sldId id="272" r:id="rId18"/>
+    <p:sldId id="273" r:id="rId19"/>
   </p:sldIdLst>
   <p:sldSz cx="12192000" cy="6858000"/>
   <p:notesSz cx="6858000" cy="9144000"/>
@@ -109,6 +121,11 @@
       </a:defRPr>
     </a:lvl9pPr>
   </p:defaultTextStyle>
+  <p:extLst>
+    <p:ext uri="{EFAFB233-063F-42B5-8137-9DF3F51BA10A}">
+      <p15:sldGuideLst xmlns:p15="http://schemas.microsoft.com/office/powerpoint/2012/main"/>
+    </p:ext>
+  </p:extLst>
 </p:presentation>
 </file>
 
@@ -261,7 +278,7 @@
           <a:p>
             <a:fld id="{E38922F9-7419-47F3-8C9B-D47FCFEDE078}" type="datetimeFigureOut">
               <a:rPr lang="en-IN" smtClean="0"/>
-              <a:t>10-01-2024</a:t>
+              <a:t>17-01-2024</a:t>
             </a:fld>
             <a:endParaRPr lang="en-IN"/>
           </a:p>
@@ -461,7 +478,7 @@
           <a:p>
             <a:fld id="{E38922F9-7419-47F3-8C9B-D47FCFEDE078}" type="datetimeFigureOut">
               <a:rPr lang="en-IN" smtClean="0"/>
-              <a:t>10-01-2024</a:t>
+              <a:t>17-01-2024</a:t>
             </a:fld>
             <a:endParaRPr lang="en-IN"/>
           </a:p>
@@ -671,7 +688,7 @@
           <a:p>
             <a:fld id="{E38922F9-7419-47F3-8C9B-D47FCFEDE078}" type="datetimeFigureOut">
               <a:rPr lang="en-IN" smtClean="0"/>
-              <a:t>10-01-2024</a:t>
+              <a:t>17-01-2024</a:t>
             </a:fld>
             <a:endParaRPr lang="en-IN"/>
           </a:p>
@@ -871,7 +888,7 @@
           <a:p>
             <a:fld id="{E38922F9-7419-47F3-8C9B-D47FCFEDE078}" type="datetimeFigureOut">
               <a:rPr lang="en-IN" smtClean="0"/>
-              <a:t>10-01-2024</a:t>
+              <a:t>17-01-2024</a:t>
             </a:fld>
             <a:endParaRPr lang="en-IN"/>
           </a:p>
@@ -1147,7 +1164,7 @@
           <a:p>
             <a:fld id="{E38922F9-7419-47F3-8C9B-D47FCFEDE078}" type="datetimeFigureOut">
               <a:rPr lang="en-IN" smtClean="0"/>
-              <a:t>10-01-2024</a:t>
+              <a:t>17-01-2024</a:t>
             </a:fld>
             <a:endParaRPr lang="en-IN"/>
           </a:p>
@@ -1415,7 +1432,7 @@
           <a:p>
             <a:fld id="{E38922F9-7419-47F3-8C9B-D47FCFEDE078}" type="datetimeFigureOut">
               <a:rPr lang="en-IN" smtClean="0"/>
-              <a:t>10-01-2024</a:t>
+              <a:t>17-01-2024</a:t>
             </a:fld>
             <a:endParaRPr lang="en-IN"/>
           </a:p>
@@ -1830,7 +1847,7 @@
           <a:p>
             <a:fld id="{E38922F9-7419-47F3-8C9B-D47FCFEDE078}" type="datetimeFigureOut">
               <a:rPr lang="en-IN" smtClean="0"/>
-              <a:t>10-01-2024</a:t>
+              <a:t>17-01-2024</a:t>
             </a:fld>
             <a:endParaRPr lang="en-IN"/>
           </a:p>
@@ -1972,7 +1989,7 @@
           <a:p>
             <a:fld id="{E38922F9-7419-47F3-8C9B-D47FCFEDE078}" type="datetimeFigureOut">
               <a:rPr lang="en-IN" smtClean="0"/>
-              <a:t>10-01-2024</a:t>
+              <a:t>17-01-2024</a:t>
             </a:fld>
             <a:endParaRPr lang="en-IN"/>
           </a:p>
@@ -2085,7 +2102,7 @@
           <a:p>
             <a:fld id="{E38922F9-7419-47F3-8C9B-D47FCFEDE078}" type="datetimeFigureOut">
               <a:rPr lang="en-IN" smtClean="0"/>
-              <a:t>10-01-2024</a:t>
+              <a:t>17-01-2024</a:t>
             </a:fld>
             <a:endParaRPr lang="en-IN"/>
           </a:p>
@@ -2398,7 +2415,7 @@
           <a:p>
             <a:fld id="{E38922F9-7419-47F3-8C9B-D47FCFEDE078}" type="datetimeFigureOut">
               <a:rPr lang="en-IN" smtClean="0"/>
-              <a:t>10-01-2024</a:t>
+              <a:t>17-01-2024</a:t>
             </a:fld>
             <a:endParaRPr lang="en-IN"/>
           </a:p>
@@ -2687,7 +2704,7 @@
           <a:p>
             <a:fld id="{E38922F9-7419-47F3-8C9B-D47FCFEDE078}" type="datetimeFigureOut">
               <a:rPr lang="en-IN" smtClean="0"/>
-              <a:t>10-01-2024</a:t>
+              <a:t>17-01-2024</a:t>
             </a:fld>
             <a:endParaRPr lang="en-IN"/>
           </a:p>
@@ -2930,7 +2947,7 @@
           <a:p>
             <a:fld id="{E38922F9-7419-47F3-8C9B-D47FCFEDE078}" type="datetimeFigureOut">
               <a:rPr lang="en-IN" smtClean="0"/>
-              <a:t>10-01-2024</a:t>
+              <a:t>17-01-2024</a:t>
             </a:fld>
             <a:endParaRPr lang="en-IN"/>
           </a:p>
@@ -3410,6 +3427,4961 @@
 </p:sld>
 </file>
 
+<file path=ppt/slides/slide10.xml><?xml version="1.0" encoding="utf-8"?>
+<p:sld xmlns:a="http://schemas.openxmlformats.org/drawingml/2006/main" xmlns:r="http://schemas.openxmlformats.org/officeDocument/2006/relationships" xmlns:p="http://schemas.openxmlformats.org/presentationml/2006/main">
+  <p:cSld>
+    <p:spTree>
+      <p:nvGrpSpPr>
+        <p:cNvPr id="1" name=""/>
+        <p:cNvGrpSpPr/>
+        <p:nvPr/>
+      </p:nvGrpSpPr>
+      <p:grpSpPr>
+        <a:xfrm>
+          <a:off x="0" y="0"/>
+          <a:ext cx="0" cy="0"/>
+          <a:chOff x="0" y="0"/>
+          <a:chExt cx="0" cy="0"/>
+        </a:xfrm>
+      </p:grpSpPr>
+      <p:sp>
+        <p:nvSpPr>
+          <p:cNvPr id="4" name="Rectangle 3">
+            <a:extLst>
+              <a:ext uri="{FF2B5EF4-FFF2-40B4-BE49-F238E27FC236}">
+                <a16:creationId xmlns:a16="http://schemas.microsoft.com/office/drawing/2014/main" id="{5913338C-83B7-46FD-81D5-5CBE2BB3A1D9}"/>
+              </a:ext>
+            </a:extLst>
+          </p:cNvPr>
+          <p:cNvSpPr/>
+          <p:nvPr/>
+        </p:nvSpPr>
+        <p:spPr>
+          <a:xfrm>
+            <a:off x="2686929" y="943764"/>
+            <a:ext cx="9505071" cy="5976840"/>
+          </a:xfrm>
+          <a:prstGeom prst="rect">
+            <a:avLst/>
+          </a:prstGeom>
+        </p:spPr>
+        <p:style>
+          <a:lnRef idx="2">
+            <a:schemeClr val="accent1">
+              <a:shade val="50000"/>
+            </a:schemeClr>
+          </a:lnRef>
+          <a:fillRef idx="1">
+            <a:schemeClr val="accent1"/>
+          </a:fillRef>
+          <a:effectRef idx="0">
+            <a:schemeClr val="accent1"/>
+          </a:effectRef>
+          <a:fontRef idx="minor">
+            <a:schemeClr val="lt1"/>
+          </a:fontRef>
+        </p:style>
+        <p:txBody>
+          <a:bodyPr rtlCol="0" anchor="ctr"/>
+          <a:lstStyle/>
+          <a:p>
+            <a:pPr algn="ctr"/>
+            <a:endParaRPr lang="en-IN"/>
+          </a:p>
+        </p:txBody>
+      </p:sp>
+      <p:cxnSp>
+        <p:nvCxnSpPr>
+          <p:cNvPr id="7" name="Straight Connector 6">
+            <a:extLst>
+              <a:ext uri="{FF2B5EF4-FFF2-40B4-BE49-F238E27FC236}">
+                <a16:creationId xmlns:a16="http://schemas.microsoft.com/office/drawing/2014/main" id="{0DF7730A-DFA9-41ED-AC6C-4A4C006FF344}"/>
+              </a:ext>
+            </a:extLst>
+          </p:cNvPr>
+          <p:cNvCxnSpPr>
+            <a:cxnSpLocks/>
+          </p:cNvCxnSpPr>
+          <p:nvPr/>
+        </p:nvCxnSpPr>
+        <p:spPr>
+          <a:xfrm>
+            <a:off x="295421" y="4389119"/>
+            <a:ext cx="0" cy="2468881"/>
+          </a:xfrm>
+          <a:prstGeom prst="line">
+            <a:avLst/>
+          </a:prstGeom>
+          <a:ln w="25400"/>
+        </p:spPr>
+        <p:style>
+          <a:lnRef idx="3">
+            <a:schemeClr val="dk1"/>
+          </a:lnRef>
+          <a:fillRef idx="0">
+            <a:schemeClr val="dk1"/>
+          </a:fillRef>
+          <a:effectRef idx="2">
+            <a:schemeClr val="dk1"/>
+          </a:effectRef>
+          <a:fontRef idx="minor">
+            <a:schemeClr val="tx1"/>
+          </a:fontRef>
+        </p:style>
+      </p:cxnSp>
+      <p:cxnSp>
+        <p:nvCxnSpPr>
+          <p:cNvPr id="12" name="Straight Connector 11">
+            <a:extLst>
+              <a:ext uri="{FF2B5EF4-FFF2-40B4-BE49-F238E27FC236}">
+                <a16:creationId xmlns:a16="http://schemas.microsoft.com/office/drawing/2014/main" id="{B709125A-463A-4ED8-A25B-6F908470C6D2}"/>
+              </a:ext>
+            </a:extLst>
+          </p:cNvPr>
+          <p:cNvCxnSpPr>
+            <a:cxnSpLocks/>
+          </p:cNvCxnSpPr>
+          <p:nvPr/>
+        </p:nvCxnSpPr>
+        <p:spPr>
+          <a:xfrm>
+            <a:off x="1418491" y="4389119"/>
+            <a:ext cx="0" cy="2468881"/>
+          </a:xfrm>
+          <a:prstGeom prst="line">
+            <a:avLst/>
+          </a:prstGeom>
+          <a:ln w="25400"/>
+        </p:spPr>
+        <p:style>
+          <a:lnRef idx="3">
+            <a:schemeClr val="dk1"/>
+          </a:lnRef>
+          <a:fillRef idx="0">
+            <a:schemeClr val="dk1"/>
+          </a:fillRef>
+          <a:effectRef idx="2">
+            <a:schemeClr val="dk1"/>
+          </a:effectRef>
+          <a:fontRef idx="minor">
+            <a:schemeClr val="tx1"/>
+          </a:fontRef>
+        </p:style>
+      </p:cxnSp>
+      <p:cxnSp>
+        <p:nvCxnSpPr>
+          <p:cNvPr id="18" name="Straight Connector 17">
+            <a:extLst>
+              <a:ext uri="{FF2B5EF4-FFF2-40B4-BE49-F238E27FC236}">
+                <a16:creationId xmlns:a16="http://schemas.microsoft.com/office/drawing/2014/main" id="{D3772405-FC34-4C56-B4D0-E171A20E59DC}"/>
+              </a:ext>
+            </a:extLst>
+          </p:cNvPr>
+          <p:cNvCxnSpPr>
+            <a:cxnSpLocks/>
+          </p:cNvCxnSpPr>
+          <p:nvPr/>
+        </p:nvCxnSpPr>
+        <p:spPr>
+          <a:xfrm>
+            <a:off x="295421" y="6886135"/>
+            <a:ext cx="1123070" cy="0"/>
+          </a:xfrm>
+          <a:prstGeom prst="line">
+            <a:avLst/>
+          </a:prstGeom>
+          <a:ln/>
+        </p:spPr>
+        <p:style>
+          <a:lnRef idx="3">
+            <a:schemeClr val="dk1"/>
+          </a:lnRef>
+          <a:fillRef idx="0">
+            <a:schemeClr val="dk1"/>
+          </a:fillRef>
+          <a:effectRef idx="2">
+            <a:schemeClr val="dk1"/>
+          </a:effectRef>
+          <a:fontRef idx="minor">
+            <a:schemeClr val="tx1"/>
+          </a:fontRef>
+        </p:style>
+      </p:cxnSp>
+      <p:cxnSp>
+        <p:nvCxnSpPr>
+          <p:cNvPr id="21" name="Straight Connector 20">
+            <a:extLst>
+              <a:ext uri="{FF2B5EF4-FFF2-40B4-BE49-F238E27FC236}">
+                <a16:creationId xmlns:a16="http://schemas.microsoft.com/office/drawing/2014/main" id="{61B6948F-5526-4E03-B7D4-754FFA7008F5}"/>
+              </a:ext>
+            </a:extLst>
+          </p:cNvPr>
+          <p:cNvCxnSpPr/>
+          <p:nvPr/>
+        </p:nvCxnSpPr>
+        <p:spPr>
+          <a:xfrm>
+            <a:off x="295421" y="6260123"/>
+            <a:ext cx="1123070" cy="0"/>
+          </a:xfrm>
+          <a:prstGeom prst="line">
+            <a:avLst/>
+          </a:prstGeom>
+        </p:spPr>
+        <p:style>
+          <a:lnRef idx="1">
+            <a:schemeClr val="dk1"/>
+          </a:lnRef>
+          <a:fillRef idx="0">
+            <a:schemeClr val="dk1"/>
+          </a:fillRef>
+          <a:effectRef idx="0">
+            <a:schemeClr val="dk1"/>
+          </a:effectRef>
+          <a:fontRef idx="minor">
+            <a:schemeClr val="tx1"/>
+          </a:fontRef>
+        </p:style>
+      </p:cxnSp>
+      <p:sp>
+        <p:nvSpPr>
+          <p:cNvPr id="22" name="TextBox 21">
+            <a:extLst>
+              <a:ext uri="{FF2B5EF4-FFF2-40B4-BE49-F238E27FC236}">
+                <a16:creationId xmlns:a16="http://schemas.microsoft.com/office/drawing/2014/main" id="{30AB90CF-C41C-4698-9398-161F819B4977}"/>
+              </a:ext>
+            </a:extLst>
+          </p:cNvPr>
+          <p:cNvSpPr txBox="1"/>
+          <p:nvPr/>
+        </p:nvSpPr>
+        <p:spPr>
+          <a:xfrm>
+            <a:off x="548640" y="6388463"/>
+            <a:ext cx="1123070" cy="369332"/>
+          </a:xfrm>
+          <a:prstGeom prst="rect">
+            <a:avLst/>
+          </a:prstGeom>
+          <a:noFill/>
+        </p:spPr>
+        <p:txBody>
+          <a:bodyPr wrap="square" rtlCol="0">
+            <a:spAutoFit/>
+          </a:bodyPr>
+          <a:lstStyle/>
+          <a:p>
+            <a:r>
+              <a:rPr lang="en-IN" dirty="0"/>
+              <a:t>GEC</a:t>
+            </a:r>
+          </a:p>
+        </p:txBody>
+      </p:sp>
+      <p:sp>
+        <p:nvSpPr>
+          <p:cNvPr id="23" name="TextBox 22">
+            <a:extLst>
+              <a:ext uri="{FF2B5EF4-FFF2-40B4-BE49-F238E27FC236}">
+                <a16:creationId xmlns:a16="http://schemas.microsoft.com/office/drawing/2014/main" id="{8CEE9BB5-D847-4203-B3C7-A39B7CDDD16E}"/>
+              </a:ext>
+            </a:extLst>
+          </p:cNvPr>
+          <p:cNvSpPr txBox="1"/>
+          <p:nvPr/>
+        </p:nvSpPr>
+        <p:spPr>
+          <a:xfrm>
+            <a:off x="309490" y="3955617"/>
+            <a:ext cx="2377439" cy="369332"/>
+          </a:xfrm>
+          <a:prstGeom prst="rect">
+            <a:avLst/>
+          </a:prstGeom>
+          <a:noFill/>
+        </p:spPr>
+        <p:txBody>
+          <a:bodyPr wrap="square" rtlCol="0">
+            <a:spAutoFit/>
+          </a:bodyPr>
+          <a:lstStyle/>
+          <a:p>
+            <a:r>
+              <a:rPr lang="en-IN" dirty="0"/>
+              <a:t>Call Stack</a:t>
+            </a:r>
+          </a:p>
+        </p:txBody>
+      </p:sp>
+      <p:cxnSp>
+        <p:nvCxnSpPr>
+          <p:cNvPr id="25" name="Straight Connector 24">
+            <a:extLst>
+              <a:ext uri="{FF2B5EF4-FFF2-40B4-BE49-F238E27FC236}">
+                <a16:creationId xmlns:a16="http://schemas.microsoft.com/office/drawing/2014/main" id="{12142755-F4BB-47FA-8262-C271B2B6B525}"/>
+              </a:ext>
+            </a:extLst>
+          </p:cNvPr>
+          <p:cNvCxnSpPr/>
+          <p:nvPr/>
+        </p:nvCxnSpPr>
+        <p:spPr>
+          <a:xfrm>
+            <a:off x="7495734" y="909295"/>
+            <a:ext cx="0" cy="5948705"/>
+          </a:xfrm>
+          <a:prstGeom prst="line">
+            <a:avLst/>
+          </a:prstGeom>
+        </p:spPr>
+        <p:style>
+          <a:lnRef idx="3">
+            <a:schemeClr val="dk1"/>
+          </a:lnRef>
+          <a:fillRef idx="0">
+            <a:schemeClr val="dk1"/>
+          </a:fillRef>
+          <a:effectRef idx="2">
+            <a:schemeClr val="dk1"/>
+          </a:effectRef>
+          <a:fontRef idx="minor">
+            <a:schemeClr val="tx1"/>
+          </a:fontRef>
+        </p:style>
+      </p:cxnSp>
+      <p:sp>
+        <p:nvSpPr>
+          <p:cNvPr id="26" name="TextBox 25">
+            <a:extLst>
+              <a:ext uri="{FF2B5EF4-FFF2-40B4-BE49-F238E27FC236}">
+                <a16:creationId xmlns:a16="http://schemas.microsoft.com/office/drawing/2014/main" id="{AD6A32DA-2C8E-423F-96AC-1E0C3D1EB81D}"/>
+              </a:ext>
+            </a:extLst>
+          </p:cNvPr>
+          <p:cNvSpPr txBox="1"/>
+          <p:nvPr/>
+        </p:nvSpPr>
+        <p:spPr>
+          <a:xfrm>
+            <a:off x="3793584" y="574432"/>
+            <a:ext cx="2126568" cy="369332"/>
+          </a:xfrm>
+          <a:prstGeom prst="rect">
+            <a:avLst/>
+          </a:prstGeom>
+          <a:noFill/>
+        </p:spPr>
+        <p:txBody>
+          <a:bodyPr wrap="square" rtlCol="0">
+            <a:spAutoFit/>
+          </a:bodyPr>
+          <a:lstStyle/>
+          <a:p>
+            <a:r>
+              <a:rPr lang="en-IN" dirty="0"/>
+              <a:t>Execution Phase</a:t>
+            </a:r>
+          </a:p>
+        </p:txBody>
+      </p:sp>
+      <p:sp>
+        <p:nvSpPr>
+          <p:cNvPr id="27" name="TextBox 26">
+            <a:extLst>
+              <a:ext uri="{FF2B5EF4-FFF2-40B4-BE49-F238E27FC236}">
+                <a16:creationId xmlns:a16="http://schemas.microsoft.com/office/drawing/2014/main" id="{DF2CCCEE-5708-4BA4-A916-BF1DD8496BFA}"/>
+              </a:ext>
+            </a:extLst>
+          </p:cNvPr>
+          <p:cNvSpPr txBox="1"/>
+          <p:nvPr/>
+        </p:nvSpPr>
+        <p:spPr>
+          <a:xfrm>
+            <a:off x="8295246" y="574432"/>
+            <a:ext cx="2126568" cy="369332"/>
+          </a:xfrm>
+          <a:prstGeom prst="rect">
+            <a:avLst/>
+          </a:prstGeom>
+          <a:noFill/>
+        </p:spPr>
+        <p:txBody>
+          <a:bodyPr wrap="square" rtlCol="0">
+            <a:spAutoFit/>
+          </a:bodyPr>
+          <a:lstStyle/>
+          <a:p>
+            <a:r>
+              <a:rPr lang="en-IN" dirty="0"/>
+              <a:t>Creation Phase</a:t>
+            </a:r>
+          </a:p>
+        </p:txBody>
+      </p:sp>
+      <p:sp>
+        <p:nvSpPr>
+          <p:cNvPr id="28" name="TextBox 27">
+            <a:extLst>
+              <a:ext uri="{FF2B5EF4-FFF2-40B4-BE49-F238E27FC236}">
+                <a16:creationId xmlns:a16="http://schemas.microsoft.com/office/drawing/2014/main" id="{BC994004-FA3F-48B0-8246-99D13BBDD548}"/>
+              </a:ext>
+            </a:extLst>
+          </p:cNvPr>
+          <p:cNvSpPr txBox="1"/>
+          <p:nvPr/>
+        </p:nvSpPr>
+        <p:spPr>
+          <a:xfrm flipH="1">
+            <a:off x="59207" y="100205"/>
+            <a:ext cx="3647625" cy="2308324"/>
+          </a:xfrm>
+          <a:prstGeom prst="rect">
+            <a:avLst/>
+          </a:prstGeom>
+          <a:noFill/>
+        </p:spPr>
+        <p:txBody>
+          <a:bodyPr wrap="square" rtlCol="0">
+            <a:spAutoFit/>
+          </a:bodyPr>
+          <a:lstStyle/>
+          <a:p>
+            <a:r>
+              <a:rPr lang="en-IN" b="0" dirty="0">
+                <a:effectLst/>
+                <a:latin typeface="Consolas" panose="020B0609020204030204" pitchFamily="49" charset="0"/>
+              </a:rPr>
+              <a:t>console.log(</a:t>
+            </a:r>
+            <a:r>
+              <a:rPr lang="en-IN" b="0" dirty="0">
+                <a:solidFill>
+                  <a:srgbClr val="C00000"/>
+                </a:solidFill>
+                <a:effectLst/>
+                <a:latin typeface="Consolas" panose="020B0609020204030204" pitchFamily="49" charset="0"/>
+              </a:rPr>
+              <a:t>this</a:t>
+            </a:r>
+            <a:r>
+              <a:rPr lang="en-IN" b="0" dirty="0">
+                <a:effectLst/>
+                <a:latin typeface="Consolas" panose="020B0609020204030204" pitchFamily="49" charset="0"/>
+              </a:rPr>
+              <a:t>);</a:t>
+            </a:r>
+          </a:p>
+          <a:p>
+            <a:r>
+              <a:rPr lang="en-IN" b="0" dirty="0">
+                <a:effectLst/>
+                <a:latin typeface="Consolas" panose="020B0609020204030204" pitchFamily="49" charset="0"/>
+              </a:rPr>
+              <a:t>console.log(window);</a:t>
+            </a:r>
+          </a:p>
+          <a:p>
+            <a:r>
+              <a:rPr lang="en-IN" b="0" dirty="0">
+                <a:effectLst/>
+                <a:latin typeface="Consolas" panose="020B0609020204030204" pitchFamily="49" charset="0"/>
+              </a:rPr>
+              <a:t>console.log(var1);</a:t>
+            </a:r>
+          </a:p>
+          <a:p>
+            <a:r>
+              <a:rPr lang="en-IN" dirty="0">
+                <a:solidFill>
+                  <a:srgbClr val="C00000"/>
+                </a:solidFill>
+                <a:latin typeface="Consolas" panose="020B0609020204030204" pitchFamily="49" charset="0"/>
+              </a:rPr>
+              <a:t>var </a:t>
+            </a:r>
+            <a:r>
+              <a:rPr lang="en-IN" dirty="0">
+                <a:latin typeface="Consolas" panose="020B0609020204030204" pitchFamily="49" charset="0"/>
+              </a:rPr>
+              <a:t>var1=5;</a:t>
+            </a:r>
+          </a:p>
+          <a:p>
+            <a:r>
+              <a:rPr lang="en-IN" dirty="0">
+                <a:solidFill>
+                  <a:srgbClr val="C00000"/>
+                </a:solidFill>
+                <a:latin typeface="Consolas" panose="020B0609020204030204" pitchFamily="49" charset="0"/>
+              </a:rPr>
+              <a:t>let</a:t>
+            </a:r>
+            <a:r>
+              <a:rPr lang="en-IN" dirty="0">
+                <a:latin typeface="Consolas" panose="020B0609020204030204" pitchFamily="49" charset="0"/>
+              </a:rPr>
+              <a:t> var2;</a:t>
+            </a:r>
+          </a:p>
+          <a:p>
+            <a:r>
+              <a:rPr lang="en-IN" dirty="0">
+                <a:solidFill>
+                  <a:srgbClr val="C00000"/>
+                </a:solidFill>
+                <a:latin typeface="Consolas" panose="020B0609020204030204" pitchFamily="49" charset="0"/>
+              </a:rPr>
+              <a:t>f</a:t>
+            </a:r>
+            <a:r>
+              <a:rPr lang="en-IN" b="0" dirty="0">
+                <a:solidFill>
+                  <a:srgbClr val="C00000"/>
+                </a:solidFill>
+                <a:effectLst/>
+                <a:latin typeface="Consolas" panose="020B0609020204030204" pitchFamily="49" charset="0"/>
+              </a:rPr>
+              <a:t>unction</a:t>
+            </a:r>
+            <a:r>
+              <a:rPr lang="en-IN" b="0" dirty="0">
+                <a:effectLst/>
+                <a:latin typeface="Consolas" panose="020B0609020204030204" pitchFamily="49" charset="0"/>
+              </a:rPr>
+              <a:t> fun(){</a:t>
+            </a:r>
+          </a:p>
+          <a:p>
+            <a:r>
+              <a:rPr lang="en-IN" dirty="0">
+                <a:latin typeface="Consolas" panose="020B0609020204030204" pitchFamily="49" charset="0"/>
+              </a:rPr>
+              <a:t>c</a:t>
+            </a:r>
+            <a:r>
+              <a:rPr lang="en-IN" b="0" dirty="0">
+                <a:effectLst/>
+                <a:latin typeface="Consolas" panose="020B0609020204030204" pitchFamily="49" charset="0"/>
+              </a:rPr>
+              <a:t>onsole.log(“hi”);</a:t>
+            </a:r>
+          </a:p>
+          <a:p>
+            <a:r>
+              <a:rPr lang="en-IN" dirty="0">
+                <a:latin typeface="Consolas" panose="020B0609020204030204" pitchFamily="49" charset="0"/>
+              </a:rPr>
+              <a:t>}</a:t>
+            </a:r>
+            <a:endParaRPr lang="en-IN" b="0" dirty="0">
+              <a:effectLst/>
+              <a:latin typeface="Consolas" panose="020B0609020204030204" pitchFamily="49" charset="0"/>
+            </a:endParaRPr>
+          </a:p>
+        </p:txBody>
+      </p:sp>
+      <p:sp>
+        <p:nvSpPr>
+          <p:cNvPr id="29" name="TextBox 28">
+            <a:extLst>
+              <a:ext uri="{FF2B5EF4-FFF2-40B4-BE49-F238E27FC236}">
+                <a16:creationId xmlns:a16="http://schemas.microsoft.com/office/drawing/2014/main" id="{EF6CC197-4400-4EBD-A2BA-6EACD6030ED7}"/>
+              </a:ext>
+            </a:extLst>
+          </p:cNvPr>
+          <p:cNvSpPr txBox="1"/>
+          <p:nvPr/>
+        </p:nvSpPr>
+        <p:spPr>
+          <a:xfrm flipH="1">
+            <a:off x="8020055" y="1720840"/>
+            <a:ext cx="5187164" cy="2246769"/>
+          </a:xfrm>
+          <a:prstGeom prst="rect">
+            <a:avLst/>
+          </a:prstGeom>
+          <a:noFill/>
+        </p:spPr>
+        <p:txBody>
+          <a:bodyPr wrap="square" rtlCol="0">
+            <a:spAutoFit/>
+          </a:bodyPr>
+          <a:lstStyle/>
+          <a:p>
+            <a:r>
+              <a:rPr lang="en-IN" sz="3500" b="0" dirty="0">
+                <a:effectLst/>
+                <a:latin typeface="Consolas" panose="020B0609020204030204" pitchFamily="49" charset="0"/>
+              </a:rPr>
+              <a:t>this =window</a:t>
+            </a:r>
+          </a:p>
+          <a:p>
+            <a:r>
+              <a:rPr lang="en-IN" sz="3500" dirty="0">
+                <a:latin typeface="Consolas" panose="020B0609020204030204" pitchFamily="49" charset="0"/>
+              </a:rPr>
+              <a:t>var1=undefined</a:t>
+            </a:r>
+          </a:p>
+          <a:p>
+            <a:r>
+              <a:rPr lang="en-IN" sz="3500" dirty="0">
+                <a:latin typeface="Consolas" panose="020B0609020204030204" pitchFamily="49" charset="0"/>
+              </a:rPr>
+              <a:t>var2 =</a:t>
+            </a:r>
+            <a:r>
+              <a:rPr lang="en-IN" sz="3000" dirty="0" err="1">
+                <a:latin typeface="Consolas" panose="020B0609020204030204" pitchFamily="49" charset="0"/>
+              </a:rPr>
+              <a:t>unintial</a:t>
+            </a:r>
+            <a:r>
+              <a:rPr lang="en-IN" sz="3000" dirty="0">
+                <a:latin typeface="Consolas" panose="020B0609020204030204" pitchFamily="49" charset="0"/>
+              </a:rPr>
+              <a:t>..</a:t>
+            </a:r>
+          </a:p>
+          <a:p>
+            <a:r>
+              <a:rPr lang="en-IN" sz="3500" b="0" dirty="0">
+                <a:effectLst/>
+                <a:latin typeface="Consolas" panose="020B0609020204030204" pitchFamily="49" charset="0"/>
+              </a:rPr>
+              <a:t>fun =…</a:t>
+            </a:r>
+          </a:p>
+        </p:txBody>
+      </p:sp>
+      <p:sp>
+        <p:nvSpPr>
+          <p:cNvPr id="30" name="TextBox 29">
+            <a:extLst>
+              <a:ext uri="{FF2B5EF4-FFF2-40B4-BE49-F238E27FC236}">
+                <a16:creationId xmlns:a16="http://schemas.microsoft.com/office/drawing/2014/main" id="{AEDC98C9-4F9B-49F8-BD6B-938D82183B74}"/>
+              </a:ext>
+            </a:extLst>
+          </p:cNvPr>
+          <p:cNvSpPr txBox="1"/>
+          <p:nvPr/>
+        </p:nvSpPr>
+        <p:spPr>
+          <a:xfrm flipH="1">
+            <a:off x="3211249" y="2087556"/>
+            <a:ext cx="5187164" cy="3862596"/>
+          </a:xfrm>
+          <a:prstGeom prst="rect">
+            <a:avLst/>
+          </a:prstGeom>
+          <a:noFill/>
+        </p:spPr>
+        <p:txBody>
+          <a:bodyPr wrap="square" rtlCol="0">
+            <a:spAutoFit/>
+          </a:bodyPr>
+          <a:lstStyle/>
+          <a:p>
+            <a:r>
+              <a:rPr lang="en-IN" sz="3500" b="0" dirty="0">
+                <a:effectLst/>
+                <a:latin typeface="Consolas" panose="020B0609020204030204" pitchFamily="49" charset="0"/>
+              </a:rPr>
+              <a:t>line 1  ✔</a:t>
+            </a:r>
+          </a:p>
+          <a:p>
+            <a:r>
+              <a:rPr lang="en-IN" sz="3500" dirty="0">
+                <a:latin typeface="Consolas" panose="020B0609020204030204" pitchFamily="49" charset="0"/>
+              </a:rPr>
+              <a:t>line 2  </a:t>
+            </a:r>
+            <a:r>
+              <a:rPr lang="en-IN" sz="3500" b="0" dirty="0">
+                <a:effectLst/>
+                <a:latin typeface="Consolas" panose="020B0609020204030204" pitchFamily="49" charset="0"/>
+              </a:rPr>
+              <a:t>✔</a:t>
+            </a:r>
+            <a:endParaRPr lang="en-IN" sz="3500" dirty="0">
+              <a:latin typeface="Consolas" panose="020B0609020204030204" pitchFamily="49" charset="0"/>
+            </a:endParaRPr>
+          </a:p>
+          <a:p>
+            <a:r>
+              <a:rPr lang="en-IN" sz="3500" b="0" dirty="0">
+                <a:effectLst/>
+                <a:latin typeface="Consolas" panose="020B0609020204030204" pitchFamily="49" charset="0"/>
+              </a:rPr>
+              <a:t>line 3  ✔</a:t>
+            </a:r>
+          </a:p>
+          <a:p>
+            <a:r>
+              <a:rPr lang="en-IN" sz="3500" dirty="0">
+                <a:latin typeface="Consolas" panose="020B0609020204030204" pitchFamily="49" charset="0"/>
+              </a:rPr>
+              <a:t>line 4  </a:t>
+            </a:r>
+            <a:r>
+              <a:rPr lang="en-IN" sz="3500" b="0" dirty="0">
+                <a:effectLst/>
+                <a:latin typeface="Consolas" panose="020B0609020204030204" pitchFamily="49" charset="0"/>
+              </a:rPr>
+              <a:t>✔</a:t>
+            </a:r>
+            <a:endParaRPr lang="en-IN" sz="3500" dirty="0">
+              <a:latin typeface="Consolas" panose="020B0609020204030204" pitchFamily="49" charset="0"/>
+            </a:endParaRPr>
+          </a:p>
+          <a:p>
+            <a:r>
+              <a:rPr lang="en-IN" sz="3500" b="0" dirty="0">
+                <a:effectLst/>
+                <a:latin typeface="Consolas" panose="020B0609020204030204" pitchFamily="49" charset="0"/>
+              </a:rPr>
+              <a:t>line 5  ✔</a:t>
+            </a:r>
+          </a:p>
+          <a:p>
+            <a:r>
+              <a:rPr lang="en-IN" sz="3500" dirty="0">
+                <a:latin typeface="Consolas" panose="020B0609020204030204" pitchFamily="49" charset="0"/>
+              </a:rPr>
+              <a:t>line 6 –already</a:t>
+            </a:r>
+          </a:p>
+          <a:p>
+            <a:r>
+              <a:rPr lang="en-IN" sz="3500" b="0" dirty="0">
+                <a:effectLst/>
+                <a:latin typeface="Consolas" panose="020B0609020204030204" pitchFamily="49" charset="0"/>
+              </a:rPr>
+              <a:t>(not executable)</a:t>
+            </a:r>
+          </a:p>
+        </p:txBody>
+      </p:sp>
+      <p:cxnSp>
+        <p:nvCxnSpPr>
+          <p:cNvPr id="32" name="Straight Arrow Connector 31">
+            <a:extLst>
+              <a:ext uri="{FF2B5EF4-FFF2-40B4-BE49-F238E27FC236}">
+                <a16:creationId xmlns:a16="http://schemas.microsoft.com/office/drawing/2014/main" id="{3AC41A8A-5327-4F4E-A205-C304CBD17920}"/>
+              </a:ext>
+            </a:extLst>
+          </p:cNvPr>
+          <p:cNvCxnSpPr>
+            <a:cxnSpLocks/>
+          </p:cNvCxnSpPr>
+          <p:nvPr/>
+        </p:nvCxnSpPr>
+        <p:spPr>
+          <a:xfrm>
+            <a:off x="2208628" y="1210532"/>
+            <a:ext cx="2078795" cy="637736"/>
+          </a:xfrm>
+          <a:prstGeom prst="straightConnector1">
+            <a:avLst/>
+          </a:prstGeom>
+          <a:ln>
+            <a:tailEnd type="triangle"/>
+          </a:ln>
+        </p:spPr>
+        <p:style>
+          <a:lnRef idx="1">
+            <a:schemeClr val="dk1"/>
+          </a:lnRef>
+          <a:fillRef idx="0">
+            <a:schemeClr val="dk1"/>
+          </a:fillRef>
+          <a:effectRef idx="0">
+            <a:schemeClr val="dk1"/>
+          </a:effectRef>
+          <a:fontRef idx="minor">
+            <a:schemeClr val="tx1"/>
+          </a:fontRef>
+        </p:style>
+      </p:cxnSp>
+      <p:cxnSp>
+        <p:nvCxnSpPr>
+          <p:cNvPr id="35" name="Straight Arrow Connector 34">
+            <a:extLst>
+              <a:ext uri="{FF2B5EF4-FFF2-40B4-BE49-F238E27FC236}">
+                <a16:creationId xmlns:a16="http://schemas.microsoft.com/office/drawing/2014/main" id="{DD60818B-14AD-472F-8766-1467BF12AD60}"/>
+              </a:ext>
+            </a:extLst>
+          </p:cNvPr>
+          <p:cNvCxnSpPr>
+            <a:cxnSpLocks/>
+          </p:cNvCxnSpPr>
+          <p:nvPr/>
+        </p:nvCxnSpPr>
+        <p:spPr>
+          <a:xfrm>
+            <a:off x="2208628" y="1196792"/>
+            <a:ext cx="6485206" cy="282538"/>
+          </a:xfrm>
+          <a:prstGeom prst="straightConnector1">
+            <a:avLst/>
+          </a:prstGeom>
+          <a:ln>
+            <a:tailEnd type="triangle"/>
+          </a:ln>
+        </p:spPr>
+        <p:style>
+          <a:lnRef idx="1">
+            <a:schemeClr val="dk1"/>
+          </a:lnRef>
+          <a:fillRef idx="0">
+            <a:schemeClr val="dk1"/>
+          </a:fillRef>
+          <a:effectRef idx="0">
+            <a:schemeClr val="dk1"/>
+          </a:effectRef>
+          <a:fontRef idx="minor">
+            <a:schemeClr val="tx1"/>
+          </a:fontRef>
+        </p:style>
+      </p:cxnSp>
+      <p:sp>
+        <p:nvSpPr>
+          <p:cNvPr id="37" name="Left Brace 36">
+            <a:extLst>
+              <a:ext uri="{FF2B5EF4-FFF2-40B4-BE49-F238E27FC236}">
+                <a16:creationId xmlns:a16="http://schemas.microsoft.com/office/drawing/2014/main" id="{E99EE41A-6A17-41A3-93C6-6A38036748D7}"/>
+              </a:ext>
+            </a:extLst>
+          </p:cNvPr>
+          <p:cNvSpPr/>
+          <p:nvPr/>
+        </p:nvSpPr>
+        <p:spPr>
+          <a:xfrm>
+            <a:off x="2852521" y="2442998"/>
+            <a:ext cx="211017" cy="2740246"/>
+          </a:xfrm>
+          <a:prstGeom prst="leftBrace">
+            <a:avLst/>
+          </a:prstGeom>
+        </p:spPr>
+        <p:style>
+          <a:lnRef idx="1">
+            <a:schemeClr val="dk1"/>
+          </a:lnRef>
+          <a:fillRef idx="0">
+            <a:schemeClr val="dk1"/>
+          </a:fillRef>
+          <a:effectRef idx="0">
+            <a:schemeClr val="dk1"/>
+          </a:effectRef>
+          <a:fontRef idx="minor">
+            <a:schemeClr val="tx1"/>
+          </a:fontRef>
+        </p:style>
+        <p:txBody>
+          <a:bodyPr rtlCol="0" anchor="ctr"/>
+          <a:lstStyle/>
+          <a:p>
+            <a:pPr algn="ctr"/>
+            <a:endParaRPr lang="en-IN"/>
+          </a:p>
+        </p:txBody>
+      </p:sp>
+      <p:sp>
+        <p:nvSpPr>
+          <p:cNvPr id="39" name="Freeform: Shape 38">
+            <a:extLst>
+              <a:ext uri="{FF2B5EF4-FFF2-40B4-BE49-F238E27FC236}">
+                <a16:creationId xmlns:a16="http://schemas.microsoft.com/office/drawing/2014/main" id="{81E61587-772C-4D80-8E46-4DDDA07BCF64}"/>
+              </a:ext>
+            </a:extLst>
+          </p:cNvPr>
+          <p:cNvSpPr/>
+          <p:nvPr/>
+        </p:nvSpPr>
+        <p:spPr>
+          <a:xfrm>
+            <a:off x="1350498" y="3812345"/>
+            <a:ext cx="1463040" cy="2729132"/>
+          </a:xfrm>
+          <a:custGeom>
+            <a:avLst/>
+            <a:gdLst>
+              <a:gd name="connsiteX0" fmla="*/ 1463040 w 1463040"/>
+              <a:gd name="connsiteY0" fmla="*/ 0 h 2729132"/>
+              <a:gd name="connsiteX1" fmla="*/ 633047 w 1463040"/>
+              <a:gd name="connsiteY1" fmla="*/ 168812 h 2729132"/>
+              <a:gd name="connsiteX2" fmla="*/ 970671 w 1463040"/>
+              <a:gd name="connsiteY2" fmla="*/ 1955409 h 2729132"/>
+              <a:gd name="connsiteX3" fmla="*/ 0 w 1463040"/>
+              <a:gd name="connsiteY3" fmla="*/ 2729132 h 2729132"/>
+              <a:gd name="connsiteX4" fmla="*/ 0 w 1463040"/>
+              <a:gd name="connsiteY4" fmla="*/ 2729132 h 2729132"/>
+              <a:gd name="connsiteX5" fmla="*/ 0 w 1463040"/>
+              <a:gd name="connsiteY5" fmla="*/ 2729132 h 2729132"/>
+            </a:gdLst>
+            <a:ahLst/>
+            <a:cxnLst>
+              <a:cxn ang="0">
+                <a:pos x="connsiteX0" y="connsiteY0"/>
+              </a:cxn>
+              <a:cxn ang="0">
+                <a:pos x="connsiteX1" y="connsiteY1"/>
+              </a:cxn>
+              <a:cxn ang="0">
+                <a:pos x="connsiteX2" y="connsiteY2"/>
+              </a:cxn>
+              <a:cxn ang="0">
+                <a:pos x="connsiteX3" y="connsiteY3"/>
+              </a:cxn>
+              <a:cxn ang="0">
+                <a:pos x="connsiteX4" y="connsiteY4"/>
+              </a:cxn>
+              <a:cxn ang="0">
+                <a:pos x="connsiteX5" y="connsiteY5"/>
+              </a:cxn>
+            </a:cxnLst>
+            <a:rect l="l" t="t" r="r" b="b"/>
+            <a:pathLst>
+              <a:path w="1463040" h="2729132">
+                <a:moveTo>
+                  <a:pt x="1463040" y="0"/>
+                </a:moveTo>
+                <a:lnTo>
+                  <a:pt x="633047" y="168812"/>
+                </a:lnTo>
+                <a:cubicBezTo>
+                  <a:pt x="550985" y="494714"/>
+                  <a:pt x="1076179" y="1528689"/>
+                  <a:pt x="970671" y="1955409"/>
+                </a:cubicBezTo>
+                <a:cubicBezTo>
+                  <a:pt x="865163" y="2382129"/>
+                  <a:pt x="0" y="2729132"/>
+                  <a:pt x="0" y="2729132"/>
+                </a:cubicBezTo>
+                <a:lnTo>
+                  <a:pt x="0" y="2729132"/>
+                </a:lnTo>
+                <a:lnTo>
+                  <a:pt x="0" y="2729132"/>
+                </a:lnTo>
+              </a:path>
+            </a:pathLst>
+          </a:custGeom>
+          <a:noFill/>
+        </p:spPr>
+        <p:style>
+          <a:lnRef idx="2">
+            <a:schemeClr val="accent1">
+              <a:shade val="50000"/>
+            </a:schemeClr>
+          </a:lnRef>
+          <a:fillRef idx="1">
+            <a:schemeClr val="accent1"/>
+          </a:fillRef>
+          <a:effectRef idx="0">
+            <a:schemeClr val="accent1"/>
+          </a:effectRef>
+          <a:fontRef idx="minor">
+            <a:schemeClr val="lt1"/>
+          </a:fontRef>
+        </p:style>
+        <p:txBody>
+          <a:bodyPr rtlCol="0" anchor="ctr"/>
+          <a:lstStyle/>
+          <a:p>
+            <a:pPr algn="ctr"/>
+            <a:endParaRPr lang="en-IN"/>
+          </a:p>
+        </p:txBody>
+      </p:sp>
+      <p:sp>
+        <p:nvSpPr>
+          <p:cNvPr id="40" name="TextBox 39">
+            <a:extLst>
+              <a:ext uri="{FF2B5EF4-FFF2-40B4-BE49-F238E27FC236}">
+                <a16:creationId xmlns:a16="http://schemas.microsoft.com/office/drawing/2014/main" id="{B7D6DEFD-9B14-4891-9FE9-391315B936EE}"/>
+              </a:ext>
+            </a:extLst>
+          </p:cNvPr>
+          <p:cNvSpPr txBox="1"/>
+          <p:nvPr/>
+        </p:nvSpPr>
+        <p:spPr>
+          <a:xfrm rot="18495344">
+            <a:off x="737053" y="4524733"/>
+            <a:ext cx="3494948" cy="369332"/>
+          </a:xfrm>
+          <a:prstGeom prst="rect">
+            <a:avLst/>
+          </a:prstGeom>
+          <a:noFill/>
+        </p:spPr>
+        <p:txBody>
+          <a:bodyPr wrap="square" rtlCol="0">
+            <a:spAutoFit/>
+          </a:bodyPr>
+          <a:lstStyle/>
+          <a:p>
+            <a:r>
+              <a:rPr lang="en-IN" dirty="0"/>
+              <a:t>All this happens here</a:t>
+            </a:r>
+          </a:p>
+        </p:txBody>
+      </p:sp>
+    </p:spTree>
+    <p:extLst>
+      <p:ext uri="{BB962C8B-B14F-4D97-AF65-F5344CB8AC3E}">
+        <p14:creationId xmlns:p14="http://schemas.microsoft.com/office/powerpoint/2010/main" val="3089179274"/>
+      </p:ext>
+    </p:extLst>
+  </p:cSld>
+  <p:clrMapOvr>
+    <a:masterClrMapping/>
+  </p:clrMapOvr>
+</p:sld>
+</file>
+
+<file path=ppt/slides/slide11.xml><?xml version="1.0" encoding="utf-8"?>
+<p:sld xmlns:a="http://schemas.openxmlformats.org/drawingml/2006/main" xmlns:r="http://schemas.openxmlformats.org/officeDocument/2006/relationships" xmlns:p="http://schemas.openxmlformats.org/presentationml/2006/main">
+  <p:cSld>
+    <p:spTree>
+      <p:nvGrpSpPr>
+        <p:cNvPr id="1" name=""/>
+        <p:cNvGrpSpPr/>
+        <p:nvPr/>
+      </p:nvGrpSpPr>
+      <p:grpSpPr>
+        <a:xfrm>
+          <a:off x="0" y="0"/>
+          <a:ext cx="0" cy="0"/>
+          <a:chOff x="0" y="0"/>
+          <a:chExt cx="0" cy="0"/>
+        </a:xfrm>
+      </p:grpSpPr>
+      <p:sp>
+        <p:nvSpPr>
+          <p:cNvPr id="2" name="Title 1">
+            <a:extLst>
+              <a:ext uri="{FF2B5EF4-FFF2-40B4-BE49-F238E27FC236}">
+                <a16:creationId xmlns:a16="http://schemas.microsoft.com/office/drawing/2014/main" id="{A50F077C-D6A7-4C42-912D-570FC3D98CBC}"/>
+              </a:ext>
+            </a:extLst>
+          </p:cNvPr>
+          <p:cNvSpPr>
+            <a:spLocks noGrp="1"/>
+          </p:cNvSpPr>
+          <p:nvPr>
+            <p:ph type="title"/>
+          </p:nvPr>
+        </p:nvSpPr>
+        <p:spPr/>
+        <p:txBody>
+          <a:bodyPr/>
+          <a:lstStyle/>
+          <a:p>
+            <a:endParaRPr lang="en-IN"/>
+          </a:p>
+        </p:txBody>
+      </p:sp>
+      <p:sp>
+        <p:nvSpPr>
+          <p:cNvPr id="3" name="Content Placeholder 2">
+            <a:extLst>
+              <a:ext uri="{FF2B5EF4-FFF2-40B4-BE49-F238E27FC236}">
+                <a16:creationId xmlns:a16="http://schemas.microsoft.com/office/drawing/2014/main" id="{80D1FA1C-8853-43B1-BFB5-2680EBDECBE9}"/>
+              </a:ext>
+            </a:extLst>
+          </p:cNvPr>
+          <p:cNvSpPr>
+            <a:spLocks noGrp="1"/>
+          </p:cNvSpPr>
+          <p:nvPr>
+            <p:ph idx="1"/>
+          </p:nvPr>
+        </p:nvSpPr>
+        <p:spPr/>
+        <p:txBody>
+          <a:bodyPr/>
+          <a:lstStyle/>
+          <a:p>
+            <a:r>
+              <a:rPr lang="en-IN" dirty="0"/>
+              <a:t>Temporal Dead Zone (TDZ) :- </a:t>
+            </a:r>
+          </a:p>
+          <a:p>
+            <a:pPr marL="457200" lvl="1" indent="0">
+              <a:buNone/>
+            </a:pPr>
+            <a:r>
+              <a:rPr lang="en-IN" dirty="0"/>
+              <a:t>Variable created with let and </a:t>
+            </a:r>
+            <a:r>
+              <a:rPr lang="en-IN" dirty="0" err="1"/>
+              <a:t>const</a:t>
+            </a:r>
+            <a:r>
+              <a:rPr lang="en-IN" dirty="0"/>
+              <a:t> which are in uninitialized state(the scope before declaration of variable ) called  Temporal Dead Zone </a:t>
+            </a:r>
+          </a:p>
+        </p:txBody>
+      </p:sp>
+    </p:spTree>
+    <p:extLst>
+      <p:ext uri="{BB962C8B-B14F-4D97-AF65-F5344CB8AC3E}">
+        <p14:creationId xmlns:p14="http://schemas.microsoft.com/office/powerpoint/2010/main" val="1993130634"/>
+      </p:ext>
+    </p:extLst>
+  </p:cSld>
+  <p:clrMapOvr>
+    <a:masterClrMapping/>
+  </p:clrMapOvr>
+</p:sld>
+</file>
+
+<file path=ppt/slides/slide12.xml><?xml version="1.0" encoding="utf-8"?>
+<p:sld xmlns:a="http://schemas.openxmlformats.org/drawingml/2006/main" xmlns:r="http://schemas.openxmlformats.org/officeDocument/2006/relationships" xmlns:p="http://schemas.openxmlformats.org/presentationml/2006/main">
+  <p:cSld>
+    <p:spTree>
+      <p:nvGrpSpPr>
+        <p:cNvPr id="1" name=""/>
+        <p:cNvGrpSpPr/>
+        <p:nvPr/>
+      </p:nvGrpSpPr>
+      <p:grpSpPr>
+        <a:xfrm>
+          <a:off x="0" y="0"/>
+          <a:ext cx="0" cy="0"/>
+          <a:chOff x="0" y="0"/>
+          <a:chExt cx="0" cy="0"/>
+        </a:xfrm>
+      </p:grpSpPr>
+      <p:sp>
+        <p:nvSpPr>
+          <p:cNvPr id="2" name="Title 1">
+            <a:extLst>
+              <a:ext uri="{FF2B5EF4-FFF2-40B4-BE49-F238E27FC236}">
+                <a16:creationId xmlns:a16="http://schemas.microsoft.com/office/drawing/2014/main" id="{58FE68B8-B700-40D9-A001-3FB579D3531C}"/>
+              </a:ext>
+            </a:extLst>
+          </p:cNvPr>
+          <p:cNvSpPr>
+            <a:spLocks noGrp="1"/>
+          </p:cNvSpPr>
+          <p:nvPr>
+            <p:ph type="title"/>
+          </p:nvPr>
+        </p:nvSpPr>
+        <p:spPr>
+          <a:xfrm>
+            <a:off x="838200" y="11201"/>
+            <a:ext cx="10515600" cy="1028732"/>
+          </a:xfrm>
+        </p:spPr>
+        <p:txBody>
+          <a:bodyPr/>
+          <a:lstStyle/>
+          <a:p>
+            <a:r>
+              <a:rPr lang="en-IN" dirty="0"/>
+              <a:t>Function Execution Context</a:t>
+            </a:r>
+          </a:p>
+        </p:txBody>
+      </p:sp>
+      <p:sp>
+        <p:nvSpPr>
+          <p:cNvPr id="3" name="Content Placeholder 2">
+            <a:extLst>
+              <a:ext uri="{FF2B5EF4-FFF2-40B4-BE49-F238E27FC236}">
+                <a16:creationId xmlns:a16="http://schemas.microsoft.com/office/drawing/2014/main" id="{7F3B4ABC-284A-4D0A-9832-48E7E0CBF18F}"/>
+              </a:ext>
+            </a:extLst>
+          </p:cNvPr>
+          <p:cNvSpPr>
+            <a:spLocks noGrp="1"/>
+          </p:cNvSpPr>
+          <p:nvPr>
+            <p:ph idx="1"/>
+          </p:nvPr>
+        </p:nvSpPr>
+        <p:spPr>
+          <a:xfrm>
+            <a:off x="649826" y="955493"/>
+            <a:ext cx="10515589" cy="826909"/>
+          </a:xfrm>
+        </p:spPr>
+        <p:txBody>
+          <a:bodyPr/>
+          <a:lstStyle/>
+          <a:p>
+            <a:r>
+              <a:rPr lang="en-IN" dirty="0"/>
+              <a:t>Whenever a function is called then FEC is created.</a:t>
+            </a:r>
+          </a:p>
+        </p:txBody>
+      </p:sp>
+      <p:sp>
+        <p:nvSpPr>
+          <p:cNvPr id="4" name="Rectangle 3">
+            <a:extLst>
+              <a:ext uri="{FF2B5EF4-FFF2-40B4-BE49-F238E27FC236}">
+                <a16:creationId xmlns:a16="http://schemas.microsoft.com/office/drawing/2014/main" id="{DB331DEE-D04A-4669-A544-115EF2DD8A93}"/>
+              </a:ext>
+            </a:extLst>
+          </p:cNvPr>
+          <p:cNvSpPr/>
+          <p:nvPr/>
+        </p:nvSpPr>
+        <p:spPr>
+          <a:xfrm>
+            <a:off x="4962079" y="2437656"/>
+            <a:ext cx="7320481" cy="4352958"/>
+          </a:xfrm>
+          <a:prstGeom prst="rect">
+            <a:avLst/>
+          </a:prstGeom>
+        </p:spPr>
+        <p:style>
+          <a:lnRef idx="2">
+            <a:schemeClr val="accent1">
+              <a:shade val="50000"/>
+            </a:schemeClr>
+          </a:lnRef>
+          <a:fillRef idx="1">
+            <a:schemeClr val="accent1"/>
+          </a:fillRef>
+          <a:effectRef idx="0">
+            <a:schemeClr val="accent1"/>
+          </a:effectRef>
+          <a:fontRef idx="minor">
+            <a:schemeClr val="lt1"/>
+          </a:fontRef>
+        </p:style>
+        <p:txBody>
+          <a:bodyPr rtlCol="0" anchor="ctr"/>
+          <a:lstStyle/>
+          <a:p>
+            <a:pPr algn="ctr"/>
+            <a:endParaRPr lang="en-IN"/>
+          </a:p>
+        </p:txBody>
+      </p:sp>
+      <p:cxnSp>
+        <p:nvCxnSpPr>
+          <p:cNvPr id="11" name="Straight Connector 10">
+            <a:extLst>
+              <a:ext uri="{FF2B5EF4-FFF2-40B4-BE49-F238E27FC236}">
+                <a16:creationId xmlns:a16="http://schemas.microsoft.com/office/drawing/2014/main" id="{0D06F27C-14C5-493B-9C6A-94D1CBB58E16}"/>
+              </a:ext>
+            </a:extLst>
+          </p:cNvPr>
+          <p:cNvCxnSpPr>
+            <a:cxnSpLocks/>
+          </p:cNvCxnSpPr>
+          <p:nvPr/>
+        </p:nvCxnSpPr>
+        <p:spPr>
+          <a:xfrm>
+            <a:off x="8227254" y="2495897"/>
+            <a:ext cx="0" cy="4371598"/>
+          </a:xfrm>
+          <a:prstGeom prst="line">
+            <a:avLst/>
+          </a:prstGeom>
+        </p:spPr>
+        <p:style>
+          <a:lnRef idx="3">
+            <a:schemeClr val="dk1"/>
+          </a:lnRef>
+          <a:fillRef idx="0">
+            <a:schemeClr val="dk1"/>
+          </a:fillRef>
+          <a:effectRef idx="2">
+            <a:schemeClr val="dk1"/>
+          </a:effectRef>
+          <a:fontRef idx="minor">
+            <a:schemeClr val="tx1"/>
+          </a:fontRef>
+        </p:style>
+      </p:cxnSp>
+      <p:sp>
+        <p:nvSpPr>
+          <p:cNvPr id="12" name="TextBox 11">
+            <a:extLst>
+              <a:ext uri="{FF2B5EF4-FFF2-40B4-BE49-F238E27FC236}">
+                <a16:creationId xmlns:a16="http://schemas.microsoft.com/office/drawing/2014/main" id="{E9C069DC-F2E5-4667-8F1C-4BC1231BE98F}"/>
+              </a:ext>
+            </a:extLst>
+          </p:cNvPr>
+          <p:cNvSpPr txBox="1"/>
+          <p:nvPr/>
+        </p:nvSpPr>
+        <p:spPr>
+          <a:xfrm>
+            <a:off x="5771419" y="2495897"/>
+            <a:ext cx="2126568" cy="369332"/>
+          </a:xfrm>
+          <a:prstGeom prst="rect">
+            <a:avLst/>
+          </a:prstGeom>
+          <a:noFill/>
+        </p:spPr>
+        <p:txBody>
+          <a:bodyPr wrap="square" rtlCol="0">
+            <a:spAutoFit/>
+          </a:bodyPr>
+          <a:lstStyle/>
+          <a:p>
+            <a:r>
+              <a:rPr lang="en-IN" dirty="0"/>
+              <a:t>Execution Phase</a:t>
+            </a:r>
+          </a:p>
+        </p:txBody>
+      </p:sp>
+      <p:sp>
+        <p:nvSpPr>
+          <p:cNvPr id="13" name="TextBox 12">
+            <a:extLst>
+              <a:ext uri="{FF2B5EF4-FFF2-40B4-BE49-F238E27FC236}">
+                <a16:creationId xmlns:a16="http://schemas.microsoft.com/office/drawing/2014/main" id="{8C676847-1515-4C6C-B44D-BFE71F7F89CB}"/>
+              </a:ext>
+            </a:extLst>
+          </p:cNvPr>
+          <p:cNvSpPr txBox="1"/>
+          <p:nvPr/>
+        </p:nvSpPr>
+        <p:spPr>
+          <a:xfrm>
+            <a:off x="9862407" y="2486225"/>
+            <a:ext cx="2126568" cy="369332"/>
+          </a:xfrm>
+          <a:prstGeom prst="rect">
+            <a:avLst/>
+          </a:prstGeom>
+          <a:noFill/>
+        </p:spPr>
+        <p:txBody>
+          <a:bodyPr wrap="square" rtlCol="0">
+            <a:spAutoFit/>
+          </a:bodyPr>
+          <a:lstStyle/>
+          <a:p>
+            <a:r>
+              <a:rPr lang="en-IN" dirty="0"/>
+              <a:t>Creation Phase</a:t>
+            </a:r>
+          </a:p>
+        </p:txBody>
+      </p:sp>
+      <p:sp>
+        <p:nvSpPr>
+          <p:cNvPr id="14" name="TextBox 13">
+            <a:extLst>
+              <a:ext uri="{FF2B5EF4-FFF2-40B4-BE49-F238E27FC236}">
+                <a16:creationId xmlns:a16="http://schemas.microsoft.com/office/drawing/2014/main" id="{8B5AD04E-B613-4D23-A350-847B73BD93C5}"/>
+              </a:ext>
+            </a:extLst>
+          </p:cNvPr>
+          <p:cNvSpPr txBox="1"/>
+          <p:nvPr/>
+        </p:nvSpPr>
+        <p:spPr>
+          <a:xfrm flipH="1">
+            <a:off x="688103" y="1932227"/>
+            <a:ext cx="3647625" cy="1754326"/>
+          </a:xfrm>
+          <a:prstGeom prst="rect">
+            <a:avLst/>
+          </a:prstGeom>
+          <a:noFill/>
+        </p:spPr>
+        <p:txBody>
+          <a:bodyPr wrap="square" rtlCol="0">
+            <a:spAutoFit/>
+          </a:bodyPr>
+          <a:lstStyle/>
+          <a:p>
+            <a:r>
+              <a:rPr lang="en-IN" dirty="0">
+                <a:solidFill>
+                  <a:srgbClr val="C00000"/>
+                </a:solidFill>
+                <a:latin typeface="Consolas" panose="020B0609020204030204" pitchFamily="49" charset="0"/>
+              </a:rPr>
+              <a:t>f</a:t>
+            </a:r>
+            <a:r>
+              <a:rPr lang="en-IN" b="0" dirty="0">
+                <a:solidFill>
+                  <a:srgbClr val="C00000"/>
+                </a:solidFill>
+                <a:effectLst/>
+                <a:latin typeface="Consolas" panose="020B0609020204030204" pitchFamily="49" charset="0"/>
+              </a:rPr>
+              <a:t>unction</a:t>
+            </a:r>
+            <a:r>
+              <a:rPr lang="en-IN" b="0" dirty="0">
+                <a:effectLst/>
+                <a:latin typeface="Consolas" panose="020B0609020204030204" pitchFamily="49" charset="0"/>
+              </a:rPr>
+              <a:t> fun(</a:t>
+            </a:r>
+            <a:r>
+              <a:rPr lang="en-IN" b="0" dirty="0" err="1">
+                <a:effectLst/>
+                <a:latin typeface="Consolas" panose="020B0609020204030204" pitchFamily="49" charset="0"/>
+              </a:rPr>
+              <a:t>name,age</a:t>
+            </a:r>
+            <a:r>
+              <a:rPr lang="en-IN" b="0" dirty="0">
+                <a:effectLst/>
+                <a:latin typeface="Consolas" panose="020B0609020204030204" pitchFamily="49" charset="0"/>
+              </a:rPr>
+              <a:t>){</a:t>
+            </a:r>
+          </a:p>
+          <a:p>
+            <a:r>
+              <a:rPr lang="en-IN" dirty="0">
+                <a:latin typeface="Consolas" panose="020B0609020204030204" pitchFamily="49" charset="0"/>
+              </a:rPr>
+              <a:t>	let </a:t>
+            </a:r>
+            <a:r>
+              <a:rPr lang="en-IN" dirty="0" err="1">
+                <a:latin typeface="Consolas" panose="020B0609020204030204" pitchFamily="49" charset="0"/>
+              </a:rPr>
+              <a:t>first_name</a:t>
+            </a:r>
+            <a:r>
+              <a:rPr lang="en-IN" dirty="0">
+                <a:latin typeface="Consolas" panose="020B0609020204030204" pitchFamily="49" charset="0"/>
+              </a:rPr>
+              <a:t>=name;</a:t>
+            </a:r>
+          </a:p>
+          <a:p>
+            <a:r>
+              <a:rPr lang="en-IN" b="0" dirty="0">
+                <a:effectLst/>
+                <a:latin typeface="Consolas" panose="020B0609020204030204" pitchFamily="49" charset="0"/>
+              </a:rPr>
+              <a:t>	let age=age;</a:t>
+            </a:r>
+          </a:p>
+          <a:p>
+            <a:r>
+              <a:rPr lang="en-IN" dirty="0">
+                <a:latin typeface="Consolas" panose="020B0609020204030204" pitchFamily="49" charset="0"/>
+              </a:rPr>
+              <a:t>c</a:t>
+            </a:r>
+            <a:r>
+              <a:rPr lang="en-IN" b="0" dirty="0">
+                <a:effectLst/>
+                <a:latin typeface="Consolas" panose="020B0609020204030204" pitchFamily="49" charset="0"/>
+              </a:rPr>
+              <a:t>onsole.log(“hi”);</a:t>
+            </a:r>
+          </a:p>
+          <a:p>
+            <a:r>
+              <a:rPr lang="en-IN" dirty="0">
+                <a:latin typeface="Consolas" panose="020B0609020204030204" pitchFamily="49" charset="0"/>
+              </a:rPr>
+              <a:t>}</a:t>
+            </a:r>
+          </a:p>
+          <a:p>
+            <a:r>
+              <a:rPr lang="en-IN" dirty="0">
+                <a:latin typeface="Consolas" panose="020B0609020204030204" pitchFamily="49" charset="0"/>
+              </a:rPr>
+              <a:t>f</a:t>
+            </a:r>
+            <a:r>
+              <a:rPr lang="en-IN" b="0" dirty="0">
+                <a:effectLst/>
+                <a:latin typeface="Consolas" panose="020B0609020204030204" pitchFamily="49" charset="0"/>
+              </a:rPr>
+              <a:t>un(“Yogesh”,22);</a:t>
+            </a:r>
+          </a:p>
+        </p:txBody>
+      </p:sp>
+      <p:sp>
+        <p:nvSpPr>
+          <p:cNvPr id="15" name="TextBox 14">
+            <a:extLst>
+              <a:ext uri="{FF2B5EF4-FFF2-40B4-BE49-F238E27FC236}">
+                <a16:creationId xmlns:a16="http://schemas.microsoft.com/office/drawing/2014/main" id="{C09BF06B-5570-4F1D-A2BE-23ABDD366A2C}"/>
+              </a:ext>
+            </a:extLst>
+          </p:cNvPr>
+          <p:cNvSpPr txBox="1"/>
+          <p:nvPr/>
+        </p:nvSpPr>
+        <p:spPr>
+          <a:xfrm flipH="1">
+            <a:off x="8331291" y="3001510"/>
+            <a:ext cx="3846057" cy="2031325"/>
+          </a:xfrm>
+          <a:prstGeom prst="rect">
+            <a:avLst/>
+          </a:prstGeom>
+          <a:noFill/>
+        </p:spPr>
+        <p:txBody>
+          <a:bodyPr wrap="square" rtlCol="0">
+            <a:spAutoFit/>
+          </a:bodyPr>
+          <a:lstStyle/>
+          <a:p>
+            <a:r>
+              <a:rPr lang="en-IN" sz="2100" b="0" dirty="0">
+                <a:effectLst/>
+                <a:latin typeface="Consolas" panose="020B0609020204030204" pitchFamily="49" charset="0"/>
+              </a:rPr>
+              <a:t>arguments=[array like 		    object]</a:t>
+            </a:r>
+          </a:p>
+          <a:p>
+            <a:r>
+              <a:rPr lang="en-IN" sz="2100" dirty="0">
+                <a:latin typeface="Consolas" panose="020B0609020204030204" pitchFamily="49" charset="0"/>
+              </a:rPr>
+              <a:t>name=“Yogesh”</a:t>
+            </a:r>
+          </a:p>
+          <a:p>
+            <a:r>
+              <a:rPr lang="en-IN" sz="2100" b="0" dirty="0">
+                <a:effectLst/>
+                <a:latin typeface="Consolas" panose="020B0609020204030204" pitchFamily="49" charset="0"/>
+              </a:rPr>
+              <a:t>age=22</a:t>
+            </a:r>
+          </a:p>
+          <a:p>
+            <a:r>
+              <a:rPr lang="en-IN" sz="2100" dirty="0" err="1">
+                <a:latin typeface="Consolas" panose="020B0609020204030204" pitchFamily="49" charset="0"/>
+              </a:rPr>
+              <a:t>first_name</a:t>
+            </a:r>
+            <a:r>
+              <a:rPr lang="en-IN" sz="2100" dirty="0">
+                <a:latin typeface="Consolas" panose="020B0609020204030204" pitchFamily="49" charset="0"/>
+              </a:rPr>
+              <a:t>=</a:t>
+            </a:r>
+            <a:r>
+              <a:rPr lang="en-IN" sz="2100" dirty="0" err="1">
+                <a:latin typeface="Consolas" panose="020B0609020204030204" pitchFamily="49" charset="0"/>
+              </a:rPr>
+              <a:t>uninitial</a:t>
+            </a:r>
+            <a:endParaRPr lang="en-IN" sz="2100" dirty="0">
+              <a:latin typeface="Consolas" panose="020B0609020204030204" pitchFamily="49" charset="0"/>
+            </a:endParaRPr>
+          </a:p>
+          <a:p>
+            <a:r>
+              <a:rPr lang="en-IN" sz="2100" dirty="0">
+                <a:latin typeface="Consolas" panose="020B0609020204030204" pitchFamily="49" charset="0"/>
+              </a:rPr>
+              <a:t>age =</a:t>
+            </a:r>
+            <a:r>
+              <a:rPr lang="en-IN" sz="2100" dirty="0" err="1">
+                <a:latin typeface="Consolas" panose="020B0609020204030204" pitchFamily="49" charset="0"/>
+              </a:rPr>
+              <a:t>unintialised</a:t>
+            </a:r>
+            <a:endParaRPr lang="en-IN" sz="2100" dirty="0">
+              <a:latin typeface="Consolas" panose="020B0609020204030204" pitchFamily="49" charset="0"/>
+            </a:endParaRPr>
+          </a:p>
+        </p:txBody>
+      </p:sp>
+      <p:sp>
+        <p:nvSpPr>
+          <p:cNvPr id="16" name="TextBox 15">
+            <a:extLst>
+              <a:ext uri="{FF2B5EF4-FFF2-40B4-BE49-F238E27FC236}">
+                <a16:creationId xmlns:a16="http://schemas.microsoft.com/office/drawing/2014/main" id="{1A0D4777-57FA-4490-AA59-D8289D9732DD}"/>
+              </a:ext>
+            </a:extLst>
+          </p:cNvPr>
+          <p:cNvSpPr txBox="1"/>
+          <p:nvPr/>
+        </p:nvSpPr>
+        <p:spPr>
+          <a:xfrm flipH="1">
+            <a:off x="5694047" y="3193251"/>
+            <a:ext cx="3108658" cy="1107996"/>
+          </a:xfrm>
+          <a:prstGeom prst="rect">
+            <a:avLst/>
+          </a:prstGeom>
+          <a:noFill/>
+        </p:spPr>
+        <p:txBody>
+          <a:bodyPr wrap="square" rtlCol="0">
+            <a:spAutoFit/>
+          </a:bodyPr>
+          <a:lstStyle/>
+          <a:p>
+            <a:r>
+              <a:rPr lang="en-IN" sz="2200" b="0" dirty="0">
+                <a:effectLst/>
+                <a:latin typeface="Consolas" panose="020B0609020204030204" pitchFamily="49" charset="0"/>
+              </a:rPr>
+              <a:t>line 1  ✔</a:t>
+            </a:r>
+          </a:p>
+          <a:p>
+            <a:r>
+              <a:rPr lang="en-IN" sz="2200" dirty="0">
+                <a:latin typeface="Consolas" panose="020B0609020204030204" pitchFamily="49" charset="0"/>
+              </a:rPr>
+              <a:t>line 2  </a:t>
+            </a:r>
+            <a:r>
+              <a:rPr lang="en-IN" sz="2200" b="0" dirty="0">
+                <a:effectLst/>
+                <a:latin typeface="Consolas" panose="020B0609020204030204" pitchFamily="49" charset="0"/>
+              </a:rPr>
+              <a:t>✔</a:t>
+            </a:r>
+            <a:endParaRPr lang="en-IN" sz="2200" dirty="0">
+              <a:latin typeface="Consolas" panose="020B0609020204030204" pitchFamily="49" charset="0"/>
+            </a:endParaRPr>
+          </a:p>
+          <a:p>
+            <a:r>
+              <a:rPr lang="en-IN" sz="2200" b="0" dirty="0">
+                <a:effectLst/>
+                <a:latin typeface="Consolas" panose="020B0609020204030204" pitchFamily="49" charset="0"/>
+              </a:rPr>
+              <a:t>line 3  ✔</a:t>
+            </a:r>
+          </a:p>
+        </p:txBody>
+      </p:sp>
+    </p:spTree>
+    <p:extLst>
+      <p:ext uri="{BB962C8B-B14F-4D97-AF65-F5344CB8AC3E}">
+        <p14:creationId xmlns:p14="http://schemas.microsoft.com/office/powerpoint/2010/main" val="1503042039"/>
+      </p:ext>
+    </p:extLst>
+  </p:cSld>
+  <p:clrMapOvr>
+    <a:masterClrMapping/>
+  </p:clrMapOvr>
+</p:sld>
+</file>
+
+<file path=ppt/slides/slide13.xml><?xml version="1.0" encoding="utf-8"?>
+<p:sld xmlns:a="http://schemas.openxmlformats.org/drawingml/2006/main" xmlns:r="http://schemas.openxmlformats.org/officeDocument/2006/relationships" xmlns:p="http://schemas.openxmlformats.org/presentationml/2006/main">
+  <p:cSld>
+    <p:spTree>
+      <p:nvGrpSpPr>
+        <p:cNvPr id="1" name=""/>
+        <p:cNvGrpSpPr/>
+        <p:nvPr/>
+      </p:nvGrpSpPr>
+      <p:grpSpPr>
+        <a:xfrm>
+          <a:off x="0" y="0"/>
+          <a:ext cx="0" cy="0"/>
+          <a:chOff x="0" y="0"/>
+          <a:chExt cx="0" cy="0"/>
+        </a:xfrm>
+      </p:grpSpPr>
+      <p:sp>
+        <p:nvSpPr>
+          <p:cNvPr id="4" name="Rectangle 3">
+            <a:extLst>
+              <a:ext uri="{FF2B5EF4-FFF2-40B4-BE49-F238E27FC236}">
+                <a16:creationId xmlns:a16="http://schemas.microsoft.com/office/drawing/2014/main" id="{5913338C-83B7-46FD-81D5-5CBE2BB3A1D9}"/>
+              </a:ext>
+            </a:extLst>
+          </p:cNvPr>
+          <p:cNvSpPr/>
+          <p:nvPr/>
+        </p:nvSpPr>
+        <p:spPr>
+          <a:xfrm>
+            <a:off x="2501264" y="1008319"/>
+            <a:ext cx="9505071" cy="5976840"/>
+          </a:xfrm>
+          <a:prstGeom prst="rect">
+            <a:avLst/>
+          </a:prstGeom>
+        </p:spPr>
+        <p:style>
+          <a:lnRef idx="2">
+            <a:schemeClr val="accent1">
+              <a:shade val="50000"/>
+            </a:schemeClr>
+          </a:lnRef>
+          <a:fillRef idx="1">
+            <a:schemeClr val="accent1"/>
+          </a:fillRef>
+          <a:effectRef idx="0">
+            <a:schemeClr val="accent1"/>
+          </a:effectRef>
+          <a:fontRef idx="minor">
+            <a:schemeClr val="lt1"/>
+          </a:fontRef>
+        </p:style>
+        <p:txBody>
+          <a:bodyPr rtlCol="0" anchor="ctr"/>
+          <a:lstStyle/>
+          <a:p>
+            <a:pPr algn="ctr"/>
+            <a:endParaRPr lang="en-IN"/>
+          </a:p>
+        </p:txBody>
+      </p:sp>
+      <p:cxnSp>
+        <p:nvCxnSpPr>
+          <p:cNvPr id="7" name="Straight Connector 6">
+            <a:extLst>
+              <a:ext uri="{FF2B5EF4-FFF2-40B4-BE49-F238E27FC236}">
+                <a16:creationId xmlns:a16="http://schemas.microsoft.com/office/drawing/2014/main" id="{0DF7730A-DFA9-41ED-AC6C-4A4C006FF344}"/>
+              </a:ext>
+            </a:extLst>
+          </p:cNvPr>
+          <p:cNvCxnSpPr>
+            <a:cxnSpLocks/>
+          </p:cNvCxnSpPr>
+          <p:nvPr/>
+        </p:nvCxnSpPr>
+        <p:spPr>
+          <a:xfrm>
+            <a:off x="295421" y="4389119"/>
+            <a:ext cx="0" cy="2468881"/>
+          </a:xfrm>
+          <a:prstGeom prst="line">
+            <a:avLst/>
+          </a:prstGeom>
+          <a:ln w="25400"/>
+        </p:spPr>
+        <p:style>
+          <a:lnRef idx="3">
+            <a:schemeClr val="dk1"/>
+          </a:lnRef>
+          <a:fillRef idx="0">
+            <a:schemeClr val="dk1"/>
+          </a:fillRef>
+          <a:effectRef idx="2">
+            <a:schemeClr val="dk1"/>
+          </a:effectRef>
+          <a:fontRef idx="minor">
+            <a:schemeClr val="tx1"/>
+          </a:fontRef>
+        </p:style>
+      </p:cxnSp>
+      <p:cxnSp>
+        <p:nvCxnSpPr>
+          <p:cNvPr id="12" name="Straight Connector 11">
+            <a:extLst>
+              <a:ext uri="{FF2B5EF4-FFF2-40B4-BE49-F238E27FC236}">
+                <a16:creationId xmlns:a16="http://schemas.microsoft.com/office/drawing/2014/main" id="{B709125A-463A-4ED8-A25B-6F908470C6D2}"/>
+              </a:ext>
+            </a:extLst>
+          </p:cNvPr>
+          <p:cNvCxnSpPr>
+            <a:cxnSpLocks/>
+          </p:cNvCxnSpPr>
+          <p:nvPr/>
+        </p:nvCxnSpPr>
+        <p:spPr>
+          <a:xfrm>
+            <a:off x="1418491" y="4389119"/>
+            <a:ext cx="0" cy="2468881"/>
+          </a:xfrm>
+          <a:prstGeom prst="line">
+            <a:avLst/>
+          </a:prstGeom>
+          <a:ln w="25400"/>
+        </p:spPr>
+        <p:style>
+          <a:lnRef idx="3">
+            <a:schemeClr val="dk1"/>
+          </a:lnRef>
+          <a:fillRef idx="0">
+            <a:schemeClr val="dk1"/>
+          </a:fillRef>
+          <a:effectRef idx="2">
+            <a:schemeClr val="dk1"/>
+          </a:effectRef>
+          <a:fontRef idx="minor">
+            <a:schemeClr val="tx1"/>
+          </a:fontRef>
+        </p:style>
+      </p:cxnSp>
+      <p:cxnSp>
+        <p:nvCxnSpPr>
+          <p:cNvPr id="18" name="Straight Connector 17">
+            <a:extLst>
+              <a:ext uri="{FF2B5EF4-FFF2-40B4-BE49-F238E27FC236}">
+                <a16:creationId xmlns:a16="http://schemas.microsoft.com/office/drawing/2014/main" id="{D3772405-FC34-4C56-B4D0-E171A20E59DC}"/>
+              </a:ext>
+            </a:extLst>
+          </p:cNvPr>
+          <p:cNvCxnSpPr>
+            <a:cxnSpLocks/>
+          </p:cNvCxnSpPr>
+          <p:nvPr/>
+        </p:nvCxnSpPr>
+        <p:spPr>
+          <a:xfrm>
+            <a:off x="295421" y="6886135"/>
+            <a:ext cx="1123070" cy="0"/>
+          </a:xfrm>
+          <a:prstGeom prst="line">
+            <a:avLst/>
+          </a:prstGeom>
+          <a:ln/>
+        </p:spPr>
+        <p:style>
+          <a:lnRef idx="3">
+            <a:schemeClr val="dk1"/>
+          </a:lnRef>
+          <a:fillRef idx="0">
+            <a:schemeClr val="dk1"/>
+          </a:fillRef>
+          <a:effectRef idx="2">
+            <a:schemeClr val="dk1"/>
+          </a:effectRef>
+          <a:fontRef idx="minor">
+            <a:schemeClr val="tx1"/>
+          </a:fontRef>
+        </p:style>
+      </p:cxnSp>
+      <p:cxnSp>
+        <p:nvCxnSpPr>
+          <p:cNvPr id="21" name="Straight Connector 20">
+            <a:extLst>
+              <a:ext uri="{FF2B5EF4-FFF2-40B4-BE49-F238E27FC236}">
+                <a16:creationId xmlns:a16="http://schemas.microsoft.com/office/drawing/2014/main" id="{61B6948F-5526-4E03-B7D4-754FFA7008F5}"/>
+              </a:ext>
+            </a:extLst>
+          </p:cNvPr>
+          <p:cNvCxnSpPr/>
+          <p:nvPr/>
+        </p:nvCxnSpPr>
+        <p:spPr>
+          <a:xfrm>
+            <a:off x="295421" y="6260123"/>
+            <a:ext cx="1123070" cy="0"/>
+          </a:xfrm>
+          <a:prstGeom prst="line">
+            <a:avLst/>
+          </a:prstGeom>
+        </p:spPr>
+        <p:style>
+          <a:lnRef idx="1">
+            <a:schemeClr val="dk1"/>
+          </a:lnRef>
+          <a:fillRef idx="0">
+            <a:schemeClr val="dk1"/>
+          </a:fillRef>
+          <a:effectRef idx="0">
+            <a:schemeClr val="dk1"/>
+          </a:effectRef>
+          <a:fontRef idx="minor">
+            <a:schemeClr val="tx1"/>
+          </a:fontRef>
+        </p:style>
+      </p:cxnSp>
+      <p:sp>
+        <p:nvSpPr>
+          <p:cNvPr id="22" name="TextBox 21">
+            <a:extLst>
+              <a:ext uri="{FF2B5EF4-FFF2-40B4-BE49-F238E27FC236}">
+                <a16:creationId xmlns:a16="http://schemas.microsoft.com/office/drawing/2014/main" id="{30AB90CF-C41C-4698-9398-161F819B4977}"/>
+              </a:ext>
+            </a:extLst>
+          </p:cNvPr>
+          <p:cNvSpPr txBox="1"/>
+          <p:nvPr/>
+        </p:nvSpPr>
+        <p:spPr>
+          <a:xfrm>
+            <a:off x="548640" y="6388463"/>
+            <a:ext cx="1123070" cy="369332"/>
+          </a:xfrm>
+          <a:prstGeom prst="rect">
+            <a:avLst/>
+          </a:prstGeom>
+          <a:noFill/>
+        </p:spPr>
+        <p:txBody>
+          <a:bodyPr wrap="square" rtlCol="0">
+            <a:spAutoFit/>
+          </a:bodyPr>
+          <a:lstStyle/>
+          <a:p>
+            <a:r>
+              <a:rPr lang="en-IN" dirty="0"/>
+              <a:t>GEC</a:t>
+            </a:r>
+          </a:p>
+        </p:txBody>
+      </p:sp>
+      <p:sp>
+        <p:nvSpPr>
+          <p:cNvPr id="23" name="TextBox 22">
+            <a:extLst>
+              <a:ext uri="{FF2B5EF4-FFF2-40B4-BE49-F238E27FC236}">
+                <a16:creationId xmlns:a16="http://schemas.microsoft.com/office/drawing/2014/main" id="{8CEE9BB5-D847-4203-B3C7-A39B7CDDD16E}"/>
+              </a:ext>
+            </a:extLst>
+          </p:cNvPr>
+          <p:cNvSpPr txBox="1"/>
+          <p:nvPr/>
+        </p:nvSpPr>
+        <p:spPr>
+          <a:xfrm>
+            <a:off x="309490" y="3955617"/>
+            <a:ext cx="2377439" cy="369332"/>
+          </a:xfrm>
+          <a:prstGeom prst="rect">
+            <a:avLst/>
+          </a:prstGeom>
+          <a:noFill/>
+        </p:spPr>
+        <p:txBody>
+          <a:bodyPr wrap="square" rtlCol="0">
+            <a:spAutoFit/>
+          </a:bodyPr>
+          <a:lstStyle/>
+          <a:p>
+            <a:r>
+              <a:rPr lang="en-IN" dirty="0"/>
+              <a:t>Call Stack</a:t>
+            </a:r>
+          </a:p>
+        </p:txBody>
+      </p:sp>
+      <p:cxnSp>
+        <p:nvCxnSpPr>
+          <p:cNvPr id="25" name="Straight Connector 24">
+            <a:extLst>
+              <a:ext uri="{FF2B5EF4-FFF2-40B4-BE49-F238E27FC236}">
+                <a16:creationId xmlns:a16="http://schemas.microsoft.com/office/drawing/2014/main" id="{12142755-F4BB-47FA-8262-C271B2B6B525}"/>
+              </a:ext>
+            </a:extLst>
+          </p:cNvPr>
+          <p:cNvCxnSpPr/>
+          <p:nvPr/>
+        </p:nvCxnSpPr>
+        <p:spPr>
+          <a:xfrm>
+            <a:off x="9737717" y="1000392"/>
+            <a:ext cx="0" cy="5948705"/>
+          </a:xfrm>
+          <a:prstGeom prst="line">
+            <a:avLst/>
+          </a:prstGeom>
+        </p:spPr>
+        <p:style>
+          <a:lnRef idx="3">
+            <a:schemeClr val="dk1"/>
+          </a:lnRef>
+          <a:fillRef idx="0">
+            <a:schemeClr val="dk1"/>
+          </a:fillRef>
+          <a:effectRef idx="2">
+            <a:schemeClr val="dk1"/>
+          </a:effectRef>
+          <a:fontRef idx="minor">
+            <a:schemeClr val="tx1"/>
+          </a:fontRef>
+        </p:style>
+      </p:cxnSp>
+      <p:sp>
+        <p:nvSpPr>
+          <p:cNvPr id="26" name="TextBox 25">
+            <a:extLst>
+              <a:ext uri="{FF2B5EF4-FFF2-40B4-BE49-F238E27FC236}">
+                <a16:creationId xmlns:a16="http://schemas.microsoft.com/office/drawing/2014/main" id="{AD6A32DA-2C8E-423F-96AC-1E0C3D1EB81D}"/>
+              </a:ext>
+            </a:extLst>
+          </p:cNvPr>
+          <p:cNvSpPr txBox="1"/>
+          <p:nvPr/>
+        </p:nvSpPr>
+        <p:spPr>
+          <a:xfrm>
+            <a:off x="3793584" y="574432"/>
+            <a:ext cx="2126568" cy="369332"/>
+          </a:xfrm>
+          <a:prstGeom prst="rect">
+            <a:avLst/>
+          </a:prstGeom>
+          <a:noFill/>
+        </p:spPr>
+        <p:txBody>
+          <a:bodyPr wrap="square" rtlCol="0">
+            <a:spAutoFit/>
+          </a:bodyPr>
+          <a:lstStyle/>
+          <a:p>
+            <a:r>
+              <a:rPr lang="en-IN" dirty="0"/>
+              <a:t>Execution Phase</a:t>
+            </a:r>
+          </a:p>
+        </p:txBody>
+      </p:sp>
+      <p:sp>
+        <p:nvSpPr>
+          <p:cNvPr id="28" name="TextBox 27">
+            <a:extLst>
+              <a:ext uri="{FF2B5EF4-FFF2-40B4-BE49-F238E27FC236}">
+                <a16:creationId xmlns:a16="http://schemas.microsoft.com/office/drawing/2014/main" id="{BC994004-FA3F-48B0-8246-99D13BBDD548}"/>
+              </a:ext>
+            </a:extLst>
+          </p:cNvPr>
+          <p:cNvSpPr txBox="1"/>
+          <p:nvPr/>
+        </p:nvSpPr>
+        <p:spPr>
+          <a:xfrm flipH="1">
+            <a:off x="25789" y="100205"/>
+            <a:ext cx="3647625" cy="2585323"/>
+          </a:xfrm>
+          <a:prstGeom prst="rect">
+            <a:avLst/>
+          </a:prstGeom>
+          <a:noFill/>
+        </p:spPr>
+        <p:txBody>
+          <a:bodyPr wrap="square" rtlCol="0">
+            <a:spAutoFit/>
+          </a:bodyPr>
+          <a:lstStyle/>
+          <a:p>
+            <a:r>
+              <a:rPr lang="en-IN" b="0" dirty="0">
+                <a:effectLst/>
+                <a:latin typeface="Consolas" panose="020B0609020204030204" pitchFamily="49" charset="0"/>
+              </a:rPr>
+              <a:t>console.log(</a:t>
+            </a:r>
+            <a:r>
+              <a:rPr lang="en-IN" b="0" dirty="0">
+                <a:solidFill>
+                  <a:srgbClr val="C00000"/>
+                </a:solidFill>
+                <a:effectLst/>
+                <a:latin typeface="Consolas" panose="020B0609020204030204" pitchFamily="49" charset="0"/>
+              </a:rPr>
+              <a:t>this</a:t>
+            </a:r>
+            <a:r>
+              <a:rPr lang="en-IN" b="0" dirty="0">
+                <a:effectLst/>
+                <a:latin typeface="Consolas" panose="020B0609020204030204" pitchFamily="49" charset="0"/>
+              </a:rPr>
+              <a:t>);</a:t>
+            </a:r>
+          </a:p>
+          <a:p>
+            <a:r>
+              <a:rPr lang="en-IN" b="0" dirty="0">
+                <a:effectLst/>
+                <a:latin typeface="Consolas" panose="020B0609020204030204" pitchFamily="49" charset="0"/>
+              </a:rPr>
+              <a:t>console.log(window);</a:t>
+            </a:r>
+            <a:endParaRPr lang="en-IN" dirty="0">
+              <a:latin typeface="Consolas" panose="020B0609020204030204" pitchFamily="49" charset="0"/>
+            </a:endParaRPr>
+          </a:p>
+          <a:p>
+            <a:r>
+              <a:rPr lang="en-IN" dirty="0">
+                <a:solidFill>
+                  <a:srgbClr val="C00000"/>
+                </a:solidFill>
+                <a:latin typeface="Consolas" panose="020B0609020204030204" pitchFamily="49" charset="0"/>
+              </a:rPr>
+              <a:t>f</a:t>
+            </a:r>
+            <a:r>
+              <a:rPr lang="en-IN" b="0" dirty="0">
+                <a:solidFill>
+                  <a:srgbClr val="C00000"/>
+                </a:solidFill>
+                <a:effectLst/>
+                <a:latin typeface="Consolas" panose="020B0609020204030204" pitchFamily="49" charset="0"/>
+              </a:rPr>
+              <a:t>unction</a:t>
+            </a:r>
+            <a:r>
+              <a:rPr lang="en-IN" b="0" dirty="0">
+                <a:effectLst/>
+                <a:latin typeface="Consolas" panose="020B0609020204030204" pitchFamily="49" charset="0"/>
+              </a:rPr>
+              <a:t> fun(){</a:t>
+            </a:r>
+          </a:p>
+          <a:p>
+            <a:r>
+              <a:rPr lang="en-IN" dirty="0">
+                <a:latin typeface="Consolas" panose="020B0609020204030204" pitchFamily="49" charset="0"/>
+              </a:rPr>
+              <a:t>let var1;</a:t>
+            </a:r>
+          </a:p>
+          <a:p>
+            <a:r>
+              <a:rPr lang="en-IN" b="0" dirty="0">
+                <a:effectLst/>
+                <a:latin typeface="Consolas" panose="020B0609020204030204" pitchFamily="49" charset="0"/>
+              </a:rPr>
+              <a:t>var var1;</a:t>
+            </a:r>
+          </a:p>
+          <a:p>
+            <a:r>
+              <a:rPr lang="en-IN" dirty="0">
+                <a:latin typeface="Consolas" panose="020B0609020204030204" pitchFamily="49" charset="0"/>
+              </a:rPr>
+              <a:t>c</a:t>
+            </a:r>
+            <a:r>
+              <a:rPr lang="en-IN" b="0" dirty="0">
+                <a:effectLst/>
+                <a:latin typeface="Consolas" panose="020B0609020204030204" pitchFamily="49" charset="0"/>
+              </a:rPr>
+              <a:t>onsole.log(“hi”);</a:t>
+            </a:r>
+          </a:p>
+          <a:p>
+            <a:r>
+              <a:rPr lang="en-IN" b="0" dirty="0">
+                <a:effectLst/>
+                <a:latin typeface="Consolas" panose="020B0609020204030204" pitchFamily="49" charset="0"/>
+              </a:rPr>
+              <a:t>return 1;</a:t>
+            </a:r>
+          </a:p>
+          <a:p>
+            <a:r>
+              <a:rPr lang="en-IN" dirty="0">
+                <a:latin typeface="Consolas" panose="020B0609020204030204" pitchFamily="49" charset="0"/>
+              </a:rPr>
+              <a:t>}</a:t>
+            </a:r>
+          </a:p>
+          <a:p>
+            <a:r>
+              <a:rPr lang="en-IN" dirty="0">
+                <a:latin typeface="Consolas" panose="020B0609020204030204" pitchFamily="49" charset="0"/>
+              </a:rPr>
+              <a:t>let x=</a:t>
+            </a:r>
+            <a:r>
+              <a:rPr lang="en-IN" b="0" dirty="0">
+                <a:effectLst/>
+                <a:latin typeface="Consolas" panose="020B0609020204030204" pitchFamily="49" charset="0"/>
+              </a:rPr>
+              <a:t>fun()</a:t>
+            </a:r>
+          </a:p>
+        </p:txBody>
+      </p:sp>
+      <p:sp>
+        <p:nvSpPr>
+          <p:cNvPr id="29" name="TextBox 28">
+            <a:extLst>
+              <a:ext uri="{FF2B5EF4-FFF2-40B4-BE49-F238E27FC236}">
+                <a16:creationId xmlns:a16="http://schemas.microsoft.com/office/drawing/2014/main" id="{EF6CC197-4400-4EBD-A2BA-6EACD6030ED7}"/>
+              </a:ext>
+            </a:extLst>
+          </p:cNvPr>
+          <p:cNvSpPr txBox="1"/>
+          <p:nvPr/>
+        </p:nvSpPr>
+        <p:spPr>
+          <a:xfrm flipH="1">
+            <a:off x="9737717" y="1673557"/>
+            <a:ext cx="2952005" cy="1107996"/>
+          </a:xfrm>
+          <a:prstGeom prst="rect">
+            <a:avLst/>
+          </a:prstGeom>
+          <a:noFill/>
+        </p:spPr>
+        <p:txBody>
+          <a:bodyPr wrap="square" rtlCol="0">
+            <a:spAutoFit/>
+          </a:bodyPr>
+          <a:lstStyle/>
+          <a:p>
+            <a:r>
+              <a:rPr lang="en-IN" sz="2200" b="0" dirty="0">
+                <a:effectLst/>
+                <a:latin typeface="Consolas" panose="020B0609020204030204" pitchFamily="49" charset="0"/>
+              </a:rPr>
+              <a:t>this = window</a:t>
+            </a:r>
+            <a:endParaRPr lang="en-IN" sz="2200" dirty="0">
+              <a:latin typeface="Consolas" panose="020B0609020204030204" pitchFamily="49" charset="0"/>
+            </a:endParaRPr>
+          </a:p>
+          <a:p>
+            <a:r>
+              <a:rPr lang="en-IN" sz="2200" b="0" dirty="0">
+                <a:effectLst/>
+                <a:latin typeface="Consolas" panose="020B0609020204030204" pitchFamily="49" charset="0"/>
+              </a:rPr>
+              <a:t>fun =…</a:t>
+            </a:r>
+          </a:p>
+          <a:p>
+            <a:r>
+              <a:rPr lang="en-IN" sz="2200" b="0" dirty="0">
+                <a:effectLst/>
+                <a:latin typeface="Consolas" panose="020B0609020204030204" pitchFamily="49" charset="0"/>
+              </a:rPr>
+              <a:t>x=</a:t>
+            </a:r>
+            <a:r>
+              <a:rPr lang="en-IN" sz="2200" b="0" dirty="0" err="1">
+                <a:effectLst/>
+                <a:latin typeface="Consolas" panose="020B0609020204030204" pitchFamily="49" charset="0"/>
+              </a:rPr>
+              <a:t>uninitialise</a:t>
+            </a:r>
+            <a:endParaRPr lang="en-IN" sz="2200" b="0" dirty="0">
+              <a:effectLst/>
+              <a:latin typeface="Consolas" panose="020B0609020204030204" pitchFamily="49" charset="0"/>
+            </a:endParaRPr>
+          </a:p>
+        </p:txBody>
+      </p:sp>
+      <p:sp>
+        <p:nvSpPr>
+          <p:cNvPr id="3" name="Rectangle 2">
+            <a:extLst>
+              <a:ext uri="{FF2B5EF4-FFF2-40B4-BE49-F238E27FC236}">
+                <a16:creationId xmlns:a16="http://schemas.microsoft.com/office/drawing/2014/main" id="{055D5E83-4946-4996-A61D-A82055DDB907}"/>
+              </a:ext>
+            </a:extLst>
+          </p:cNvPr>
+          <p:cNvSpPr/>
+          <p:nvPr/>
+        </p:nvSpPr>
+        <p:spPr>
+          <a:xfrm>
+            <a:off x="3097360" y="3428999"/>
+            <a:ext cx="5956971" cy="3548591"/>
+          </a:xfrm>
+          <a:prstGeom prst="rect">
+            <a:avLst/>
+          </a:prstGeom>
+        </p:spPr>
+        <p:style>
+          <a:lnRef idx="3">
+            <a:schemeClr val="lt1"/>
+          </a:lnRef>
+          <a:fillRef idx="1">
+            <a:schemeClr val="accent4"/>
+          </a:fillRef>
+          <a:effectRef idx="1">
+            <a:schemeClr val="accent4"/>
+          </a:effectRef>
+          <a:fontRef idx="minor">
+            <a:schemeClr val="lt1"/>
+          </a:fontRef>
+        </p:style>
+        <p:txBody>
+          <a:bodyPr rtlCol="0" anchor="ctr"/>
+          <a:lstStyle/>
+          <a:p>
+            <a:pPr algn="ctr"/>
+            <a:endParaRPr lang="en-IN" dirty="0"/>
+          </a:p>
+        </p:txBody>
+      </p:sp>
+      <p:sp>
+        <p:nvSpPr>
+          <p:cNvPr id="30" name="TextBox 29">
+            <a:extLst>
+              <a:ext uri="{FF2B5EF4-FFF2-40B4-BE49-F238E27FC236}">
+                <a16:creationId xmlns:a16="http://schemas.microsoft.com/office/drawing/2014/main" id="{AEDC98C9-4F9B-49F8-BD6B-938D82183B74}"/>
+              </a:ext>
+            </a:extLst>
+          </p:cNvPr>
+          <p:cNvSpPr txBox="1"/>
+          <p:nvPr/>
+        </p:nvSpPr>
+        <p:spPr>
+          <a:xfrm flipH="1">
+            <a:off x="3516483" y="3683729"/>
+            <a:ext cx="3063681" cy="1384995"/>
+          </a:xfrm>
+          <a:prstGeom prst="rect">
+            <a:avLst/>
+          </a:prstGeom>
+          <a:noFill/>
+        </p:spPr>
+        <p:txBody>
+          <a:bodyPr wrap="square" rtlCol="0">
+            <a:spAutoFit/>
+          </a:bodyPr>
+          <a:lstStyle/>
+          <a:p>
+            <a:r>
+              <a:rPr lang="en-IN" sz="2100" b="0" dirty="0">
+                <a:effectLst/>
+                <a:latin typeface="Consolas" panose="020B0609020204030204" pitchFamily="49" charset="0"/>
+              </a:rPr>
+              <a:t>line 1  ✔</a:t>
+            </a:r>
+          </a:p>
+          <a:p>
+            <a:r>
+              <a:rPr lang="en-IN" sz="2100" dirty="0">
+                <a:latin typeface="Consolas" panose="020B0609020204030204" pitchFamily="49" charset="0"/>
+              </a:rPr>
+              <a:t>line 2  </a:t>
+            </a:r>
+            <a:r>
+              <a:rPr lang="en-IN" sz="2100" b="0" dirty="0">
+                <a:effectLst/>
+                <a:latin typeface="Consolas" panose="020B0609020204030204" pitchFamily="49" charset="0"/>
+              </a:rPr>
+              <a:t>✔</a:t>
+            </a:r>
+            <a:endParaRPr lang="en-IN" sz="2100" dirty="0">
+              <a:latin typeface="Consolas" panose="020B0609020204030204" pitchFamily="49" charset="0"/>
+            </a:endParaRPr>
+          </a:p>
+          <a:p>
+            <a:r>
+              <a:rPr lang="en-IN" sz="2100" b="0" dirty="0">
+                <a:effectLst/>
+                <a:latin typeface="Consolas" panose="020B0609020204030204" pitchFamily="49" charset="0"/>
+              </a:rPr>
+              <a:t>line 3  ✔</a:t>
+            </a:r>
+          </a:p>
+          <a:p>
+            <a:r>
+              <a:rPr lang="en-IN" sz="2100" b="0" dirty="0">
+                <a:effectLst/>
+                <a:latin typeface="Consolas" panose="020B0609020204030204" pitchFamily="49" charset="0"/>
+              </a:rPr>
+              <a:t>line 4  ✔</a:t>
+            </a:r>
+          </a:p>
+        </p:txBody>
+      </p:sp>
+      <p:sp>
+        <p:nvSpPr>
+          <p:cNvPr id="31" name="TextBox 30">
+            <a:extLst>
+              <a:ext uri="{FF2B5EF4-FFF2-40B4-BE49-F238E27FC236}">
+                <a16:creationId xmlns:a16="http://schemas.microsoft.com/office/drawing/2014/main" id="{EDA666E1-54B0-4BF7-8FEB-B69E15204A2F}"/>
+              </a:ext>
+            </a:extLst>
+          </p:cNvPr>
+          <p:cNvSpPr txBox="1"/>
+          <p:nvPr/>
+        </p:nvSpPr>
+        <p:spPr>
+          <a:xfrm>
+            <a:off x="10237117" y="638987"/>
+            <a:ext cx="2126568" cy="369332"/>
+          </a:xfrm>
+          <a:prstGeom prst="rect">
+            <a:avLst/>
+          </a:prstGeom>
+          <a:noFill/>
+        </p:spPr>
+        <p:txBody>
+          <a:bodyPr wrap="square" rtlCol="0">
+            <a:spAutoFit/>
+          </a:bodyPr>
+          <a:lstStyle/>
+          <a:p>
+            <a:r>
+              <a:rPr lang="en-IN" dirty="0"/>
+              <a:t>Creation Phase</a:t>
+            </a:r>
+          </a:p>
+        </p:txBody>
+      </p:sp>
+      <p:cxnSp>
+        <p:nvCxnSpPr>
+          <p:cNvPr id="33" name="Straight Connector 32">
+            <a:extLst>
+              <a:ext uri="{FF2B5EF4-FFF2-40B4-BE49-F238E27FC236}">
+                <a16:creationId xmlns:a16="http://schemas.microsoft.com/office/drawing/2014/main" id="{28F0C72A-7879-4827-88F2-0D46F183D80A}"/>
+              </a:ext>
+            </a:extLst>
+          </p:cNvPr>
+          <p:cNvCxnSpPr>
+            <a:cxnSpLocks/>
+          </p:cNvCxnSpPr>
+          <p:nvPr/>
+        </p:nvCxnSpPr>
+        <p:spPr>
+          <a:xfrm>
+            <a:off x="7253800" y="3429000"/>
+            <a:ext cx="0" cy="3548590"/>
+          </a:xfrm>
+          <a:prstGeom prst="line">
+            <a:avLst/>
+          </a:prstGeom>
+          <a:ln w="25400"/>
+        </p:spPr>
+        <p:style>
+          <a:lnRef idx="3">
+            <a:schemeClr val="dk1"/>
+          </a:lnRef>
+          <a:fillRef idx="0">
+            <a:schemeClr val="dk1"/>
+          </a:fillRef>
+          <a:effectRef idx="2">
+            <a:schemeClr val="dk1"/>
+          </a:effectRef>
+          <a:fontRef idx="minor">
+            <a:schemeClr val="tx1"/>
+          </a:fontRef>
+        </p:style>
+      </p:cxnSp>
+      <p:sp>
+        <p:nvSpPr>
+          <p:cNvPr id="34" name="TextBox 33">
+            <a:extLst>
+              <a:ext uri="{FF2B5EF4-FFF2-40B4-BE49-F238E27FC236}">
+                <a16:creationId xmlns:a16="http://schemas.microsoft.com/office/drawing/2014/main" id="{C6AE85B8-E82B-402F-A1E9-FC92BF16008E}"/>
+              </a:ext>
+            </a:extLst>
+          </p:cNvPr>
+          <p:cNvSpPr txBox="1"/>
+          <p:nvPr/>
+        </p:nvSpPr>
+        <p:spPr>
+          <a:xfrm flipH="1">
+            <a:off x="7185099" y="3732476"/>
+            <a:ext cx="2951998" cy="646331"/>
+          </a:xfrm>
+          <a:prstGeom prst="rect">
+            <a:avLst/>
+          </a:prstGeom>
+          <a:noFill/>
+        </p:spPr>
+        <p:txBody>
+          <a:bodyPr wrap="square" rtlCol="0">
+            <a:spAutoFit/>
+          </a:bodyPr>
+          <a:lstStyle/>
+          <a:p>
+            <a:r>
+              <a:rPr lang="en-IN" dirty="0">
+                <a:latin typeface="Consolas" panose="020B0609020204030204" pitchFamily="49" charset="0"/>
+              </a:rPr>
+              <a:t>var1=</a:t>
+            </a:r>
+            <a:r>
+              <a:rPr lang="en-IN" dirty="0" err="1">
+                <a:latin typeface="Consolas" panose="020B0609020204030204" pitchFamily="49" charset="0"/>
+              </a:rPr>
+              <a:t>uninitia</a:t>
+            </a:r>
+            <a:r>
+              <a:rPr lang="en-IN" dirty="0">
+                <a:latin typeface="Consolas" panose="020B0609020204030204" pitchFamily="49" charset="0"/>
+              </a:rPr>
+              <a:t>..</a:t>
+            </a:r>
+          </a:p>
+          <a:p>
+            <a:r>
+              <a:rPr lang="en-IN" dirty="0">
+                <a:latin typeface="Consolas" panose="020B0609020204030204" pitchFamily="49" charset="0"/>
+              </a:rPr>
+              <a:t>var2=undefine</a:t>
+            </a:r>
+          </a:p>
+        </p:txBody>
+      </p:sp>
+      <p:sp>
+        <p:nvSpPr>
+          <p:cNvPr id="27" name="TextBox 26">
+            <a:extLst>
+              <a:ext uri="{FF2B5EF4-FFF2-40B4-BE49-F238E27FC236}">
+                <a16:creationId xmlns:a16="http://schemas.microsoft.com/office/drawing/2014/main" id="{DF2CCCEE-5708-4BA4-A916-BF1DD8496BFA}"/>
+              </a:ext>
+            </a:extLst>
+          </p:cNvPr>
+          <p:cNvSpPr txBox="1"/>
+          <p:nvPr/>
+        </p:nvSpPr>
+        <p:spPr>
+          <a:xfrm>
+            <a:off x="7253800" y="3031175"/>
+            <a:ext cx="2126568" cy="369332"/>
+          </a:xfrm>
+          <a:prstGeom prst="rect">
+            <a:avLst/>
+          </a:prstGeom>
+          <a:noFill/>
+        </p:spPr>
+        <p:txBody>
+          <a:bodyPr wrap="square" rtlCol="0">
+            <a:spAutoFit/>
+          </a:bodyPr>
+          <a:lstStyle/>
+          <a:p>
+            <a:r>
+              <a:rPr lang="en-IN" dirty="0"/>
+              <a:t>Creation Phase</a:t>
+            </a:r>
+          </a:p>
+        </p:txBody>
+      </p:sp>
+      <p:sp>
+        <p:nvSpPr>
+          <p:cNvPr id="24" name="TextBox 23">
+            <a:extLst>
+              <a:ext uri="{FF2B5EF4-FFF2-40B4-BE49-F238E27FC236}">
+                <a16:creationId xmlns:a16="http://schemas.microsoft.com/office/drawing/2014/main" id="{F05BDCE8-CA56-4AE1-9E8E-4BE244694052}"/>
+              </a:ext>
+            </a:extLst>
+          </p:cNvPr>
+          <p:cNvSpPr txBox="1"/>
+          <p:nvPr/>
+        </p:nvSpPr>
+        <p:spPr>
+          <a:xfrm>
+            <a:off x="3515714" y="2997407"/>
+            <a:ext cx="2126568" cy="369332"/>
+          </a:xfrm>
+          <a:prstGeom prst="rect">
+            <a:avLst/>
+          </a:prstGeom>
+          <a:noFill/>
+        </p:spPr>
+        <p:txBody>
+          <a:bodyPr wrap="square" rtlCol="0">
+            <a:spAutoFit/>
+          </a:bodyPr>
+          <a:lstStyle/>
+          <a:p>
+            <a:r>
+              <a:rPr lang="en-IN" dirty="0"/>
+              <a:t>Execution Phase</a:t>
+            </a:r>
+          </a:p>
+        </p:txBody>
+      </p:sp>
+      <p:sp>
+        <p:nvSpPr>
+          <p:cNvPr id="6" name="TextBox 5">
+            <a:extLst>
+              <a:ext uri="{FF2B5EF4-FFF2-40B4-BE49-F238E27FC236}">
+                <a16:creationId xmlns:a16="http://schemas.microsoft.com/office/drawing/2014/main" id="{E274C2D7-EC22-4E54-B8C5-65B87055C231}"/>
+              </a:ext>
+            </a:extLst>
+          </p:cNvPr>
+          <p:cNvSpPr txBox="1"/>
+          <p:nvPr/>
+        </p:nvSpPr>
+        <p:spPr>
+          <a:xfrm flipH="1">
+            <a:off x="4439825" y="6283568"/>
+            <a:ext cx="2745274" cy="369332"/>
+          </a:xfrm>
+          <a:prstGeom prst="rect">
+            <a:avLst/>
+          </a:prstGeom>
+          <a:noFill/>
+        </p:spPr>
+        <p:txBody>
+          <a:bodyPr wrap="square" rtlCol="0">
+            <a:spAutoFit/>
+          </a:bodyPr>
+          <a:lstStyle/>
+          <a:p>
+            <a:r>
+              <a:rPr lang="en-IN" dirty="0"/>
+              <a:t>Function Execution Context</a:t>
+            </a:r>
+          </a:p>
+        </p:txBody>
+      </p:sp>
+      <p:sp>
+        <p:nvSpPr>
+          <p:cNvPr id="32" name="TextBox 31">
+            <a:extLst>
+              <a:ext uri="{FF2B5EF4-FFF2-40B4-BE49-F238E27FC236}">
+                <a16:creationId xmlns:a16="http://schemas.microsoft.com/office/drawing/2014/main" id="{85515E87-75F5-40A0-AF90-7660DE291446}"/>
+              </a:ext>
+            </a:extLst>
+          </p:cNvPr>
+          <p:cNvSpPr txBox="1"/>
+          <p:nvPr/>
+        </p:nvSpPr>
+        <p:spPr>
+          <a:xfrm>
+            <a:off x="541068" y="5773812"/>
+            <a:ext cx="1123070" cy="369332"/>
+          </a:xfrm>
+          <a:prstGeom prst="rect">
+            <a:avLst/>
+          </a:prstGeom>
+          <a:noFill/>
+        </p:spPr>
+        <p:txBody>
+          <a:bodyPr wrap="square" rtlCol="0">
+            <a:spAutoFit/>
+          </a:bodyPr>
+          <a:lstStyle/>
+          <a:p>
+            <a:r>
+              <a:rPr lang="en-US" dirty="0"/>
+              <a:t>F</a:t>
+            </a:r>
+            <a:r>
+              <a:rPr lang="en-IN" dirty="0"/>
+              <a:t>EC</a:t>
+            </a:r>
+          </a:p>
+        </p:txBody>
+      </p:sp>
+      <p:cxnSp>
+        <p:nvCxnSpPr>
+          <p:cNvPr id="35" name="Straight Connector 34">
+            <a:extLst>
+              <a:ext uri="{FF2B5EF4-FFF2-40B4-BE49-F238E27FC236}">
+                <a16:creationId xmlns:a16="http://schemas.microsoft.com/office/drawing/2014/main" id="{7E5B6A82-23FA-4CA8-B517-E1037D404243}"/>
+              </a:ext>
+            </a:extLst>
+          </p:cNvPr>
+          <p:cNvCxnSpPr/>
+          <p:nvPr/>
+        </p:nvCxnSpPr>
+        <p:spPr>
+          <a:xfrm>
+            <a:off x="309490" y="5773812"/>
+            <a:ext cx="1123070" cy="0"/>
+          </a:xfrm>
+          <a:prstGeom prst="line">
+            <a:avLst/>
+          </a:prstGeom>
+        </p:spPr>
+        <p:style>
+          <a:lnRef idx="1">
+            <a:schemeClr val="dk1"/>
+          </a:lnRef>
+          <a:fillRef idx="0">
+            <a:schemeClr val="dk1"/>
+          </a:fillRef>
+          <a:effectRef idx="0">
+            <a:schemeClr val="dk1"/>
+          </a:effectRef>
+          <a:fontRef idx="minor">
+            <a:schemeClr val="tx1"/>
+          </a:fontRef>
+        </p:style>
+      </p:cxnSp>
+      <p:sp>
+        <p:nvSpPr>
+          <p:cNvPr id="36" name="TextBox 35">
+            <a:extLst>
+              <a:ext uri="{FF2B5EF4-FFF2-40B4-BE49-F238E27FC236}">
+                <a16:creationId xmlns:a16="http://schemas.microsoft.com/office/drawing/2014/main" id="{FC1E2B1E-73F4-451E-8156-68BE492BEC19}"/>
+              </a:ext>
+            </a:extLst>
+          </p:cNvPr>
+          <p:cNvSpPr txBox="1"/>
+          <p:nvPr/>
+        </p:nvSpPr>
+        <p:spPr>
+          <a:xfrm flipH="1">
+            <a:off x="3077234" y="1277034"/>
+            <a:ext cx="5264905" cy="1384995"/>
+          </a:xfrm>
+          <a:prstGeom prst="rect">
+            <a:avLst/>
+          </a:prstGeom>
+          <a:noFill/>
+        </p:spPr>
+        <p:txBody>
+          <a:bodyPr wrap="square" rtlCol="0">
+            <a:spAutoFit/>
+          </a:bodyPr>
+          <a:lstStyle/>
+          <a:p>
+            <a:r>
+              <a:rPr lang="en-IN" sz="2100" b="0" dirty="0">
+                <a:effectLst/>
+                <a:latin typeface="Consolas" panose="020B0609020204030204" pitchFamily="49" charset="0"/>
+              </a:rPr>
+              <a:t>line 1  ✔</a:t>
+            </a:r>
+          </a:p>
+          <a:p>
+            <a:r>
+              <a:rPr lang="en-IN" sz="2100" dirty="0">
+                <a:latin typeface="Consolas" panose="020B0609020204030204" pitchFamily="49" charset="0"/>
+              </a:rPr>
+              <a:t>line 2  </a:t>
+            </a:r>
+            <a:r>
+              <a:rPr lang="en-IN" sz="2100" b="0" dirty="0">
+                <a:effectLst/>
+                <a:latin typeface="Consolas" panose="020B0609020204030204" pitchFamily="49" charset="0"/>
+              </a:rPr>
+              <a:t>✔</a:t>
+            </a:r>
+            <a:endParaRPr lang="en-IN" sz="2100" dirty="0">
+              <a:latin typeface="Consolas" panose="020B0609020204030204" pitchFamily="49" charset="0"/>
+            </a:endParaRPr>
+          </a:p>
+          <a:p>
+            <a:r>
+              <a:rPr lang="en-IN" sz="2100" b="0" dirty="0">
+                <a:effectLst/>
+                <a:latin typeface="Consolas" panose="020B0609020204030204" pitchFamily="49" charset="0"/>
+              </a:rPr>
+              <a:t>line 3  ✔</a:t>
+            </a:r>
+          </a:p>
+          <a:p>
+            <a:r>
+              <a:rPr lang="en-IN" sz="2100" b="0" dirty="0">
+                <a:effectLst/>
+                <a:latin typeface="Consolas" panose="020B0609020204030204" pitchFamily="49" charset="0"/>
+              </a:rPr>
+              <a:t>line 4                       ✔</a:t>
+            </a:r>
+          </a:p>
+        </p:txBody>
+      </p:sp>
+      <p:sp>
+        <p:nvSpPr>
+          <p:cNvPr id="5" name="Arrow: Bent 4">
+            <a:extLst>
+              <a:ext uri="{FF2B5EF4-FFF2-40B4-BE49-F238E27FC236}">
+                <a16:creationId xmlns:a16="http://schemas.microsoft.com/office/drawing/2014/main" id="{EFC17368-AAEB-410E-9DC8-1EABD24AB01E}"/>
+              </a:ext>
+            </a:extLst>
+          </p:cNvPr>
+          <p:cNvSpPr/>
+          <p:nvPr/>
+        </p:nvSpPr>
+        <p:spPr>
+          <a:xfrm rot="5400000">
+            <a:off x="4601772" y="2286441"/>
+            <a:ext cx="1050319" cy="1206303"/>
+          </a:xfrm>
+          <a:prstGeom prst="bentArrow">
+            <a:avLst/>
+          </a:prstGeom>
+        </p:spPr>
+        <p:style>
+          <a:lnRef idx="2">
+            <a:schemeClr val="accent6">
+              <a:shade val="50000"/>
+            </a:schemeClr>
+          </a:lnRef>
+          <a:fillRef idx="1">
+            <a:schemeClr val="accent6"/>
+          </a:fillRef>
+          <a:effectRef idx="0">
+            <a:schemeClr val="accent6"/>
+          </a:effectRef>
+          <a:fontRef idx="minor">
+            <a:schemeClr val="lt1"/>
+          </a:fontRef>
+        </p:style>
+        <p:txBody>
+          <a:bodyPr rtlCol="0" anchor="ctr"/>
+          <a:lstStyle/>
+          <a:p>
+            <a:pPr algn="ctr"/>
+            <a:endParaRPr lang="en-IN">
+              <a:solidFill>
+                <a:schemeClr val="tx1"/>
+              </a:solidFill>
+            </a:endParaRPr>
+          </a:p>
+        </p:txBody>
+      </p:sp>
+      <p:sp>
+        <p:nvSpPr>
+          <p:cNvPr id="8" name="Arrow: Bent-Up 7">
+            <a:extLst>
+              <a:ext uri="{FF2B5EF4-FFF2-40B4-BE49-F238E27FC236}">
+                <a16:creationId xmlns:a16="http://schemas.microsoft.com/office/drawing/2014/main" id="{5CA56F15-9C5B-456F-877D-A7777AE69704}"/>
+              </a:ext>
+            </a:extLst>
+          </p:cNvPr>
+          <p:cNvSpPr/>
+          <p:nvPr/>
+        </p:nvSpPr>
+        <p:spPr>
+          <a:xfrm rot="16200000">
+            <a:off x="4973141" y="3057263"/>
+            <a:ext cx="2849970" cy="1172952"/>
+          </a:xfrm>
+          <a:prstGeom prst="bentUpArrow">
+            <a:avLst/>
+          </a:prstGeom>
+        </p:spPr>
+        <p:style>
+          <a:lnRef idx="2">
+            <a:schemeClr val="accent6">
+              <a:shade val="50000"/>
+            </a:schemeClr>
+          </a:lnRef>
+          <a:fillRef idx="1">
+            <a:schemeClr val="accent6"/>
+          </a:fillRef>
+          <a:effectRef idx="0">
+            <a:schemeClr val="accent6"/>
+          </a:effectRef>
+          <a:fontRef idx="minor">
+            <a:schemeClr val="lt1"/>
+          </a:fontRef>
+        </p:style>
+        <p:txBody>
+          <a:bodyPr rtlCol="0" anchor="ctr"/>
+          <a:lstStyle/>
+          <a:p>
+            <a:pPr algn="ctr"/>
+            <a:endParaRPr lang="en-IN"/>
+          </a:p>
+        </p:txBody>
+      </p:sp>
+      <p:sp>
+        <p:nvSpPr>
+          <p:cNvPr id="9" name="TextBox 8">
+            <a:extLst>
+              <a:ext uri="{FF2B5EF4-FFF2-40B4-BE49-F238E27FC236}">
+                <a16:creationId xmlns:a16="http://schemas.microsoft.com/office/drawing/2014/main" id="{B918B6F8-0C48-4520-95C9-4B7947613B89}"/>
+              </a:ext>
+            </a:extLst>
+          </p:cNvPr>
+          <p:cNvSpPr txBox="1"/>
+          <p:nvPr/>
+        </p:nvSpPr>
+        <p:spPr>
+          <a:xfrm>
+            <a:off x="5387926" y="1255643"/>
+            <a:ext cx="4022917" cy="1015663"/>
+          </a:xfrm>
+          <a:prstGeom prst="rect">
+            <a:avLst/>
+          </a:prstGeom>
+          <a:noFill/>
+        </p:spPr>
+        <p:txBody>
+          <a:bodyPr wrap="square" rtlCol="0">
+            <a:spAutoFit/>
+          </a:bodyPr>
+          <a:lstStyle/>
+          <a:p>
+            <a:r>
+              <a:rPr lang="en-US" sz="2000" dirty="0">
+                <a:solidFill>
+                  <a:srgbClr val="FFFF00"/>
+                </a:solidFill>
+              </a:rPr>
+              <a:t>* At line 4 system enter in FEC</a:t>
+            </a:r>
+            <a:r>
+              <a:rPr lang="en-IN" sz="2000" dirty="0">
+                <a:solidFill>
+                  <a:srgbClr val="FFFF00"/>
+                </a:solidFill>
+              </a:rPr>
+              <a:t> then after return statement it execute and FEC removed from Call Stack</a:t>
+            </a:r>
+            <a:endParaRPr lang="en-US" sz="2000" dirty="0">
+              <a:solidFill>
+                <a:srgbClr val="FFFF00"/>
+              </a:solidFill>
+            </a:endParaRPr>
+          </a:p>
+        </p:txBody>
+      </p:sp>
+    </p:spTree>
+    <p:extLst>
+      <p:ext uri="{BB962C8B-B14F-4D97-AF65-F5344CB8AC3E}">
+        <p14:creationId xmlns:p14="http://schemas.microsoft.com/office/powerpoint/2010/main" val="3466266900"/>
+      </p:ext>
+    </p:extLst>
+  </p:cSld>
+  <p:clrMapOvr>
+    <a:masterClrMapping/>
+  </p:clrMapOvr>
+</p:sld>
+</file>
+
+<file path=ppt/slides/slide14.xml><?xml version="1.0" encoding="utf-8"?>
+<p:sld xmlns:a="http://schemas.openxmlformats.org/drawingml/2006/main" xmlns:r="http://schemas.openxmlformats.org/officeDocument/2006/relationships" xmlns:p="http://schemas.openxmlformats.org/presentationml/2006/main">
+  <p:cSld>
+    <p:spTree>
+      <p:nvGrpSpPr>
+        <p:cNvPr id="1" name=""/>
+        <p:cNvGrpSpPr/>
+        <p:nvPr/>
+      </p:nvGrpSpPr>
+      <p:grpSpPr>
+        <a:xfrm>
+          <a:off x="0" y="0"/>
+          <a:ext cx="0" cy="0"/>
+          <a:chOff x="0" y="0"/>
+          <a:chExt cx="0" cy="0"/>
+        </a:xfrm>
+      </p:grpSpPr>
+      <p:sp>
+        <p:nvSpPr>
+          <p:cNvPr id="2" name="Title 1">
+            <a:extLst>
+              <a:ext uri="{FF2B5EF4-FFF2-40B4-BE49-F238E27FC236}">
+                <a16:creationId xmlns:a16="http://schemas.microsoft.com/office/drawing/2014/main" id="{8D95AEBF-36EB-4C12-8BB9-264412FA7014}"/>
+              </a:ext>
+            </a:extLst>
+          </p:cNvPr>
+          <p:cNvSpPr>
+            <a:spLocks noGrp="1"/>
+          </p:cNvSpPr>
+          <p:nvPr>
+            <p:ph type="title"/>
+          </p:nvPr>
+        </p:nvSpPr>
+        <p:spPr/>
+        <p:txBody>
+          <a:bodyPr/>
+          <a:lstStyle/>
+          <a:p>
+            <a:endParaRPr lang="en-IN"/>
+          </a:p>
+        </p:txBody>
+      </p:sp>
+      <p:sp>
+        <p:nvSpPr>
+          <p:cNvPr id="3" name="Content Placeholder 2">
+            <a:extLst>
+              <a:ext uri="{FF2B5EF4-FFF2-40B4-BE49-F238E27FC236}">
+                <a16:creationId xmlns:a16="http://schemas.microsoft.com/office/drawing/2014/main" id="{8BE08253-10BE-4D14-9CAE-1830779E1E2E}"/>
+              </a:ext>
+            </a:extLst>
+          </p:cNvPr>
+          <p:cNvSpPr>
+            <a:spLocks noGrp="1"/>
+          </p:cNvSpPr>
+          <p:nvPr>
+            <p:ph idx="1"/>
+          </p:nvPr>
+        </p:nvSpPr>
+        <p:spPr/>
+        <p:txBody>
+          <a:bodyPr/>
+          <a:lstStyle/>
+          <a:p>
+            <a:endParaRPr lang="en-IN" dirty="0"/>
+          </a:p>
+        </p:txBody>
+      </p:sp>
+    </p:spTree>
+    <p:extLst>
+      <p:ext uri="{BB962C8B-B14F-4D97-AF65-F5344CB8AC3E}">
+        <p14:creationId xmlns:p14="http://schemas.microsoft.com/office/powerpoint/2010/main" val="4094674054"/>
+      </p:ext>
+    </p:extLst>
+  </p:cSld>
+  <p:clrMapOvr>
+    <a:masterClrMapping/>
+  </p:clrMapOvr>
+</p:sld>
+</file>
+
+<file path=ppt/slides/slide15.xml><?xml version="1.0" encoding="utf-8"?>
+<p:sld xmlns:a="http://schemas.openxmlformats.org/drawingml/2006/main" xmlns:r="http://schemas.openxmlformats.org/officeDocument/2006/relationships" xmlns:p="http://schemas.openxmlformats.org/presentationml/2006/main">
+  <p:cSld>
+    <p:spTree>
+      <p:nvGrpSpPr>
+        <p:cNvPr id="1" name=""/>
+        <p:cNvGrpSpPr/>
+        <p:nvPr/>
+      </p:nvGrpSpPr>
+      <p:grpSpPr>
+        <a:xfrm>
+          <a:off x="0" y="0"/>
+          <a:ext cx="0" cy="0"/>
+          <a:chOff x="0" y="0"/>
+          <a:chExt cx="0" cy="0"/>
+        </a:xfrm>
+      </p:grpSpPr>
+      <p:sp>
+        <p:nvSpPr>
+          <p:cNvPr id="2" name="Title 1">
+            <a:extLst>
+              <a:ext uri="{FF2B5EF4-FFF2-40B4-BE49-F238E27FC236}">
+                <a16:creationId xmlns:a16="http://schemas.microsoft.com/office/drawing/2014/main" id="{F6C47837-D9FF-42B9-8083-DBBC75B6B549}"/>
+              </a:ext>
+            </a:extLst>
+          </p:cNvPr>
+          <p:cNvSpPr>
+            <a:spLocks noGrp="1"/>
+          </p:cNvSpPr>
+          <p:nvPr>
+            <p:ph type="title"/>
+          </p:nvPr>
+        </p:nvSpPr>
+        <p:spPr/>
+        <p:txBody>
+          <a:bodyPr/>
+          <a:lstStyle/>
+          <a:p>
+            <a:r>
+              <a:rPr lang="en-US" dirty="0"/>
+              <a:t>Closures</a:t>
+            </a:r>
+            <a:endParaRPr lang="en-IN" dirty="0"/>
+          </a:p>
+        </p:txBody>
+      </p:sp>
+      <p:sp>
+        <p:nvSpPr>
+          <p:cNvPr id="7" name="Content Placeholder 6">
+            <a:extLst>
+              <a:ext uri="{FF2B5EF4-FFF2-40B4-BE49-F238E27FC236}">
+                <a16:creationId xmlns:a16="http://schemas.microsoft.com/office/drawing/2014/main" id="{D7CF7002-AE39-42EB-9134-8C110894A1C3}"/>
+              </a:ext>
+            </a:extLst>
+          </p:cNvPr>
+          <p:cNvSpPr>
+            <a:spLocks noGrp="1"/>
+          </p:cNvSpPr>
+          <p:nvPr>
+            <p:ph idx="1"/>
+          </p:nvPr>
+        </p:nvSpPr>
+        <p:spPr/>
+        <p:txBody>
+          <a:bodyPr/>
+          <a:lstStyle/>
+          <a:p>
+            <a:r>
+              <a:rPr lang="en-US" dirty="0"/>
+              <a:t>Closures are the function that “closes over” </a:t>
+            </a:r>
+          </a:p>
+          <a:p>
+            <a:r>
+              <a:rPr lang="en-US" dirty="0"/>
+              <a:t>The extra space with contains the local variable of any function which is used in nested function.</a:t>
+            </a:r>
+          </a:p>
+          <a:p>
+            <a:r>
+              <a:rPr lang="en-US" dirty="0"/>
+              <a:t>We cannot directly access closures.</a:t>
+            </a:r>
+          </a:p>
+          <a:p>
+            <a:r>
+              <a:rPr lang="en-IN" dirty="0"/>
+              <a:t>a kind of data security and encapsulation</a:t>
+            </a:r>
+          </a:p>
+        </p:txBody>
+      </p:sp>
+    </p:spTree>
+    <p:extLst>
+      <p:ext uri="{BB962C8B-B14F-4D97-AF65-F5344CB8AC3E}">
+        <p14:creationId xmlns:p14="http://schemas.microsoft.com/office/powerpoint/2010/main" val="1451411143"/>
+      </p:ext>
+    </p:extLst>
+  </p:cSld>
+  <p:clrMapOvr>
+    <a:masterClrMapping/>
+  </p:clrMapOvr>
+</p:sld>
+</file>
+
+<file path=ppt/slides/slide16.xml><?xml version="1.0" encoding="utf-8"?>
+<p:sld xmlns:a="http://schemas.openxmlformats.org/drawingml/2006/main" xmlns:r="http://schemas.openxmlformats.org/officeDocument/2006/relationships" xmlns:p="http://schemas.openxmlformats.org/presentationml/2006/main">
+  <p:cSld>
+    <p:spTree>
+      <p:nvGrpSpPr>
+        <p:cNvPr id="1" name=""/>
+        <p:cNvGrpSpPr/>
+        <p:nvPr/>
+      </p:nvGrpSpPr>
+      <p:grpSpPr>
+        <a:xfrm>
+          <a:off x="0" y="0"/>
+          <a:ext cx="0" cy="0"/>
+          <a:chOff x="0" y="0"/>
+          <a:chExt cx="0" cy="0"/>
+        </a:xfrm>
+      </p:grpSpPr>
+      <p:sp>
+        <p:nvSpPr>
+          <p:cNvPr id="29" name="Rectangle 28">
+            <a:extLst>
+              <a:ext uri="{FF2B5EF4-FFF2-40B4-BE49-F238E27FC236}">
+                <a16:creationId xmlns:a16="http://schemas.microsoft.com/office/drawing/2014/main" id="{76CF6F84-62CA-4824-AE7E-A70CC60F7628}"/>
+              </a:ext>
+            </a:extLst>
+          </p:cNvPr>
+          <p:cNvSpPr/>
+          <p:nvPr/>
+        </p:nvSpPr>
+        <p:spPr>
+          <a:xfrm>
+            <a:off x="25786" y="0"/>
+            <a:ext cx="4813499" cy="3239526"/>
+          </a:xfrm>
+          <a:prstGeom prst="rect">
+            <a:avLst/>
+          </a:prstGeom>
+        </p:spPr>
+        <p:style>
+          <a:lnRef idx="2">
+            <a:schemeClr val="dk1">
+              <a:shade val="50000"/>
+            </a:schemeClr>
+          </a:lnRef>
+          <a:fillRef idx="1">
+            <a:schemeClr val="dk1"/>
+          </a:fillRef>
+          <a:effectRef idx="0">
+            <a:schemeClr val="dk1"/>
+          </a:effectRef>
+          <a:fontRef idx="minor">
+            <a:schemeClr val="lt1"/>
+          </a:fontRef>
+        </p:style>
+        <p:txBody>
+          <a:bodyPr rtlCol="0" anchor="ctr"/>
+          <a:lstStyle/>
+          <a:p>
+            <a:pPr algn="ctr"/>
+            <a:endParaRPr lang="en-IN"/>
+          </a:p>
+        </p:txBody>
+      </p:sp>
+      <p:sp>
+        <p:nvSpPr>
+          <p:cNvPr id="13" name="TextBox 12">
+            <a:extLst>
+              <a:ext uri="{FF2B5EF4-FFF2-40B4-BE49-F238E27FC236}">
+                <a16:creationId xmlns:a16="http://schemas.microsoft.com/office/drawing/2014/main" id="{3812B4B9-92C0-4058-AD2A-24277C6CA3D5}"/>
+              </a:ext>
+            </a:extLst>
+          </p:cNvPr>
+          <p:cNvSpPr txBox="1"/>
+          <p:nvPr/>
+        </p:nvSpPr>
+        <p:spPr>
+          <a:xfrm flipH="1">
+            <a:off x="25786" y="100205"/>
+            <a:ext cx="4985832" cy="2585323"/>
+          </a:xfrm>
+          <a:prstGeom prst="rect">
+            <a:avLst/>
+          </a:prstGeom>
+          <a:noFill/>
+        </p:spPr>
+        <p:txBody>
+          <a:bodyPr wrap="square" rtlCol="0">
+            <a:spAutoFit/>
+          </a:bodyPr>
+          <a:lstStyle/>
+          <a:p>
+            <a:r>
+              <a:rPr lang="en-IN" b="0" dirty="0">
+                <a:solidFill>
+                  <a:srgbClr val="569CD6"/>
+                </a:solidFill>
+                <a:effectLst/>
+                <a:latin typeface="Consolas" panose="020B0609020204030204" pitchFamily="49" charset="0"/>
+              </a:rPr>
+              <a:t>function</a:t>
+            </a:r>
+            <a:r>
+              <a:rPr lang="en-IN" b="0" dirty="0">
+                <a:solidFill>
+                  <a:srgbClr val="DADADA"/>
+                </a:solidFill>
+                <a:effectLst/>
+                <a:latin typeface="Consolas" panose="020B0609020204030204" pitchFamily="49" charset="0"/>
+              </a:rPr>
+              <a:t> </a:t>
+            </a:r>
+            <a:r>
+              <a:rPr lang="en-IN" b="0" dirty="0">
+                <a:solidFill>
+                  <a:srgbClr val="DCDCAA"/>
+                </a:solidFill>
+                <a:effectLst/>
+                <a:latin typeface="Consolas" panose="020B0609020204030204" pitchFamily="49" charset="0"/>
+              </a:rPr>
+              <a:t>outside</a:t>
+            </a:r>
+            <a:r>
+              <a:rPr lang="en-IN" b="0" dirty="0">
+                <a:solidFill>
+                  <a:srgbClr val="B4B4B4"/>
+                </a:solidFill>
+                <a:effectLst/>
+                <a:latin typeface="Consolas" panose="020B0609020204030204" pitchFamily="49" charset="0"/>
+              </a:rPr>
+              <a:t>(</a:t>
+            </a:r>
+            <a:r>
+              <a:rPr lang="en-IN" b="0" dirty="0">
+                <a:solidFill>
+                  <a:srgbClr val="9A9A9A"/>
+                </a:solidFill>
+                <a:effectLst/>
+                <a:latin typeface="Consolas" panose="020B0609020204030204" pitchFamily="49" charset="0"/>
+              </a:rPr>
+              <a:t>Name</a:t>
+            </a:r>
+            <a:r>
+              <a:rPr lang="en-IN" b="0" dirty="0">
+                <a:solidFill>
+                  <a:srgbClr val="B4B4B4"/>
+                </a:solidFill>
+                <a:effectLst/>
+                <a:latin typeface="Consolas" panose="020B0609020204030204" pitchFamily="49" charset="0"/>
+              </a:rPr>
+              <a:t>){</a:t>
+            </a:r>
+            <a:endParaRPr lang="en-IN" b="0" dirty="0">
+              <a:solidFill>
+                <a:srgbClr val="DADADA"/>
+              </a:solidFill>
+              <a:effectLst/>
+              <a:latin typeface="Consolas" panose="020B0609020204030204" pitchFamily="49" charset="0"/>
+            </a:endParaRPr>
+          </a:p>
+          <a:p>
+            <a:r>
+              <a:rPr lang="en-IN" b="0" dirty="0">
+                <a:solidFill>
+                  <a:srgbClr val="DADADA"/>
+                </a:solidFill>
+                <a:effectLst/>
+                <a:latin typeface="Consolas" panose="020B0609020204030204" pitchFamily="49" charset="0"/>
+              </a:rPr>
+              <a:t>    </a:t>
+            </a:r>
+            <a:r>
+              <a:rPr lang="en-IN" b="0" dirty="0">
+                <a:solidFill>
+                  <a:srgbClr val="569CD6"/>
+                </a:solidFill>
+                <a:effectLst/>
+                <a:latin typeface="Consolas" panose="020B0609020204030204" pitchFamily="49" charset="0"/>
+              </a:rPr>
+              <a:t>function</a:t>
+            </a:r>
+            <a:r>
+              <a:rPr lang="en-IN" b="0" dirty="0">
+                <a:solidFill>
+                  <a:srgbClr val="DADADA"/>
+                </a:solidFill>
+                <a:effectLst/>
+                <a:latin typeface="Consolas" panose="020B0609020204030204" pitchFamily="49" charset="0"/>
+              </a:rPr>
+              <a:t> </a:t>
+            </a:r>
+            <a:r>
+              <a:rPr lang="en-IN" b="0" dirty="0">
+                <a:solidFill>
+                  <a:srgbClr val="DCDCAA"/>
+                </a:solidFill>
+                <a:effectLst/>
+                <a:latin typeface="Consolas" panose="020B0609020204030204" pitchFamily="49" charset="0"/>
+              </a:rPr>
+              <a:t>inside</a:t>
+            </a:r>
+            <a:r>
+              <a:rPr lang="en-IN" b="0" dirty="0">
+                <a:solidFill>
+                  <a:srgbClr val="B4B4B4"/>
+                </a:solidFill>
+                <a:effectLst/>
+                <a:latin typeface="Consolas" panose="020B0609020204030204" pitchFamily="49" charset="0"/>
+              </a:rPr>
+              <a:t>(){</a:t>
+            </a:r>
+            <a:endParaRPr lang="en-IN" b="0" dirty="0">
+              <a:solidFill>
+                <a:srgbClr val="DADADA"/>
+              </a:solidFill>
+              <a:effectLst/>
+              <a:latin typeface="Consolas" panose="020B0609020204030204" pitchFamily="49" charset="0"/>
+            </a:endParaRPr>
+          </a:p>
+          <a:p>
+            <a:r>
+              <a:rPr lang="en-IN" b="0" dirty="0">
+                <a:solidFill>
+                  <a:srgbClr val="DADADA"/>
+                </a:solidFill>
+                <a:effectLst/>
+                <a:latin typeface="Consolas" panose="020B0609020204030204" pitchFamily="49" charset="0"/>
+              </a:rPr>
+              <a:t>        </a:t>
+            </a:r>
+            <a:r>
+              <a:rPr lang="en-IN" b="0" dirty="0">
+                <a:solidFill>
+                  <a:srgbClr val="9CDCFE"/>
+                </a:solidFill>
+                <a:effectLst/>
+                <a:latin typeface="Consolas" panose="020B0609020204030204" pitchFamily="49" charset="0"/>
+              </a:rPr>
+              <a:t>console</a:t>
+            </a:r>
+            <a:r>
+              <a:rPr lang="en-IN" b="0" dirty="0">
+                <a:solidFill>
+                  <a:srgbClr val="B4B4B4"/>
+                </a:solidFill>
+                <a:effectLst/>
+                <a:latin typeface="Consolas" panose="020B0609020204030204" pitchFamily="49" charset="0"/>
+              </a:rPr>
+              <a:t>.</a:t>
+            </a:r>
+            <a:r>
+              <a:rPr lang="en-IN" b="0" dirty="0">
+                <a:solidFill>
+                  <a:srgbClr val="DCDCAA"/>
+                </a:solidFill>
+                <a:effectLst/>
+                <a:latin typeface="Consolas" panose="020B0609020204030204" pitchFamily="49" charset="0"/>
+              </a:rPr>
+              <a:t>log</a:t>
+            </a:r>
+            <a:r>
+              <a:rPr lang="en-IN" b="0" dirty="0">
+                <a:solidFill>
+                  <a:srgbClr val="DADADA"/>
+                </a:solidFill>
+                <a:effectLst/>
+                <a:latin typeface="Consolas" panose="020B0609020204030204" pitchFamily="49" charset="0"/>
+              </a:rPr>
+              <a:t>(</a:t>
+            </a:r>
+            <a:r>
+              <a:rPr lang="en-IN" b="0" dirty="0">
+                <a:solidFill>
+                  <a:srgbClr val="E8C9BB"/>
+                </a:solidFill>
+                <a:effectLst/>
+                <a:latin typeface="Consolas" panose="020B0609020204030204" pitchFamily="49" charset="0"/>
+              </a:rPr>
+              <a:t>`</a:t>
+            </a:r>
+            <a:r>
+              <a:rPr lang="en-IN" b="0" dirty="0">
+                <a:solidFill>
+                  <a:srgbClr val="CE9178"/>
+                </a:solidFill>
+                <a:effectLst/>
+                <a:latin typeface="Consolas" panose="020B0609020204030204" pitchFamily="49" charset="0"/>
+              </a:rPr>
+              <a:t>hi </a:t>
+            </a:r>
+            <a:r>
+              <a:rPr lang="en-IN" b="0" dirty="0">
+                <a:solidFill>
+                  <a:srgbClr val="569CD6"/>
+                </a:solidFill>
+                <a:effectLst/>
+                <a:latin typeface="Consolas" panose="020B0609020204030204" pitchFamily="49" charset="0"/>
+              </a:rPr>
+              <a:t>${</a:t>
+            </a:r>
+            <a:r>
+              <a:rPr lang="en-IN" b="0" dirty="0">
+                <a:solidFill>
+                  <a:srgbClr val="9A9A9A"/>
+                </a:solidFill>
+                <a:effectLst/>
+                <a:latin typeface="Consolas" panose="020B0609020204030204" pitchFamily="49" charset="0"/>
+              </a:rPr>
+              <a:t>Name</a:t>
+            </a:r>
+            <a:r>
+              <a:rPr lang="en-IN" b="0" dirty="0">
+                <a:solidFill>
+                  <a:srgbClr val="569CD6"/>
+                </a:solidFill>
+                <a:effectLst/>
+                <a:latin typeface="Consolas" panose="020B0609020204030204" pitchFamily="49" charset="0"/>
+              </a:rPr>
+              <a:t>}</a:t>
+            </a:r>
+            <a:r>
+              <a:rPr lang="en-IN" b="0" dirty="0">
+                <a:solidFill>
+                  <a:srgbClr val="CE9178"/>
+                </a:solidFill>
+                <a:effectLst/>
+                <a:latin typeface="Consolas" panose="020B0609020204030204" pitchFamily="49" charset="0"/>
+              </a:rPr>
+              <a:t> I am inside Function</a:t>
+            </a:r>
+            <a:r>
+              <a:rPr lang="en-IN" b="0" dirty="0">
+                <a:solidFill>
+                  <a:srgbClr val="E8C9BB"/>
+                </a:solidFill>
+                <a:effectLst/>
+                <a:latin typeface="Consolas" panose="020B0609020204030204" pitchFamily="49" charset="0"/>
+              </a:rPr>
+              <a:t>`</a:t>
+            </a:r>
+            <a:r>
+              <a:rPr lang="en-IN" b="0" dirty="0">
+                <a:solidFill>
+                  <a:srgbClr val="DADADA"/>
+                </a:solidFill>
+                <a:effectLst/>
+                <a:latin typeface="Consolas" panose="020B0609020204030204" pitchFamily="49" charset="0"/>
+              </a:rPr>
+              <a:t>)</a:t>
+            </a:r>
+            <a:r>
+              <a:rPr lang="en-IN" b="0" dirty="0">
+                <a:solidFill>
+                  <a:srgbClr val="B4B4B4"/>
+                </a:solidFill>
+                <a:effectLst/>
+                <a:latin typeface="Consolas" panose="020B0609020204030204" pitchFamily="49" charset="0"/>
+              </a:rPr>
+              <a:t>;</a:t>
+            </a:r>
+            <a:endParaRPr lang="en-IN" b="0" dirty="0">
+              <a:solidFill>
+                <a:srgbClr val="DADADA"/>
+              </a:solidFill>
+              <a:effectLst/>
+              <a:latin typeface="Consolas" panose="020B0609020204030204" pitchFamily="49" charset="0"/>
+            </a:endParaRPr>
+          </a:p>
+          <a:p>
+            <a:r>
+              <a:rPr lang="en-IN" b="0" dirty="0">
+                <a:solidFill>
+                  <a:srgbClr val="DADADA"/>
+                </a:solidFill>
+                <a:effectLst/>
+                <a:latin typeface="Consolas" panose="020B0609020204030204" pitchFamily="49" charset="0"/>
+              </a:rPr>
+              <a:t>    </a:t>
+            </a:r>
+            <a:r>
+              <a:rPr lang="en-IN" b="0" dirty="0">
+                <a:solidFill>
+                  <a:srgbClr val="B4B4B4"/>
+                </a:solidFill>
+                <a:effectLst/>
+                <a:latin typeface="Consolas" panose="020B0609020204030204" pitchFamily="49" charset="0"/>
+              </a:rPr>
+              <a:t>}</a:t>
+            </a:r>
+            <a:endParaRPr lang="en-IN" b="0" dirty="0">
+              <a:solidFill>
+                <a:srgbClr val="DADADA"/>
+              </a:solidFill>
+              <a:effectLst/>
+              <a:latin typeface="Consolas" panose="020B0609020204030204" pitchFamily="49" charset="0"/>
+            </a:endParaRPr>
+          </a:p>
+          <a:p>
+            <a:r>
+              <a:rPr lang="en-IN" b="0" dirty="0">
+                <a:solidFill>
+                  <a:srgbClr val="DADADA"/>
+                </a:solidFill>
+                <a:effectLst/>
+                <a:latin typeface="Consolas" panose="020B0609020204030204" pitchFamily="49" charset="0"/>
+              </a:rPr>
+              <a:t>    </a:t>
+            </a:r>
+            <a:r>
+              <a:rPr lang="en-IN" b="0" dirty="0">
+                <a:solidFill>
+                  <a:srgbClr val="D8A0DF"/>
+                </a:solidFill>
+                <a:effectLst/>
+                <a:latin typeface="Consolas" panose="020B0609020204030204" pitchFamily="49" charset="0"/>
+              </a:rPr>
+              <a:t>return</a:t>
+            </a:r>
+            <a:r>
+              <a:rPr lang="en-IN" b="0" dirty="0">
+                <a:solidFill>
+                  <a:srgbClr val="DADADA"/>
+                </a:solidFill>
+                <a:effectLst/>
+                <a:latin typeface="Consolas" panose="020B0609020204030204" pitchFamily="49" charset="0"/>
+              </a:rPr>
+              <a:t> </a:t>
+            </a:r>
+            <a:r>
+              <a:rPr lang="en-IN" b="0" dirty="0">
+                <a:solidFill>
+                  <a:srgbClr val="DCDCAA"/>
+                </a:solidFill>
+                <a:effectLst/>
+                <a:latin typeface="Consolas" panose="020B0609020204030204" pitchFamily="49" charset="0"/>
+              </a:rPr>
+              <a:t>inside;</a:t>
+            </a:r>
+            <a:endParaRPr lang="en-IN" b="0" dirty="0">
+              <a:solidFill>
+                <a:srgbClr val="DADADA"/>
+              </a:solidFill>
+              <a:effectLst/>
+              <a:latin typeface="Consolas" panose="020B0609020204030204" pitchFamily="49" charset="0"/>
+            </a:endParaRPr>
+          </a:p>
+          <a:p>
+            <a:r>
+              <a:rPr lang="en-IN" b="0" dirty="0">
+                <a:solidFill>
+                  <a:srgbClr val="B4B4B4"/>
+                </a:solidFill>
+                <a:effectLst/>
+                <a:latin typeface="Consolas" panose="020B0609020204030204" pitchFamily="49" charset="0"/>
+              </a:rPr>
+              <a:t>}</a:t>
+            </a:r>
+            <a:endParaRPr lang="en-IN" b="0" dirty="0">
+              <a:solidFill>
+                <a:srgbClr val="DADADA"/>
+              </a:solidFill>
+              <a:effectLst/>
+              <a:latin typeface="Consolas" panose="020B0609020204030204" pitchFamily="49" charset="0"/>
+            </a:endParaRPr>
+          </a:p>
+          <a:p>
+            <a:r>
+              <a:rPr lang="en-IN" b="0" dirty="0" err="1">
+                <a:solidFill>
+                  <a:srgbClr val="569CD6"/>
+                </a:solidFill>
+                <a:effectLst/>
+                <a:latin typeface="Consolas" panose="020B0609020204030204" pitchFamily="49" charset="0"/>
+              </a:rPr>
+              <a:t>const</a:t>
+            </a:r>
+            <a:r>
+              <a:rPr lang="en-IN" b="0" dirty="0">
+                <a:solidFill>
+                  <a:srgbClr val="DADADA"/>
+                </a:solidFill>
+                <a:effectLst/>
+                <a:latin typeface="Consolas" panose="020B0609020204030204" pitchFamily="49" charset="0"/>
+              </a:rPr>
+              <a:t> </a:t>
+            </a:r>
+            <a:r>
+              <a:rPr lang="en-IN" b="0" dirty="0" err="1">
+                <a:solidFill>
+                  <a:srgbClr val="DCDCAA"/>
+                </a:solidFill>
+                <a:effectLst/>
+                <a:latin typeface="Consolas" panose="020B0609020204030204" pitchFamily="49" charset="0"/>
+              </a:rPr>
+              <a:t>ans</a:t>
+            </a:r>
+            <a:r>
+              <a:rPr lang="en-IN" b="0" dirty="0">
+                <a:solidFill>
+                  <a:srgbClr val="B4B4B4"/>
+                </a:solidFill>
+                <a:effectLst/>
+                <a:latin typeface="Consolas" panose="020B0609020204030204" pitchFamily="49" charset="0"/>
+              </a:rPr>
+              <a:t>=</a:t>
+            </a:r>
+            <a:r>
+              <a:rPr lang="en-IN" b="0" dirty="0">
+                <a:solidFill>
+                  <a:srgbClr val="DCDCAA"/>
+                </a:solidFill>
+                <a:effectLst/>
+                <a:latin typeface="Consolas" panose="020B0609020204030204" pitchFamily="49" charset="0"/>
+              </a:rPr>
+              <a:t>outside</a:t>
+            </a:r>
+            <a:r>
+              <a:rPr lang="en-IN" b="0" dirty="0">
+                <a:solidFill>
+                  <a:srgbClr val="DADADA"/>
+                </a:solidFill>
+                <a:effectLst/>
+                <a:latin typeface="Consolas" panose="020B0609020204030204" pitchFamily="49" charset="0"/>
+              </a:rPr>
+              <a:t>(</a:t>
+            </a:r>
+            <a:r>
+              <a:rPr lang="en-IN" b="0" dirty="0">
+                <a:solidFill>
+                  <a:srgbClr val="E8C9BB"/>
+                </a:solidFill>
+                <a:effectLst/>
+                <a:latin typeface="Consolas" panose="020B0609020204030204" pitchFamily="49" charset="0"/>
+              </a:rPr>
+              <a:t>"</a:t>
+            </a:r>
+            <a:r>
+              <a:rPr lang="en-IN" b="0" dirty="0">
+                <a:solidFill>
+                  <a:srgbClr val="CE9178"/>
+                </a:solidFill>
+                <a:effectLst/>
+                <a:latin typeface="Consolas" panose="020B0609020204030204" pitchFamily="49" charset="0"/>
+              </a:rPr>
+              <a:t>Yogesh Kumar</a:t>
+            </a:r>
+            <a:r>
+              <a:rPr lang="en-IN" b="0" dirty="0">
+                <a:solidFill>
+                  <a:srgbClr val="E8C9BB"/>
+                </a:solidFill>
+                <a:effectLst/>
+                <a:latin typeface="Consolas" panose="020B0609020204030204" pitchFamily="49" charset="0"/>
+              </a:rPr>
+              <a:t>"</a:t>
+            </a:r>
+            <a:r>
+              <a:rPr lang="en-IN" b="0" dirty="0">
+                <a:solidFill>
+                  <a:srgbClr val="DADADA"/>
+                </a:solidFill>
+                <a:effectLst/>
+                <a:latin typeface="Consolas" panose="020B0609020204030204" pitchFamily="49" charset="0"/>
+              </a:rPr>
+              <a:t>)</a:t>
+            </a:r>
+            <a:r>
+              <a:rPr lang="en-IN" b="0" dirty="0">
+                <a:solidFill>
+                  <a:srgbClr val="B4B4B4"/>
+                </a:solidFill>
+                <a:effectLst/>
+                <a:latin typeface="Consolas" panose="020B0609020204030204" pitchFamily="49" charset="0"/>
+              </a:rPr>
+              <a:t>;</a:t>
+            </a:r>
+            <a:r>
+              <a:rPr lang="en-IN" b="0" dirty="0">
+                <a:solidFill>
+                  <a:srgbClr val="DADADA"/>
+                </a:solidFill>
+                <a:effectLst/>
+                <a:latin typeface="Consolas" panose="020B0609020204030204" pitchFamily="49" charset="0"/>
+              </a:rPr>
+              <a:t>  </a:t>
+            </a:r>
+          </a:p>
+          <a:p>
+            <a:r>
+              <a:rPr lang="en-IN" b="0" dirty="0" err="1">
+                <a:solidFill>
+                  <a:srgbClr val="DCDCAA"/>
+                </a:solidFill>
+                <a:effectLst/>
+                <a:latin typeface="Consolas" panose="020B0609020204030204" pitchFamily="49" charset="0"/>
+              </a:rPr>
+              <a:t>ans</a:t>
+            </a:r>
+            <a:r>
+              <a:rPr lang="en-IN" b="0" dirty="0">
+                <a:solidFill>
+                  <a:srgbClr val="DADADA"/>
+                </a:solidFill>
+                <a:effectLst/>
+                <a:latin typeface="Consolas" panose="020B0609020204030204" pitchFamily="49" charset="0"/>
+              </a:rPr>
+              <a:t>()</a:t>
+            </a:r>
+            <a:r>
+              <a:rPr lang="en-IN" b="0" dirty="0">
+                <a:solidFill>
+                  <a:srgbClr val="B4B4B4"/>
+                </a:solidFill>
+                <a:effectLst/>
+                <a:latin typeface="Consolas" panose="020B0609020204030204" pitchFamily="49" charset="0"/>
+              </a:rPr>
+              <a:t>;</a:t>
+            </a:r>
+            <a:endParaRPr lang="en-IN" b="0" dirty="0">
+              <a:solidFill>
+                <a:srgbClr val="DADADA"/>
+              </a:solidFill>
+              <a:effectLst/>
+              <a:latin typeface="Consolas" panose="020B0609020204030204" pitchFamily="49" charset="0"/>
+            </a:endParaRPr>
+          </a:p>
+        </p:txBody>
+      </p:sp>
+      <p:sp>
+        <p:nvSpPr>
+          <p:cNvPr id="30" name="Rectangle 29">
+            <a:extLst>
+              <a:ext uri="{FF2B5EF4-FFF2-40B4-BE49-F238E27FC236}">
+                <a16:creationId xmlns:a16="http://schemas.microsoft.com/office/drawing/2014/main" id="{50534FEF-31FE-48C2-96B3-EC8A5E061AC6}"/>
+              </a:ext>
+            </a:extLst>
+          </p:cNvPr>
+          <p:cNvSpPr/>
+          <p:nvPr/>
+        </p:nvSpPr>
+        <p:spPr>
+          <a:xfrm>
+            <a:off x="463063" y="4937758"/>
+            <a:ext cx="1631853" cy="1336431"/>
+          </a:xfrm>
+          <a:prstGeom prst="rect">
+            <a:avLst/>
+          </a:prstGeom>
+        </p:spPr>
+        <p:style>
+          <a:lnRef idx="2">
+            <a:schemeClr val="accent1">
+              <a:shade val="50000"/>
+            </a:schemeClr>
+          </a:lnRef>
+          <a:fillRef idx="1">
+            <a:schemeClr val="accent1"/>
+          </a:fillRef>
+          <a:effectRef idx="0">
+            <a:schemeClr val="accent1"/>
+          </a:effectRef>
+          <a:fontRef idx="minor">
+            <a:schemeClr val="lt1"/>
+          </a:fontRef>
+        </p:style>
+        <p:txBody>
+          <a:bodyPr rtlCol="0" anchor="ctr"/>
+          <a:lstStyle/>
+          <a:p>
+            <a:pPr algn="ctr"/>
+            <a:endParaRPr lang="en-IN"/>
+          </a:p>
+        </p:txBody>
+      </p:sp>
+      <p:sp>
+        <p:nvSpPr>
+          <p:cNvPr id="31" name="Rectangle 30">
+            <a:extLst>
+              <a:ext uri="{FF2B5EF4-FFF2-40B4-BE49-F238E27FC236}">
+                <a16:creationId xmlns:a16="http://schemas.microsoft.com/office/drawing/2014/main" id="{5590ADB2-6B17-493F-BD38-EFA48943B47A}"/>
+              </a:ext>
+            </a:extLst>
+          </p:cNvPr>
+          <p:cNvSpPr/>
+          <p:nvPr/>
+        </p:nvSpPr>
+        <p:spPr>
+          <a:xfrm>
+            <a:off x="3207432" y="4937759"/>
+            <a:ext cx="1631853" cy="1336431"/>
+          </a:xfrm>
+          <a:prstGeom prst="rect">
+            <a:avLst/>
+          </a:prstGeom>
+        </p:spPr>
+        <p:style>
+          <a:lnRef idx="2">
+            <a:schemeClr val="accent1">
+              <a:shade val="50000"/>
+            </a:schemeClr>
+          </a:lnRef>
+          <a:fillRef idx="1">
+            <a:schemeClr val="accent1"/>
+          </a:fillRef>
+          <a:effectRef idx="0">
+            <a:schemeClr val="accent1"/>
+          </a:effectRef>
+          <a:fontRef idx="minor">
+            <a:schemeClr val="lt1"/>
+          </a:fontRef>
+        </p:style>
+        <p:txBody>
+          <a:bodyPr rtlCol="0" anchor="ctr"/>
+          <a:lstStyle/>
+          <a:p>
+            <a:pPr algn="ctr"/>
+            <a:endParaRPr lang="en-IN"/>
+          </a:p>
+        </p:txBody>
+      </p:sp>
+      <p:sp>
+        <p:nvSpPr>
+          <p:cNvPr id="32" name="Rectangle 31">
+            <a:extLst>
+              <a:ext uri="{FF2B5EF4-FFF2-40B4-BE49-F238E27FC236}">
+                <a16:creationId xmlns:a16="http://schemas.microsoft.com/office/drawing/2014/main" id="{5EC9A1D3-81C6-451F-AC66-B92130FFA342}"/>
+              </a:ext>
+            </a:extLst>
+          </p:cNvPr>
+          <p:cNvSpPr/>
+          <p:nvPr/>
+        </p:nvSpPr>
+        <p:spPr>
+          <a:xfrm>
+            <a:off x="6201507" y="4937758"/>
+            <a:ext cx="1631853" cy="1336431"/>
+          </a:xfrm>
+          <a:prstGeom prst="rect">
+            <a:avLst/>
+          </a:prstGeom>
+        </p:spPr>
+        <p:style>
+          <a:lnRef idx="2">
+            <a:schemeClr val="accent1">
+              <a:shade val="50000"/>
+            </a:schemeClr>
+          </a:lnRef>
+          <a:fillRef idx="1">
+            <a:schemeClr val="accent1"/>
+          </a:fillRef>
+          <a:effectRef idx="0">
+            <a:schemeClr val="accent1"/>
+          </a:effectRef>
+          <a:fontRef idx="minor">
+            <a:schemeClr val="lt1"/>
+          </a:fontRef>
+        </p:style>
+        <p:txBody>
+          <a:bodyPr rtlCol="0" anchor="ctr"/>
+          <a:lstStyle/>
+          <a:p>
+            <a:pPr algn="ctr"/>
+            <a:endParaRPr lang="en-IN"/>
+          </a:p>
+        </p:txBody>
+      </p:sp>
+      <p:sp>
+        <p:nvSpPr>
+          <p:cNvPr id="33" name="Rectangle 32">
+            <a:extLst>
+              <a:ext uri="{FF2B5EF4-FFF2-40B4-BE49-F238E27FC236}">
+                <a16:creationId xmlns:a16="http://schemas.microsoft.com/office/drawing/2014/main" id="{0FB05B68-C3F4-470B-AE99-8DE26E308C13}"/>
+              </a:ext>
+            </a:extLst>
+          </p:cNvPr>
+          <p:cNvSpPr/>
+          <p:nvPr/>
+        </p:nvSpPr>
+        <p:spPr>
+          <a:xfrm>
+            <a:off x="9534375" y="4937758"/>
+            <a:ext cx="1631853" cy="1336431"/>
+          </a:xfrm>
+          <a:prstGeom prst="rect">
+            <a:avLst/>
+          </a:prstGeom>
+        </p:spPr>
+        <p:style>
+          <a:lnRef idx="2">
+            <a:schemeClr val="accent1">
+              <a:shade val="50000"/>
+            </a:schemeClr>
+          </a:lnRef>
+          <a:fillRef idx="1">
+            <a:schemeClr val="accent1"/>
+          </a:fillRef>
+          <a:effectRef idx="0">
+            <a:schemeClr val="accent1"/>
+          </a:effectRef>
+          <a:fontRef idx="minor">
+            <a:schemeClr val="lt1"/>
+          </a:fontRef>
+        </p:style>
+        <p:txBody>
+          <a:bodyPr rtlCol="0" anchor="ctr"/>
+          <a:lstStyle/>
+          <a:p>
+            <a:pPr algn="ctr"/>
+            <a:endParaRPr lang="en-IN"/>
+          </a:p>
+        </p:txBody>
+      </p:sp>
+      <p:sp>
+        <p:nvSpPr>
+          <p:cNvPr id="34" name="TextBox 33">
+            <a:extLst>
+              <a:ext uri="{FF2B5EF4-FFF2-40B4-BE49-F238E27FC236}">
+                <a16:creationId xmlns:a16="http://schemas.microsoft.com/office/drawing/2014/main" id="{39AB0591-34CF-424E-AB02-88D0C5156A3B}"/>
+              </a:ext>
+            </a:extLst>
+          </p:cNvPr>
+          <p:cNvSpPr txBox="1"/>
+          <p:nvPr/>
+        </p:nvSpPr>
+        <p:spPr>
+          <a:xfrm flipH="1">
+            <a:off x="860473" y="5421307"/>
+            <a:ext cx="587328" cy="369332"/>
+          </a:xfrm>
+          <a:prstGeom prst="rect">
+            <a:avLst/>
+          </a:prstGeom>
+          <a:noFill/>
+        </p:spPr>
+        <p:txBody>
+          <a:bodyPr wrap="square" rtlCol="0">
+            <a:spAutoFit/>
+          </a:bodyPr>
+          <a:lstStyle/>
+          <a:p>
+            <a:r>
+              <a:rPr lang="en-US" dirty="0"/>
+              <a:t>GEC</a:t>
+            </a:r>
+            <a:endParaRPr lang="en-IN" dirty="0"/>
+          </a:p>
+        </p:txBody>
+      </p:sp>
+      <p:sp>
+        <p:nvSpPr>
+          <p:cNvPr id="35" name="TextBox 34">
+            <a:extLst>
+              <a:ext uri="{FF2B5EF4-FFF2-40B4-BE49-F238E27FC236}">
+                <a16:creationId xmlns:a16="http://schemas.microsoft.com/office/drawing/2014/main" id="{A7F38FBF-A7E4-403C-BC8E-772E73F11563}"/>
+              </a:ext>
+            </a:extLst>
+          </p:cNvPr>
+          <p:cNvSpPr txBox="1"/>
+          <p:nvPr/>
+        </p:nvSpPr>
+        <p:spPr>
+          <a:xfrm flipH="1">
+            <a:off x="3795932" y="5421307"/>
+            <a:ext cx="587328" cy="369332"/>
+          </a:xfrm>
+          <a:prstGeom prst="rect">
+            <a:avLst/>
+          </a:prstGeom>
+          <a:noFill/>
+        </p:spPr>
+        <p:txBody>
+          <a:bodyPr wrap="square" rtlCol="0">
+            <a:spAutoFit/>
+          </a:bodyPr>
+          <a:lstStyle/>
+          <a:p>
+            <a:r>
+              <a:rPr lang="en-US" dirty="0"/>
+              <a:t>FEC</a:t>
+            </a:r>
+            <a:endParaRPr lang="en-IN" dirty="0"/>
+          </a:p>
+        </p:txBody>
+      </p:sp>
+      <p:sp>
+        <p:nvSpPr>
+          <p:cNvPr id="36" name="Arrow: Right 35">
+            <a:extLst>
+              <a:ext uri="{FF2B5EF4-FFF2-40B4-BE49-F238E27FC236}">
+                <a16:creationId xmlns:a16="http://schemas.microsoft.com/office/drawing/2014/main" id="{2A893E4F-7C9B-4C8D-86C2-C60F412E16FA}"/>
+              </a:ext>
+            </a:extLst>
+          </p:cNvPr>
+          <p:cNvSpPr/>
+          <p:nvPr/>
+        </p:nvSpPr>
+        <p:spPr>
+          <a:xfrm>
+            <a:off x="2222695" y="5317588"/>
+            <a:ext cx="745588" cy="473051"/>
+          </a:xfrm>
+          <a:prstGeom prst="rightArrow">
+            <a:avLst/>
+          </a:prstGeom>
+        </p:spPr>
+        <p:style>
+          <a:lnRef idx="2">
+            <a:schemeClr val="accent1">
+              <a:shade val="50000"/>
+            </a:schemeClr>
+          </a:lnRef>
+          <a:fillRef idx="1">
+            <a:schemeClr val="accent1"/>
+          </a:fillRef>
+          <a:effectRef idx="0">
+            <a:schemeClr val="accent1"/>
+          </a:effectRef>
+          <a:fontRef idx="minor">
+            <a:schemeClr val="lt1"/>
+          </a:fontRef>
+        </p:style>
+        <p:txBody>
+          <a:bodyPr rtlCol="0" anchor="ctr"/>
+          <a:lstStyle/>
+          <a:p>
+            <a:pPr algn="ctr"/>
+            <a:endParaRPr lang="en-IN"/>
+          </a:p>
+        </p:txBody>
+      </p:sp>
+      <p:sp>
+        <p:nvSpPr>
+          <p:cNvPr id="37" name="Arrow: Right 36">
+            <a:extLst>
+              <a:ext uri="{FF2B5EF4-FFF2-40B4-BE49-F238E27FC236}">
+                <a16:creationId xmlns:a16="http://schemas.microsoft.com/office/drawing/2014/main" id="{88911B2F-2199-4629-B1D9-4465F9ACEA52}"/>
+              </a:ext>
+            </a:extLst>
+          </p:cNvPr>
+          <p:cNvSpPr/>
+          <p:nvPr/>
+        </p:nvSpPr>
+        <p:spPr>
+          <a:xfrm>
+            <a:off x="5011619" y="5317588"/>
+            <a:ext cx="737384" cy="473051"/>
+          </a:xfrm>
+          <a:prstGeom prst="rightArrow">
+            <a:avLst/>
+          </a:prstGeom>
+        </p:spPr>
+        <p:style>
+          <a:lnRef idx="2">
+            <a:schemeClr val="accent1">
+              <a:shade val="50000"/>
+            </a:schemeClr>
+          </a:lnRef>
+          <a:fillRef idx="1">
+            <a:schemeClr val="accent1"/>
+          </a:fillRef>
+          <a:effectRef idx="0">
+            <a:schemeClr val="accent1"/>
+          </a:effectRef>
+          <a:fontRef idx="minor">
+            <a:schemeClr val="lt1"/>
+          </a:fontRef>
+        </p:style>
+        <p:txBody>
+          <a:bodyPr rtlCol="0" anchor="ctr"/>
+          <a:lstStyle/>
+          <a:p>
+            <a:pPr algn="ctr"/>
+            <a:endParaRPr lang="en-IN"/>
+          </a:p>
+        </p:txBody>
+      </p:sp>
+      <p:sp>
+        <p:nvSpPr>
+          <p:cNvPr id="38" name="Arrow: Right 37">
+            <a:extLst>
+              <a:ext uri="{FF2B5EF4-FFF2-40B4-BE49-F238E27FC236}">
+                <a16:creationId xmlns:a16="http://schemas.microsoft.com/office/drawing/2014/main" id="{5D9DC897-F3CA-4757-88B4-F20CD758E10A}"/>
+              </a:ext>
+            </a:extLst>
+          </p:cNvPr>
+          <p:cNvSpPr/>
+          <p:nvPr/>
+        </p:nvSpPr>
+        <p:spPr>
+          <a:xfrm>
+            <a:off x="8342135" y="5369447"/>
+            <a:ext cx="737384" cy="473051"/>
+          </a:xfrm>
+          <a:prstGeom prst="rightArrow">
+            <a:avLst/>
+          </a:prstGeom>
+        </p:spPr>
+        <p:style>
+          <a:lnRef idx="2">
+            <a:schemeClr val="accent1">
+              <a:shade val="50000"/>
+            </a:schemeClr>
+          </a:lnRef>
+          <a:fillRef idx="1">
+            <a:schemeClr val="accent1"/>
+          </a:fillRef>
+          <a:effectRef idx="0">
+            <a:schemeClr val="accent1"/>
+          </a:effectRef>
+          <a:fontRef idx="minor">
+            <a:schemeClr val="lt1"/>
+          </a:fontRef>
+        </p:style>
+        <p:txBody>
+          <a:bodyPr rtlCol="0" anchor="ctr"/>
+          <a:lstStyle/>
+          <a:p>
+            <a:pPr algn="ctr"/>
+            <a:endParaRPr lang="en-IN"/>
+          </a:p>
+        </p:txBody>
+      </p:sp>
+      <p:sp>
+        <p:nvSpPr>
+          <p:cNvPr id="39" name="TextBox 38">
+            <a:extLst>
+              <a:ext uri="{FF2B5EF4-FFF2-40B4-BE49-F238E27FC236}">
+                <a16:creationId xmlns:a16="http://schemas.microsoft.com/office/drawing/2014/main" id="{94CFE0D3-6248-4A54-8FD3-29A8D23E70DF}"/>
+              </a:ext>
+            </a:extLst>
+          </p:cNvPr>
+          <p:cNvSpPr txBox="1"/>
+          <p:nvPr/>
+        </p:nvSpPr>
+        <p:spPr>
+          <a:xfrm flipH="1">
+            <a:off x="6723769" y="5421306"/>
+            <a:ext cx="587328" cy="369332"/>
+          </a:xfrm>
+          <a:prstGeom prst="rect">
+            <a:avLst/>
+          </a:prstGeom>
+          <a:noFill/>
+        </p:spPr>
+        <p:txBody>
+          <a:bodyPr wrap="square" rtlCol="0">
+            <a:spAutoFit/>
+          </a:bodyPr>
+          <a:lstStyle/>
+          <a:p>
+            <a:r>
+              <a:rPr lang="en-US" dirty="0"/>
+              <a:t>GEC</a:t>
+            </a:r>
+            <a:endParaRPr lang="en-IN" dirty="0"/>
+          </a:p>
+        </p:txBody>
+      </p:sp>
+      <p:sp>
+        <p:nvSpPr>
+          <p:cNvPr id="40" name="TextBox 39">
+            <a:extLst>
+              <a:ext uri="{FF2B5EF4-FFF2-40B4-BE49-F238E27FC236}">
+                <a16:creationId xmlns:a16="http://schemas.microsoft.com/office/drawing/2014/main" id="{6BF2AC7F-C9F8-4DEF-ACE9-F00C66E5DE50}"/>
+              </a:ext>
+            </a:extLst>
+          </p:cNvPr>
+          <p:cNvSpPr txBox="1"/>
+          <p:nvPr/>
+        </p:nvSpPr>
+        <p:spPr>
+          <a:xfrm flipH="1">
+            <a:off x="10056638" y="5421306"/>
+            <a:ext cx="587328" cy="369332"/>
+          </a:xfrm>
+          <a:prstGeom prst="rect">
+            <a:avLst/>
+          </a:prstGeom>
+          <a:noFill/>
+        </p:spPr>
+        <p:txBody>
+          <a:bodyPr wrap="square" rtlCol="0">
+            <a:spAutoFit/>
+          </a:bodyPr>
+          <a:lstStyle/>
+          <a:p>
+            <a:r>
+              <a:rPr lang="en-US" dirty="0"/>
+              <a:t>FEC</a:t>
+            </a:r>
+            <a:endParaRPr lang="en-IN" dirty="0"/>
+          </a:p>
+        </p:txBody>
+      </p:sp>
+      <p:sp>
+        <p:nvSpPr>
+          <p:cNvPr id="41" name="TextBox 40">
+            <a:extLst>
+              <a:ext uri="{FF2B5EF4-FFF2-40B4-BE49-F238E27FC236}">
+                <a16:creationId xmlns:a16="http://schemas.microsoft.com/office/drawing/2014/main" id="{551EC59F-7DCE-4308-94A8-799E2617E9E6}"/>
+              </a:ext>
+            </a:extLst>
+          </p:cNvPr>
+          <p:cNvSpPr txBox="1"/>
+          <p:nvPr/>
+        </p:nvSpPr>
+        <p:spPr>
+          <a:xfrm>
+            <a:off x="3099590" y="6355026"/>
+            <a:ext cx="2312376" cy="369332"/>
+          </a:xfrm>
+          <a:prstGeom prst="rect">
+            <a:avLst/>
+          </a:prstGeom>
+          <a:noFill/>
+        </p:spPr>
+        <p:txBody>
+          <a:bodyPr wrap="square" rtlCol="0">
+            <a:spAutoFit/>
+          </a:bodyPr>
+          <a:lstStyle/>
+          <a:p>
+            <a:r>
+              <a:rPr lang="en-US" dirty="0"/>
+              <a:t>outside function ka</a:t>
+            </a:r>
+            <a:endParaRPr lang="en-IN" dirty="0"/>
+          </a:p>
+        </p:txBody>
+      </p:sp>
+      <p:sp>
+        <p:nvSpPr>
+          <p:cNvPr id="42" name="TextBox 41">
+            <a:extLst>
+              <a:ext uri="{FF2B5EF4-FFF2-40B4-BE49-F238E27FC236}">
+                <a16:creationId xmlns:a16="http://schemas.microsoft.com/office/drawing/2014/main" id="{C007A0EC-BF7A-443D-AFFA-D53D89189E6A}"/>
+              </a:ext>
+            </a:extLst>
+          </p:cNvPr>
+          <p:cNvSpPr txBox="1"/>
+          <p:nvPr/>
+        </p:nvSpPr>
+        <p:spPr>
+          <a:xfrm>
+            <a:off x="9343301" y="6388405"/>
+            <a:ext cx="2312376" cy="369332"/>
+          </a:xfrm>
+          <a:prstGeom prst="rect">
+            <a:avLst/>
+          </a:prstGeom>
+          <a:noFill/>
+        </p:spPr>
+        <p:txBody>
+          <a:bodyPr wrap="square" rtlCol="0">
+            <a:spAutoFit/>
+          </a:bodyPr>
+          <a:lstStyle/>
+          <a:p>
+            <a:r>
+              <a:rPr lang="en-US" dirty="0"/>
+              <a:t>inside function ka</a:t>
+            </a:r>
+            <a:endParaRPr lang="en-IN" dirty="0"/>
+          </a:p>
+        </p:txBody>
+      </p:sp>
+      <p:sp>
+        <p:nvSpPr>
+          <p:cNvPr id="43" name="TextBox 42">
+            <a:extLst>
+              <a:ext uri="{FF2B5EF4-FFF2-40B4-BE49-F238E27FC236}">
+                <a16:creationId xmlns:a16="http://schemas.microsoft.com/office/drawing/2014/main" id="{F7E9E8AF-44C5-46DF-AC7C-3EE8C8C2E4B8}"/>
+              </a:ext>
+            </a:extLst>
+          </p:cNvPr>
+          <p:cNvSpPr txBox="1"/>
+          <p:nvPr/>
+        </p:nvSpPr>
+        <p:spPr>
+          <a:xfrm>
+            <a:off x="5875592" y="3460428"/>
+            <a:ext cx="2466543" cy="1200329"/>
+          </a:xfrm>
+          <a:prstGeom prst="rect">
+            <a:avLst/>
+          </a:prstGeom>
+          <a:noFill/>
+        </p:spPr>
+        <p:txBody>
+          <a:bodyPr wrap="square" rtlCol="0">
+            <a:spAutoFit/>
+          </a:bodyPr>
+          <a:lstStyle/>
+          <a:p>
+            <a:r>
+              <a:rPr lang="en-US" dirty="0"/>
+              <a:t>call stack me se FEC </a:t>
+            </a:r>
+            <a:r>
+              <a:rPr lang="en-US" dirty="0" err="1"/>
+              <a:t>poped</a:t>
+            </a:r>
+            <a:r>
+              <a:rPr lang="en-US" dirty="0"/>
+              <a:t> and all the local variable destroyed (‘Name’ also)</a:t>
+            </a:r>
+            <a:endParaRPr lang="en-IN" dirty="0"/>
+          </a:p>
+        </p:txBody>
+      </p:sp>
+      <p:sp>
+        <p:nvSpPr>
+          <p:cNvPr id="44" name="TextBox 43">
+            <a:extLst>
+              <a:ext uri="{FF2B5EF4-FFF2-40B4-BE49-F238E27FC236}">
+                <a16:creationId xmlns:a16="http://schemas.microsoft.com/office/drawing/2014/main" id="{6289CD9B-A658-4604-B691-44BD0CD0102C}"/>
+              </a:ext>
+            </a:extLst>
+          </p:cNvPr>
+          <p:cNvSpPr txBox="1"/>
+          <p:nvPr/>
+        </p:nvSpPr>
+        <p:spPr>
+          <a:xfrm>
+            <a:off x="3338143" y="3460428"/>
+            <a:ext cx="1620137" cy="1477328"/>
+          </a:xfrm>
+          <a:prstGeom prst="rect">
+            <a:avLst/>
+          </a:prstGeom>
+          <a:noFill/>
+        </p:spPr>
+        <p:txBody>
+          <a:bodyPr wrap="square" rtlCol="0">
+            <a:spAutoFit/>
+          </a:bodyPr>
+          <a:lstStyle/>
+          <a:p>
+            <a:r>
+              <a:rPr lang="en-US" dirty="0"/>
+              <a:t>call stack me se FEC pushed and memory allocate to variables</a:t>
+            </a:r>
+            <a:endParaRPr lang="en-IN" dirty="0"/>
+          </a:p>
+        </p:txBody>
+      </p:sp>
+      <p:sp>
+        <p:nvSpPr>
+          <p:cNvPr id="45" name="TextBox 44">
+            <a:extLst>
+              <a:ext uri="{FF2B5EF4-FFF2-40B4-BE49-F238E27FC236}">
+                <a16:creationId xmlns:a16="http://schemas.microsoft.com/office/drawing/2014/main" id="{2060DD46-9354-4822-8875-B4D9E03149DE}"/>
+              </a:ext>
+            </a:extLst>
+          </p:cNvPr>
+          <p:cNvSpPr txBox="1"/>
+          <p:nvPr/>
+        </p:nvSpPr>
+        <p:spPr>
+          <a:xfrm>
+            <a:off x="9410694" y="2245807"/>
+            <a:ext cx="2466543" cy="2554545"/>
+          </a:xfrm>
+          <a:prstGeom prst="rect">
+            <a:avLst/>
+          </a:prstGeom>
+          <a:noFill/>
+        </p:spPr>
+        <p:txBody>
+          <a:bodyPr wrap="square" rtlCol="0">
+            <a:spAutoFit/>
+          </a:bodyPr>
+          <a:lstStyle/>
+          <a:p>
+            <a:r>
+              <a:rPr lang="en-US" sz="2000" dirty="0"/>
+              <a:t>call stack me se again FEC pushed but at execution phase ‘Name’ is not in local memory !!</a:t>
+            </a:r>
+          </a:p>
+          <a:p>
+            <a:r>
+              <a:rPr lang="en-US" sz="2000" dirty="0"/>
+              <a:t>then there should be an error but </a:t>
+            </a:r>
+            <a:r>
+              <a:rPr lang="en-US" sz="2000" dirty="0" err="1"/>
+              <a:t>js</a:t>
+            </a:r>
+            <a:r>
+              <a:rPr lang="en-US" sz="2000" dirty="0"/>
+              <a:t> handle it with </a:t>
+            </a:r>
+            <a:r>
+              <a:rPr lang="en-US" sz="2000" dirty="0">
+                <a:highlight>
+                  <a:srgbClr val="FFFF00"/>
+                </a:highlight>
+              </a:rPr>
+              <a:t>closures</a:t>
+            </a:r>
+            <a:endParaRPr lang="en-IN" sz="2000" dirty="0">
+              <a:highlight>
+                <a:srgbClr val="FFFF00"/>
+              </a:highlight>
+            </a:endParaRPr>
+          </a:p>
+        </p:txBody>
+      </p:sp>
+      <p:sp>
+        <p:nvSpPr>
+          <p:cNvPr id="46" name="TextBox 45">
+            <a:extLst>
+              <a:ext uri="{FF2B5EF4-FFF2-40B4-BE49-F238E27FC236}">
+                <a16:creationId xmlns:a16="http://schemas.microsoft.com/office/drawing/2014/main" id="{B341758F-5A8E-4E06-8D42-F68747E70330}"/>
+              </a:ext>
+            </a:extLst>
+          </p:cNvPr>
+          <p:cNvSpPr txBox="1"/>
+          <p:nvPr/>
+        </p:nvSpPr>
+        <p:spPr>
+          <a:xfrm>
+            <a:off x="5608902" y="555675"/>
+            <a:ext cx="5035064" cy="369332"/>
+          </a:xfrm>
+          <a:prstGeom prst="rect">
+            <a:avLst/>
+          </a:prstGeom>
+          <a:noFill/>
+        </p:spPr>
+        <p:txBody>
+          <a:bodyPr wrap="square" rtlCol="0">
+            <a:spAutoFit/>
+          </a:bodyPr>
+          <a:lstStyle/>
+          <a:p>
+            <a:r>
+              <a:rPr lang="en-US" dirty="0"/>
+              <a:t>Closure = inside (function) + Name (variable)</a:t>
+            </a:r>
+            <a:endParaRPr lang="en-IN" dirty="0"/>
+          </a:p>
+        </p:txBody>
+      </p:sp>
+      <p:cxnSp>
+        <p:nvCxnSpPr>
+          <p:cNvPr id="48" name="Straight Arrow Connector 47">
+            <a:extLst>
+              <a:ext uri="{FF2B5EF4-FFF2-40B4-BE49-F238E27FC236}">
+                <a16:creationId xmlns:a16="http://schemas.microsoft.com/office/drawing/2014/main" id="{0588E480-5CD8-4135-AB51-EFB1EED04948}"/>
+              </a:ext>
+            </a:extLst>
+          </p:cNvPr>
+          <p:cNvCxnSpPr>
+            <a:cxnSpLocks/>
+          </p:cNvCxnSpPr>
+          <p:nvPr/>
+        </p:nvCxnSpPr>
+        <p:spPr>
+          <a:xfrm flipV="1">
+            <a:off x="2432535" y="925007"/>
+            <a:ext cx="4291234" cy="691653"/>
+          </a:xfrm>
+          <a:prstGeom prst="straightConnector1">
+            <a:avLst/>
+          </a:prstGeom>
+          <a:ln>
+            <a:tailEnd type="triangle"/>
+          </a:ln>
+        </p:spPr>
+        <p:style>
+          <a:lnRef idx="3">
+            <a:schemeClr val="accent2"/>
+          </a:lnRef>
+          <a:fillRef idx="0">
+            <a:schemeClr val="accent2"/>
+          </a:fillRef>
+          <a:effectRef idx="2">
+            <a:schemeClr val="accent2"/>
+          </a:effectRef>
+          <a:fontRef idx="minor">
+            <a:schemeClr val="tx1"/>
+          </a:fontRef>
+        </p:style>
+      </p:cxnSp>
+      <p:cxnSp>
+        <p:nvCxnSpPr>
+          <p:cNvPr id="50" name="Straight Arrow Connector 49">
+            <a:extLst>
+              <a:ext uri="{FF2B5EF4-FFF2-40B4-BE49-F238E27FC236}">
+                <a16:creationId xmlns:a16="http://schemas.microsoft.com/office/drawing/2014/main" id="{E254973A-0A46-4B60-9C35-95EF1C974FEE}"/>
+              </a:ext>
+            </a:extLst>
+          </p:cNvPr>
+          <p:cNvCxnSpPr>
+            <a:cxnSpLocks/>
+          </p:cNvCxnSpPr>
+          <p:nvPr/>
+        </p:nvCxnSpPr>
+        <p:spPr>
+          <a:xfrm>
+            <a:off x="2595489" y="360620"/>
+            <a:ext cx="5746646" cy="287386"/>
+          </a:xfrm>
+          <a:prstGeom prst="straightConnector1">
+            <a:avLst/>
+          </a:prstGeom>
+          <a:ln>
+            <a:tailEnd type="triangle"/>
+          </a:ln>
+        </p:spPr>
+        <p:style>
+          <a:lnRef idx="3">
+            <a:schemeClr val="accent2"/>
+          </a:lnRef>
+          <a:fillRef idx="0">
+            <a:schemeClr val="accent2"/>
+          </a:fillRef>
+          <a:effectRef idx="2">
+            <a:schemeClr val="accent2"/>
+          </a:effectRef>
+          <a:fontRef idx="minor">
+            <a:schemeClr val="tx1"/>
+          </a:fontRef>
+        </p:style>
+      </p:cxnSp>
+      <p:sp>
+        <p:nvSpPr>
+          <p:cNvPr id="54" name="TextBox 53">
+            <a:extLst>
+              <a:ext uri="{FF2B5EF4-FFF2-40B4-BE49-F238E27FC236}">
+                <a16:creationId xmlns:a16="http://schemas.microsoft.com/office/drawing/2014/main" id="{12924065-A897-4E2E-92DF-70AAA9DA2C87}"/>
+              </a:ext>
+            </a:extLst>
+          </p:cNvPr>
+          <p:cNvSpPr txBox="1"/>
+          <p:nvPr/>
+        </p:nvSpPr>
+        <p:spPr>
+          <a:xfrm>
+            <a:off x="5591018" y="1251132"/>
+            <a:ext cx="6064659" cy="646331"/>
+          </a:xfrm>
+          <a:prstGeom prst="rect">
+            <a:avLst/>
+          </a:prstGeom>
+          <a:noFill/>
+        </p:spPr>
+        <p:txBody>
+          <a:bodyPr wrap="square" rtlCol="0">
+            <a:spAutoFit/>
+          </a:bodyPr>
+          <a:lstStyle/>
+          <a:p>
+            <a:r>
+              <a:rPr lang="en-US" dirty="0">
+                <a:highlight>
+                  <a:srgbClr val="FFFF00"/>
+                </a:highlight>
+              </a:rPr>
+              <a:t>the inside function is not return alone but with the local variable used in inside function </a:t>
+            </a:r>
+            <a:endParaRPr lang="en-IN" dirty="0">
+              <a:highlight>
+                <a:srgbClr val="FFFF00"/>
+              </a:highlight>
+            </a:endParaRPr>
+          </a:p>
+        </p:txBody>
+      </p:sp>
+    </p:spTree>
+    <p:extLst>
+      <p:ext uri="{BB962C8B-B14F-4D97-AF65-F5344CB8AC3E}">
+        <p14:creationId xmlns:p14="http://schemas.microsoft.com/office/powerpoint/2010/main" val="1295151026"/>
+      </p:ext>
+    </p:extLst>
+  </p:cSld>
+  <p:clrMapOvr>
+    <a:masterClrMapping/>
+  </p:clrMapOvr>
+</p:sld>
+</file>
+
+<file path=ppt/slides/slide17.xml><?xml version="1.0" encoding="utf-8"?>
+<p:sld xmlns:a="http://schemas.openxmlformats.org/drawingml/2006/main" xmlns:r="http://schemas.openxmlformats.org/officeDocument/2006/relationships" xmlns:p="http://schemas.openxmlformats.org/presentationml/2006/main">
+  <p:cSld>
+    <p:spTree>
+      <p:nvGrpSpPr>
+        <p:cNvPr id="1" name=""/>
+        <p:cNvGrpSpPr/>
+        <p:nvPr/>
+      </p:nvGrpSpPr>
+      <p:grpSpPr>
+        <a:xfrm>
+          <a:off x="0" y="0"/>
+          <a:ext cx="0" cy="0"/>
+          <a:chOff x="0" y="0"/>
+          <a:chExt cx="0" cy="0"/>
+        </a:xfrm>
+      </p:grpSpPr>
+      <p:sp>
+        <p:nvSpPr>
+          <p:cNvPr id="2" name="Title 1">
+            <a:extLst>
+              <a:ext uri="{FF2B5EF4-FFF2-40B4-BE49-F238E27FC236}">
+                <a16:creationId xmlns:a16="http://schemas.microsoft.com/office/drawing/2014/main" id="{EA9A2B68-DE9A-47A2-81FF-CB40D2729B0B}"/>
+              </a:ext>
+            </a:extLst>
+          </p:cNvPr>
+          <p:cNvSpPr>
+            <a:spLocks noGrp="1"/>
+          </p:cNvSpPr>
+          <p:nvPr>
+            <p:ph type="title"/>
+          </p:nvPr>
+        </p:nvSpPr>
+        <p:spPr/>
+        <p:txBody>
+          <a:bodyPr/>
+          <a:lstStyle/>
+          <a:p>
+            <a:r>
+              <a:rPr lang="en-US" dirty="0"/>
+              <a:t>Ways to Link .</a:t>
+            </a:r>
+            <a:r>
+              <a:rPr lang="en-US" dirty="0" err="1"/>
+              <a:t>js</a:t>
+            </a:r>
+            <a:r>
+              <a:rPr lang="en-US" dirty="0"/>
+              <a:t> file</a:t>
+            </a:r>
+            <a:endParaRPr lang="en-IN" dirty="0"/>
+          </a:p>
+        </p:txBody>
+      </p:sp>
+      <p:sp>
+        <p:nvSpPr>
+          <p:cNvPr id="3" name="Content Placeholder 2">
+            <a:extLst>
+              <a:ext uri="{FF2B5EF4-FFF2-40B4-BE49-F238E27FC236}">
+                <a16:creationId xmlns:a16="http://schemas.microsoft.com/office/drawing/2014/main" id="{7B38C698-26EF-43D7-87AE-5A34799D84E3}"/>
+              </a:ext>
+            </a:extLst>
+          </p:cNvPr>
+          <p:cNvSpPr>
+            <a:spLocks noGrp="1"/>
+          </p:cNvSpPr>
+          <p:nvPr>
+            <p:ph idx="1"/>
+          </p:nvPr>
+        </p:nvSpPr>
+        <p:spPr>
+          <a:xfrm>
+            <a:off x="838200" y="1825625"/>
+            <a:ext cx="11049000" cy="4351338"/>
+          </a:xfrm>
+        </p:spPr>
+        <p:txBody>
+          <a:bodyPr>
+            <a:normAutofit fontScale="92500" lnSpcReduction="10000"/>
+          </a:bodyPr>
+          <a:lstStyle/>
+          <a:p>
+            <a:pPr marL="514350" indent="-514350">
+              <a:buFont typeface="+mj-lt"/>
+              <a:buAutoNum type="arabicPeriod"/>
+            </a:pPr>
+            <a:r>
+              <a:rPr lang="en-US" dirty="0"/>
+              <a:t>Normal way inside header tag</a:t>
+            </a:r>
+          </a:p>
+          <a:p>
+            <a:pPr marL="914400" lvl="2" indent="0">
+              <a:buNone/>
+            </a:pPr>
+            <a:r>
+              <a:rPr lang="en-US" dirty="0"/>
+              <a:t>&lt;script </a:t>
+            </a:r>
+            <a:r>
+              <a:rPr lang="en-US" dirty="0" err="1"/>
+              <a:t>src</a:t>
+            </a:r>
+            <a:r>
+              <a:rPr lang="en-US" dirty="0"/>
+              <a:t>=“file.js” &gt; &lt;/script&gt;  (chance of as well as slow)</a:t>
+            </a:r>
+          </a:p>
+          <a:p>
+            <a:pPr marL="457200" indent="-457200">
+              <a:buFont typeface="+mj-lt"/>
+              <a:buAutoNum type="arabicPeriod"/>
+            </a:pPr>
+            <a:r>
+              <a:rPr lang="en-US" dirty="0"/>
+              <a:t>At last in body tag</a:t>
+            </a:r>
+          </a:p>
+          <a:p>
+            <a:pPr lvl="1"/>
+            <a:r>
+              <a:rPr lang="en-US" dirty="0"/>
+              <a:t>As it is last hence all html code parsed then it load and execute Js file</a:t>
+            </a:r>
+          </a:p>
+          <a:p>
+            <a:pPr lvl="1"/>
+            <a:r>
+              <a:rPr lang="en-US" dirty="0"/>
+              <a:t>Although there is no error but this is slow process.</a:t>
+            </a:r>
+          </a:p>
+          <a:p>
+            <a:pPr marL="457200" indent="-457200">
+              <a:buFont typeface="+mj-lt"/>
+              <a:buAutoNum type="arabicPeriod"/>
+            </a:pPr>
+            <a:r>
+              <a:rPr lang="en-US" dirty="0"/>
+              <a:t>Using async (inside head tag)</a:t>
+            </a:r>
+          </a:p>
+          <a:p>
+            <a:pPr lvl="1"/>
+            <a:r>
+              <a:rPr lang="en-US" sz="2200" dirty="0"/>
+              <a:t>Parse the html file while loading a </a:t>
+            </a:r>
+            <a:r>
+              <a:rPr lang="en-US" sz="2200" dirty="0" err="1"/>
+              <a:t>js</a:t>
+            </a:r>
+            <a:r>
+              <a:rPr lang="en-US" sz="2200" dirty="0"/>
+              <a:t> file</a:t>
+            </a:r>
+          </a:p>
+          <a:p>
+            <a:pPr lvl="1"/>
+            <a:r>
+              <a:rPr lang="en-US" sz="2200" dirty="0"/>
+              <a:t>but as Js file loaded then start executing it  (chance of error if whole html not) parsed</a:t>
+            </a:r>
+          </a:p>
+          <a:p>
+            <a:pPr marL="457200" indent="-457200">
+              <a:buFont typeface="+mj-lt"/>
+              <a:buAutoNum type="arabicPeriod"/>
+            </a:pPr>
+            <a:r>
+              <a:rPr lang="en-US" dirty="0"/>
+              <a:t>Using defer (best and efficient way)</a:t>
+            </a:r>
+          </a:p>
+          <a:p>
+            <a:pPr lvl="1"/>
+            <a:r>
+              <a:rPr lang="en-US" sz="2200" dirty="0"/>
+              <a:t>Parse the html file while loading a </a:t>
+            </a:r>
+            <a:r>
+              <a:rPr lang="en-US" sz="2200" dirty="0" err="1"/>
+              <a:t>js</a:t>
+            </a:r>
+            <a:r>
+              <a:rPr lang="en-US" sz="2200" dirty="0"/>
+              <a:t> file</a:t>
+            </a:r>
+          </a:p>
+          <a:p>
+            <a:pPr lvl="1"/>
+            <a:r>
+              <a:rPr lang="en-US" sz="2200" dirty="0"/>
+              <a:t>After loading Js file Js file not executes till the whole html file parsed </a:t>
+            </a:r>
+          </a:p>
+          <a:p>
+            <a:pPr marL="457200" lvl="1" indent="0">
+              <a:buNone/>
+            </a:pPr>
+            <a:r>
+              <a:rPr lang="en-US" sz="2200" dirty="0"/>
+              <a:t>				(no chance of error)</a:t>
+            </a:r>
+            <a:endParaRPr lang="en-IN" sz="2200" dirty="0"/>
+          </a:p>
+        </p:txBody>
+      </p:sp>
+    </p:spTree>
+    <p:extLst>
+      <p:ext uri="{BB962C8B-B14F-4D97-AF65-F5344CB8AC3E}">
+        <p14:creationId xmlns:p14="http://schemas.microsoft.com/office/powerpoint/2010/main" val="999006702"/>
+      </p:ext>
+    </p:extLst>
+  </p:cSld>
+  <p:clrMapOvr>
+    <a:masterClrMapping/>
+  </p:clrMapOvr>
+</p:sld>
+</file>
+
+<file path=ppt/slides/slide18.xml><?xml version="1.0" encoding="utf-8"?>
+<p:sld xmlns:a="http://schemas.openxmlformats.org/drawingml/2006/main" xmlns:r="http://schemas.openxmlformats.org/officeDocument/2006/relationships" xmlns:p="http://schemas.openxmlformats.org/presentationml/2006/main">
+  <p:cSld>
+    <p:spTree>
+      <p:nvGrpSpPr>
+        <p:cNvPr id="1" name=""/>
+        <p:cNvGrpSpPr/>
+        <p:nvPr/>
+      </p:nvGrpSpPr>
+      <p:grpSpPr>
+        <a:xfrm>
+          <a:off x="0" y="0"/>
+          <a:ext cx="0" cy="0"/>
+          <a:chOff x="0" y="0"/>
+          <a:chExt cx="0" cy="0"/>
+        </a:xfrm>
+      </p:grpSpPr>
+      <p:sp>
+        <p:nvSpPr>
+          <p:cNvPr id="2" name="Title 1">
+            <a:extLst>
+              <a:ext uri="{FF2B5EF4-FFF2-40B4-BE49-F238E27FC236}">
+                <a16:creationId xmlns:a16="http://schemas.microsoft.com/office/drawing/2014/main" id="{AB258450-5220-412A-8F48-3683B6A86D6B}"/>
+              </a:ext>
+            </a:extLst>
+          </p:cNvPr>
+          <p:cNvSpPr>
+            <a:spLocks noGrp="1"/>
+          </p:cNvSpPr>
+          <p:nvPr>
+            <p:ph type="title"/>
+          </p:nvPr>
+        </p:nvSpPr>
+        <p:spPr/>
+        <p:txBody>
+          <a:bodyPr/>
+          <a:lstStyle/>
+          <a:p>
+            <a:r>
+              <a:rPr lang="en-US" dirty="0"/>
+              <a:t>Document Object Model (DOM)</a:t>
+            </a:r>
+            <a:endParaRPr lang="en-IN" dirty="0"/>
+          </a:p>
+        </p:txBody>
+      </p:sp>
+      <p:sp>
+        <p:nvSpPr>
+          <p:cNvPr id="3" name="Content Placeholder 2">
+            <a:extLst>
+              <a:ext uri="{FF2B5EF4-FFF2-40B4-BE49-F238E27FC236}">
+                <a16:creationId xmlns:a16="http://schemas.microsoft.com/office/drawing/2014/main" id="{7A078527-2C9C-41E0-A5FD-A8462564123C}"/>
+              </a:ext>
+            </a:extLst>
+          </p:cNvPr>
+          <p:cNvSpPr>
+            <a:spLocks noGrp="1"/>
+          </p:cNvSpPr>
+          <p:nvPr>
+            <p:ph idx="1"/>
+          </p:nvPr>
+        </p:nvSpPr>
+        <p:spPr/>
+        <p:txBody>
+          <a:bodyPr>
+            <a:normAutofit/>
+          </a:bodyPr>
+          <a:lstStyle/>
+          <a:p>
+            <a:r>
+              <a:rPr lang="en-US" sz="2400" dirty="0" err="1"/>
+              <a:t>Browers</a:t>
+            </a:r>
+            <a:r>
+              <a:rPr lang="en-US" sz="2400" dirty="0"/>
+              <a:t> create a </a:t>
+            </a:r>
+            <a:r>
+              <a:rPr lang="en-US" sz="2400" dirty="0">
+                <a:highlight>
+                  <a:srgbClr val="FFFF00"/>
+                </a:highlight>
+              </a:rPr>
+              <a:t>object named document</a:t>
+            </a:r>
+            <a:r>
+              <a:rPr lang="en-US" sz="2400" dirty="0"/>
+              <a:t> which contains all the information of html code and </a:t>
+            </a:r>
+            <a:r>
+              <a:rPr lang="en-US" sz="2400" dirty="0">
+                <a:highlight>
+                  <a:srgbClr val="FFFF00"/>
+                </a:highlight>
+              </a:rPr>
+              <a:t>add this ‘docum</a:t>
+            </a:r>
+            <a:r>
+              <a:rPr lang="en-US" dirty="0">
+                <a:highlight>
+                  <a:srgbClr val="FFFF00"/>
+                </a:highlight>
+              </a:rPr>
+              <a:t>ent’ object into window </a:t>
+            </a:r>
+            <a:r>
+              <a:rPr lang="en-US" dirty="0"/>
+              <a:t>or this of browser</a:t>
+            </a:r>
+          </a:p>
+          <a:p>
+            <a:pPr lvl="1"/>
+            <a:r>
+              <a:rPr lang="en-US" dirty="0" err="1"/>
+              <a:t>console.dir</a:t>
+            </a:r>
+            <a:r>
+              <a:rPr lang="en-US" dirty="0"/>
+              <a:t>(this)</a:t>
+            </a:r>
+          </a:p>
+          <a:p>
+            <a:pPr lvl="1"/>
+            <a:r>
+              <a:rPr lang="en-US" dirty="0" err="1"/>
+              <a:t>console.dir</a:t>
+            </a:r>
+            <a:r>
+              <a:rPr lang="en-US" dirty="0"/>
+              <a:t>(document)</a:t>
+            </a:r>
+            <a:endParaRPr lang="en-IN" dirty="0"/>
+          </a:p>
+        </p:txBody>
+      </p:sp>
+    </p:spTree>
+    <p:extLst>
+      <p:ext uri="{BB962C8B-B14F-4D97-AF65-F5344CB8AC3E}">
+        <p14:creationId xmlns:p14="http://schemas.microsoft.com/office/powerpoint/2010/main" val="4244979388"/>
+      </p:ext>
+    </p:extLst>
+  </p:cSld>
+  <p:clrMapOvr>
+    <a:masterClrMapping/>
+  </p:clrMapOvr>
+</p:sld>
+</file>
+
 <file path=ppt/slides/slide2.xml><?xml version="1.0" encoding="utf-8"?>
 <p:sld xmlns:a="http://schemas.openxmlformats.org/drawingml/2006/main" xmlns:r="http://schemas.openxmlformats.org/officeDocument/2006/relationships" xmlns:p="http://schemas.openxmlformats.org/presentationml/2006/main">
   <p:cSld>
@@ -3817,6 +8789,508 @@
     <p:extLst>
       <p:ext uri="{BB962C8B-B14F-4D97-AF65-F5344CB8AC3E}">
         <p14:creationId xmlns:p14="http://schemas.microsoft.com/office/powerpoint/2010/main" val="3262578414"/>
+      </p:ext>
+    </p:extLst>
+  </p:cSld>
+  <p:clrMapOvr>
+    <a:masterClrMapping/>
+  </p:clrMapOvr>
+</p:sld>
+</file>
+
+<file path=ppt/slides/slide7.xml><?xml version="1.0" encoding="utf-8"?>
+<p:sld xmlns:a="http://schemas.openxmlformats.org/drawingml/2006/main" xmlns:r="http://schemas.openxmlformats.org/officeDocument/2006/relationships" xmlns:p="http://schemas.openxmlformats.org/presentationml/2006/main">
+  <p:cSld>
+    <p:spTree>
+      <p:nvGrpSpPr>
+        <p:cNvPr id="1" name=""/>
+        <p:cNvGrpSpPr/>
+        <p:nvPr/>
+      </p:nvGrpSpPr>
+      <p:grpSpPr>
+        <a:xfrm>
+          <a:off x="0" y="0"/>
+          <a:ext cx="0" cy="0"/>
+          <a:chOff x="0" y="0"/>
+          <a:chExt cx="0" cy="0"/>
+        </a:xfrm>
+      </p:grpSpPr>
+      <p:sp>
+        <p:nvSpPr>
+          <p:cNvPr id="2" name="Title 1">
+            <a:extLst>
+              <a:ext uri="{FF2B5EF4-FFF2-40B4-BE49-F238E27FC236}">
+                <a16:creationId xmlns:a16="http://schemas.microsoft.com/office/drawing/2014/main" id="{AC4BD221-404A-4237-B327-D5546C026167}"/>
+              </a:ext>
+            </a:extLst>
+          </p:cNvPr>
+          <p:cNvSpPr>
+            <a:spLocks noGrp="1"/>
+          </p:cNvSpPr>
+          <p:nvPr>
+            <p:ph type="title"/>
+          </p:nvPr>
+        </p:nvSpPr>
+        <p:spPr/>
+        <p:txBody>
+          <a:bodyPr/>
+          <a:lstStyle/>
+          <a:p>
+            <a:r>
+              <a:rPr lang="en-IN" dirty="0"/>
+              <a:t>How </a:t>
+            </a:r>
+            <a:r>
+              <a:rPr lang="en-IN" dirty="0" err="1"/>
+              <a:t>js</a:t>
+            </a:r>
+            <a:r>
+              <a:rPr lang="en-IN" dirty="0"/>
+              <a:t> Work</a:t>
+            </a:r>
+          </a:p>
+        </p:txBody>
+      </p:sp>
+      <p:sp>
+        <p:nvSpPr>
+          <p:cNvPr id="3" name="Content Placeholder 2">
+            <a:extLst>
+              <a:ext uri="{FF2B5EF4-FFF2-40B4-BE49-F238E27FC236}">
+                <a16:creationId xmlns:a16="http://schemas.microsoft.com/office/drawing/2014/main" id="{D4B85A75-985C-4C96-A365-203521374FB8}"/>
+              </a:ext>
+            </a:extLst>
+          </p:cNvPr>
+          <p:cNvSpPr>
+            <a:spLocks noGrp="1"/>
+          </p:cNvSpPr>
+          <p:nvPr>
+            <p:ph idx="1"/>
+          </p:nvPr>
+        </p:nvSpPr>
+        <p:spPr/>
+        <p:txBody>
+          <a:bodyPr/>
+          <a:lstStyle/>
+          <a:p>
+            <a:r>
+              <a:rPr lang="en-IN" dirty="0"/>
+              <a:t>How Code Executed</a:t>
+            </a:r>
+          </a:p>
+          <a:p>
+            <a:pPr lvl="1"/>
+            <a:r>
+              <a:rPr lang="en-IN" dirty="0"/>
+              <a:t>Although </a:t>
+            </a:r>
+            <a:r>
+              <a:rPr lang="en-IN" dirty="0" err="1"/>
+              <a:t>js</a:t>
+            </a:r>
+            <a:r>
+              <a:rPr lang="en-IN" dirty="0"/>
+              <a:t> is interpreted language but before this our code compile for</a:t>
+            </a:r>
+          </a:p>
+          <a:p>
+            <a:pPr lvl="2"/>
+            <a:r>
+              <a:rPr lang="en-IN" dirty="0"/>
+              <a:t>Early Error Checking (not all type of error)</a:t>
+            </a:r>
+          </a:p>
+          <a:p>
+            <a:pPr lvl="2"/>
+            <a:r>
+              <a:rPr lang="en-IN" dirty="0"/>
+              <a:t>Determination of appropriate scope for variable</a:t>
+            </a:r>
+          </a:p>
+          <a:p>
+            <a:pPr lvl="2"/>
+            <a:r>
+              <a:rPr lang="en-IN" dirty="0"/>
+              <a:t>Note:- two do the upper task we had to do pars (compilation step)</a:t>
+            </a:r>
+          </a:p>
+          <a:p>
+            <a:pPr lvl="2"/>
+            <a:endParaRPr lang="en-IN" dirty="0"/>
+          </a:p>
+          <a:p>
+            <a:r>
+              <a:rPr lang="en-IN" dirty="0"/>
+              <a:t>Compilation Steps:- </a:t>
+            </a:r>
+          </a:p>
+          <a:p>
+            <a:pPr lvl="1"/>
+            <a:r>
+              <a:rPr lang="en-IN" dirty="0" err="1"/>
+              <a:t>Tokeniizing</a:t>
+            </a:r>
+            <a:r>
+              <a:rPr lang="en-IN" dirty="0"/>
+              <a:t>/</a:t>
+            </a:r>
+            <a:r>
+              <a:rPr lang="en-IN" dirty="0" err="1"/>
+              <a:t>Lexing</a:t>
+            </a:r>
+            <a:endParaRPr lang="en-IN" dirty="0"/>
+          </a:p>
+          <a:p>
+            <a:pPr lvl="1"/>
+            <a:r>
+              <a:rPr lang="en-IN" dirty="0"/>
+              <a:t>Parsing  (after pars AST [Abstract Syntax Tree] is formed)</a:t>
+            </a:r>
+          </a:p>
+          <a:p>
+            <a:pPr lvl="1"/>
+            <a:r>
+              <a:rPr lang="en-IN" dirty="0"/>
+              <a:t>Code Generation</a:t>
+            </a:r>
+          </a:p>
+        </p:txBody>
+      </p:sp>
+    </p:spTree>
+    <p:extLst>
+      <p:ext uri="{BB962C8B-B14F-4D97-AF65-F5344CB8AC3E}">
+        <p14:creationId xmlns:p14="http://schemas.microsoft.com/office/powerpoint/2010/main" val="644716663"/>
+      </p:ext>
+    </p:extLst>
+  </p:cSld>
+  <p:clrMapOvr>
+    <a:masterClrMapping/>
+  </p:clrMapOvr>
+</p:sld>
+</file>
+
+<file path=ppt/slides/slide8.xml><?xml version="1.0" encoding="utf-8"?>
+<p:sld xmlns:a="http://schemas.openxmlformats.org/drawingml/2006/main" xmlns:r="http://schemas.openxmlformats.org/officeDocument/2006/relationships" xmlns:p="http://schemas.openxmlformats.org/presentationml/2006/main">
+  <p:cSld>
+    <p:spTree>
+      <p:nvGrpSpPr>
+        <p:cNvPr id="1" name=""/>
+        <p:cNvGrpSpPr/>
+        <p:nvPr/>
+      </p:nvGrpSpPr>
+      <p:grpSpPr>
+        <a:xfrm>
+          <a:off x="0" y="0"/>
+          <a:ext cx="0" cy="0"/>
+          <a:chOff x="0" y="0"/>
+          <a:chExt cx="0" cy="0"/>
+        </a:xfrm>
+      </p:grpSpPr>
+      <p:sp>
+        <p:nvSpPr>
+          <p:cNvPr id="2" name="Title 1">
+            <a:extLst>
+              <a:ext uri="{FF2B5EF4-FFF2-40B4-BE49-F238E27FC236}">
+                <a16:creationId xmlns:a16="http://schemas.microsoft.com/office/drawing/2014/main" id="{EB087FBB-41A8-478E-B860-119BF968389C}"/>
+              </a:ext>
+            </a:extLst>
+          </p:cNvPr>
+          <p:cNvSpPr>
+            <a:spLocks noGrp="1"/>
+          </p:cNvSpPr>
+          <p:nvPr>
+            <p:ph type="title"/>
+          </p:nvPr>
+        </p:nvSpPr>
+        <p:spPr/>
+        <p:txBody>
+          <a:bodyPr/>
+          <a:lstStyle/>
+          <a:p>
+            <a:endParaRPr lang="en-IN"/>
+          </a:p>
+        </p:txBody>
+      </p:sp>
+      <p:sp>
+        <p:nvSpPr>
+          <p:cNvPr id="3" name="Content Placeholder 2">
+            <a:extLst>
+              <a:ext uri="{FF2B5EF4-FFF2-40B4-BE49-F238E27FC236}">
+                <a16:creationId xmlns:a16="http://schemas.microsoft.com/office/drawing/2014/main" id="{CF4D0CEA-235B-470A-BAAB-2D2CF23C3B14}"/>
+              </a:ext>
+            </a:extLst>
+          </p:cNvPr>
+          <p:cNvSpPr>
+            <a:spLocks noGrp="1"/>
+          </p:cNvSpPr>
+          <p:nvPr>
+            <p:ph idx="1"/>
+          </p:nvPr>
+        </p:nvSpPr>
+        <p:spPr/>
+        <p:txBody>
+          <a:bodyPr/>
+          <a:lstStyle/>
+          <a:p>
+            <a:r>
+              <a:rPr lang="en-IN" dirty="0"/>
+              <a:t>Compilation Stage:- </a:t>
+            </a:r>
+          </a:p>
+          <a:p>
+            <a:pPr lvl="2"/>
+            <a:r>
+              <a:rPr lang="en-IN" dirty="0"/>
+              <a:t>Early Error Checking</a:t>
+            </a:r>
+          </a:p>
+          <a:p>
+            <a:pPr lvl="2"/>
+            <a:r>
+              <a:rPr lang="en-IN" dirty="0"/>
+              <a:t>DASV (</a:t>
+            </a:r>
+            <a:r>
+              <a:rPr lang="en-IN" sz="1800" dirty="0"/>
+              <a:t>first line execute hone se </a:t>
+            </a:r>
+            <a:r>
+              <a:rPr lang="en-IN" sz="1800" dirty="0" err="1"/>
+              <a:t>phle</a:t>
+            </a:r>
+            <a:r>
+              <a:rPr lang="en-IN" sz="1800" dirty="0"/>
+              <a:t> variable ka scope JS ko </a:t>
+            </a:r>
+            <a:r>
+              <a:rPr lang="en-IN" sz="1800" dirty="0" err="1"/>
+              <a:t>pta</a:t>
+            </a:r>
+            <a:r>
+              <a:rPr lang="en-IN" sz="1800" dirty="0"/>
+              <a:t> lag </a:t>
+            </a:r>
+            <a:r>
+              <a:rPr lang="en-IN" sz="1800" dirty="0" err="1"/>
+              <a:t>jata</a:t>
+            </a:r>
+            <a:r>
+              <a:rPr lang="en-IN" sz="1800" dirty="0"/>
+              <a:t> </a:t>
+            </a:r>
+            <a:r>
+              <a:rPr lang="en-IN" sz="1800" dirty="0" err="1"/>
+              <a:t>hai</a:t>
+            </a:r>
+            <a:r>
+              <a:rPr lang="en-IN" sz="1800" dirty="0"/>
+              <a:t> [no mem. allocate] )</a:t>
+            </a:r>
+          </a:p>
+          <a:p>
+            <a:r>
+              <a:rPr lang="en-IN" dirty="0"/>
+              <a:t>Code Execution Phase:- </a:t>
+            </a:r>
+          </a:p>
+          <a:p>
+            <a:pPr lvl="2"/>
+            <a:r>
+              <a:rPr lang="en-IN" dirty="0"/>
+              <a:t>In JS code executed inside execution context</a:t>
+            </a:r>
+          </a:p>
+          <a:p>
+            <a:pPr lvl="2"/>
+            <a:r>
+              <a:rPr lang="en-IN" dirty="0"/>
+              <a:t>At first Global Execution Context is Created</a:t>
+            </a:r>
+          </a:p>
+          <a:p>
+            <a:r>
+              <a:rPr lang="en-IN" dirty="0"/>
+              <a:t>Now further GEC divide into 2 parts</a:t>
+            </a:r>
+          </a:p>
+          <a:p>
+            <a:pPr lvl="2"/>
+            <a:r>
+              <a:rPr lang="en-IN" dirty="0"/>
+              <a:t>1). Creation Phase</a:t>
+            </a:r>
+          </a:p>
+          <a:p>
+            <a:pPr lvl="2"/>
+            <a:r>
+              <a:rPr lang="en-IN" dirty="0"/>
+              <a:t>2). Execution Phase</a:t>
+            </a:r>
+          </a:p>
+        </p:txBody>
+      </p:sp>
+    </p:spTree>
+    <p:extLst>
+      <p:ext uri="{BB962C8B-B14F-4D97-AF65-F5344CB8AC3E}">
+        <p14:creationId xmlns:p14="http://schemas.microsoft.com/office/powerpoint/2010/main" val="470390939"/>
+      </p:ext>
+    </p:extLst>
+  </p:cSld>
+  <p:clrMapOvr>
+    <a:masterClrMapping/>
+  </p:clrMapOvr>
+</p:sld>
+</file>
+
+<file path=ppt/slides/slide9.xml><?xml version="1.0" encoding="utf-8"?>
+<p:sld xmlns:a="http://schemas.openxmlformats.org/drawingml/2006/main" xmlns:r="http://schemas.openxmlformats.org/officeDocument/2006/relationships" xmlns:p="http://schemas.openxmlformats.org/presentationml/2006/main">
+  <p:cSld>
+    <p:spTree>
+      <p:nvGrpSpPr>
+        <p:cNvPr id="1" name=""/>
+        <p:cNvGrpSpPr/>
+        <p:nvPr/>
+      </p:nvGrpSpPr>
+      <p:grpSpPr>
+        <a:xfrm>
+          <a:off x="0" y="0"/>
+          <a:ext cx="0" cy="0"/>
+          <a:chOff x="0" y="0"/>
+          <a:chExt cx="0" cy="0"/>
+        </a:xfrm>
+      </p:grpSpPr>
+      <p:sp>
+        <p:nvSpPr>
+          <p:cNvPr id="2" name="Title 1">
+            <a:extLst>
+              <a:ext uri="{FF2B5EF4-FFF2-40B4-BE49-F238E27FC236}">
+                <a16:creationId xmlns:a16="http://schemas.microsoft.com/office/drawing/2014/main" id="{B935174A-F3D8-4B9C-A402-7DA181FBE736}"/>
+              </a:ext>
+            </a:extLst>
+          </p:cNvPr>
+          <p:cNvSpPr>
+            <a:spLocks noGrp="1"/>
+          </p:cNvSpPr>
+          <p:nvPr>
+            <p:ph type="title"/>
+          </p:nvPr>
+        </p:nvSpPr>
+        <p:spPr/>
+        <p:txBody>
+          <a:bodyPr/>
+          <a:lstStyle/>
+          <a:p>
+            <a:r>
+              <a:rPr lang="en-IN" dirty="0"/>
+              <a:t>.</a:t>
+            </a:r>
+          </a:p>
+        </p:txBody>
+      </p:sp>
+      <p:sp>
+        <p:nvSpPr>
+          <p:cNvPr id="3" name="Content Placeholder 2">
+            <a:extLst>
+              <a:ext uri="{FF2B5EF4-FFF2-40B4-BE49-F238E27FC236}">
+                <a16:creationId xmlns:a16="http://schemas.microsoft.com/office/drawing/2014/main" id="{ED694345-012A-44DA-B627-51E7D4E852EF}"/>
+              </a:ext>
+            </a:extLst>
+          </p:cNvPr>
+          <p:cNvSpPr>
+            <a:spLocks noGrp="1"/>
+          </p:cNvSpPr>
+          <p:nvPr>
+            <p:ph idx="1"/>
+          </p:nvPr>
+        </p:nvSpPr>
+        <p:spPr>
+          <a:xfrm>
+            <a:off x="838200" y="1825624"/>
+            <a:ext cx="10515600" cy="5032375"/>
+          </a:xfrm>
+        </p:spPr>
+        <p:txBody>
+          <a:bodyPr/>
+          <a:lstStyle/>
+          <a:p>
+            <a:r>
+              <a:rPr lang="en-IN" dirty="0"/>
+              <a:t>Creation Phase :- </a:t>
+            </a:r>
+          </a:p>
+          <a:p>
+            <a:pPr marL="457200" lvl="1" indent="0">
+              <a:buNone/>
+            </a:pPr>
+            <a:r>
+              <a:rPr lang="en-IN" dirty="0"/>
+              <a:t>In creation phase ‘this’ is created or bind with window or window is assigned in this for browsers</a:t>
+            </a:r>
+          </a:p>
+          <a:p>
+            <a:pPr marL="457200" lvl="1" indent="0">
+              <a:buNone/>
+            </a:pPr>
+            <a:r>
+              <a:rPr lang="en-IN" dirty="0"/>
+              <a:t>	this=window;</a:t>
+            </a:r>
+          </a:p>
+          <a:p>
+            <a:pPr marL="457200" lvl="1" indent="0">
+              <a:buNone/>
+            </a:pPr>
+            <a:r>
+              <a:rPr lang="en-IN" dirty="0"/>
+              <a:t>All the variables got memory allocated in this phase and the variable created with “var” keyword assigned to ‘undefined’ and function declaration also get stored in memory.</a:t>
+            </a:r>
+          </a:p>
+          <a:p>
+            <a:pPr marL="457200" lvl="1" indent="0">
+              <a:buNone/>
+            </a:pPr>
+            <a:r>
+              <a:rPr lang="en-IN" dirty="0"/>
+              <a:t>Let and </a:t>
+            </a:r>
+            <a:r>
+              <a:rPr lang="en-IN" dirty="0" err="1"/>
+              <a:t>const</a:t>
+            </a:r>
+            <a:r>
+              <a:rPr lang="en-IN" dirty="0"/>
+              <a:t> also allocated memory but not initialised </a:t>
+            </a:r>
+          </a:p>
+          <a:p>
+            <a:pPr marL="457200" lvl="1" indent="0">
+              <a:buNone/>
+            </a:pPr>
+            <a:r>
+              <a:rPr lang="en-IN" dirty="0"/>
+              <a:t>	i.e. an error is thrown if we use an ‘let’ created variable before its 	declaration (TDZ)</a:t>
+            </a:r>
+          </a:p>
+          <a:p>
+            <a:r>
+              <a:rPr lang="en-IN" dirty="0"/>
+              <a:t>Execution Phase :- </a:t>
+            </a:r>
+          </a:p>
+          <a:p>
+            <a:pPr marL="457200" lvl="1" indent="0">
+              <a:buNone/>
+            </a:pPr>
+            <a:r>
+              <a:rPr lang="en-IN" dirty="0"/>
+              <a:t>In this phase code interpret line by line .</a:t>
+            </a:r>
+          </a:p>
+        </p:txBody>
+      </p:sp>
+    </p:spTree>
+    <p:extLst>
+      <p:ext uri="{BB962C8B-B14F-4D97-AF65-F5344CB8AC3E}">
+        <p14:creationId xmlns:p14="http://schemas.microsoft.com/office/powerpoint/2010/main" val="743564069"/>
       </p:ext>
     </p:extLst>
   </p:cSld>

--- a/js.pptx
+++ b/js.pptx
@@ -23,6 +23,8 @@
     <p:sldId id="271" r:id="rId17"/>
     <p:sldId id="272" r:id="rId18"/>
     <p:sldId id="273" r:id="rId19"/>
+    <p:sldId id="274" r:id="rId20"/>
+    <p:sldId id="275" r:id="rId21"/>
   </p:sldIdLst>
   <p:sldSz cx="12192000" cy="6858000"/>
   <p:notesSz cx="6858000" cy="9144000"/>
@@ -129,6 +131,2643 @@
 </p:presentation>
 </file>
 
+<file path=ppt/diagrams/colors1.xml><?xml version="1.0" encoding="utf-8"?>
+<dgm:colorsDef xmlns:dgm="http://schemas.openxmlformats.org/drawingml/2006/diagram" xmlns:a="http://schemas.openxmlformats.org/drawingml/2006/main" uniqueId="urn:microsoft.com/office/officeart/2005/8/colors/accent2_2">
+  <dgm:title val=""/>
+  <dgm:desc val=""/>
+  <dgm:catLst>
+    <dgm:cat type="accent2" pri="11200"/>
+  </dgm:catLst>
+  <dgm:styleLbl name="node0">
+    <dgm:fillClrLst meth="repeat">
+      <a:schemeClr val="accent2"/>
+    </dgm:fillClrLst>
+    <dgm:linClrLst meth="repeat">
+      <a:schemeClr val="lt1"/>
+    </dgm:linClrLst>
+    <dgm:effectClrLst/>
+    <dgm:txLinClrLst/>
+    <dgm:txFillClrLst/>
+    <dgm:txEffectClrLst/>
+  </dgm:styleLbl>
+  <dgm:styleLbl name="node1">
+    <dgm:fillClrLst meth="repeat">
+      <a:schemeClr val="accent2"/>
+    </dgm:fillClrLst>
+    <dgm:linClrLst meth="repeat">
+      <a:schemeClr val="lt1"/>
+    </dgm:linClrLst>
+    <dgm:effectClrLst/>
+    <dgm:txLinClrLst/>
+    <dgm:txFillClrLst/>
+    <dgm:txEffectClrLst/>
+  </dgm:styleLbl>
+  <dgm:styleLbl name="alignNode1">
+    <dgm:fillClrLst meth="repeat">
+      <a:schemeClr val="accent2"/>
+    </dgm:fillClrLst>
+    <dgm:linClrLst meth="repeat">
+      <a:schemeClr val="accent2"/>
+    </dgm:linClrLst>
+    <dgm:effectClrLst/>
+    <dgm:txLinClrLst/>
+    <dgm:txFillClrLst/>
+    <dgm:txEffectClrLst/>
+  </dgm:styleLbl>
+  <dgm:styleLbl name="lnNode1">
+    <dgm:fillClrLst meth="repeat">
+      <a:schemeClr val="accent2"/>
+    </dgm:fillClrLst>
+    <dgm:linClrLst meth="repeat">
+      <a:schemeClr val="lt1"/>
+    </dgm:linClrLst>
+    <dgm:effectClrLst/>
+    <dgm:txLinClrLst/>
+    <dgm:txFillClrLst/>
+    <dgm:txEffectClrLst/>
+  </dgm:styleLbl>
+  <dgm:styleLbl name="vennNode1">
+    <dgm:fillClrLst meth="repeat">
+      <a:schemeClr val="accent2">
+        <a:alpha val="50000"/>
+      </a:schemeClr>
+    </dgm:fillClrLst>
+    <dgm:linClrLst meth="repeat">
+      <a:schemeClr val="lt1"/>
+    </dgm:linClrLst>
+    <dgm:effectClrLst/>
+    <dgm:txLinClrLst/>
+    <dgm:txFillClrLst/>
+    <dgm:txEffectClrLst/>
+  </dgm:styleLbl>
+  <dgm:styleLbl name="node2">
+    <dgm:fillClrLst meth="repeat">
+      <a:schemeClr val="accent2"/>
+    </dgm:fillClrLst>
+    <dgm:linClrLst meth="repeat">
+      <a:schemeClr val="lt1"/>
+    </dgm:linClrLst>
+    <dgm:effectClrLst/>
+    <dgm:txLinClrLst/>
+    <dgm:txFillClrLst/>
+    <dgm:txEffectClrLst/>
+  </dgm:styleLbl>
+  <dgm:styleLbl name="node3">
+    <dgm:fillClrLst meth="repeat">
+      <a:schemeClr val="accent2"/>
+    </dgm:fillClrLst>
+    <dgm:linClrLst meth="repeat">
+      <a:schemeClr val="lt1"/>
+    </dgm:linClrLst>
+    <dgm:effectClrLst/>
+    <dgm:txLinClrLst/>
+    <dgm:txFillClrLst/>
+    <dgm:txEffectClrLst/>
+  </dgm:styleLbl>
+  <dgm:styleLbl name="node4">
+    <dgm:fillClrLst meth="repeat">
+      <a:schemeClr val="accent2"/>
+    </dgm:fillClrLst>
+    <dgm:linClrLst meth="repeat">
+      <a:schemeClr val="lt1"/>
+    </dgm:linClrLst>
+    <dgm:effectClrLst/>
+    <dgm:txLinClrLst/>
+    <dgm:txFillClrLst/>
+    <dgm:txEffectClrLst/>
+  </dgm:styleLbl>
+  <dgm:styleLbl name="fgImgPlace1">
+    <dgm:fillClrLst meth="repeat">
+      <a:schemeClr val="accent2">
+        <a:tint val="50000"/>
+      </a:schemeClr>
+    </dgm:fillClrLst>
+    <dgm:linClrLst meth="repeat">
+      <a:schemeClr val="lt1"/>
+    </dgm:linClrLst>
+    <dgm:effectClrLst/>
+    <dgm:txLinClrLst/>
+    <dgm:txFillClrLst meth="repeat">
+      <a:schemeClr val="lt1"/>
+    </dgm:txFillClrLst>
+    <dgm:txEffectClrLst/>
+  </dgm:styleLbl>
+  <dgm:styleLbl name="alignImgPlace1">
+    <dgm:fillClrLst meth="repeat">
+      <a:schemeClr val="accent2">
+        <a:tint val="50000"/>
+      </a:schemeClr>
+    </dgm:fillClrLst>
+    <dgm:linClrLst meth="repeat">
+      <a:schemeClr val="lt1"/>
+    </dgm:linClrLst>
+    <dgm:effectClrLst/>
+    <dgm:txLinClrLst/>
+    <dgm:txFillClrLst meth="repeat">
+      <a:schemeClr val="lt1"/>
+    </dgm:txFillClrLst>
+    <dgm:txEffectClrLst/>
+  </dgm:styleLbl>
+  <dgm:styleLbl name="bgImgPlace1">
+    <dgm:fillClrLst meth="repeat">
+      <a:schemeClr val="accent2">
+        <a:tint val="50000"/>
+      </a:schemeClr>
+    </dgm:fillClrLst>
+    <dgm:linClrLst meth="repeat">
+      <a:schemeClr val="lt1"/>
+    </dgm:linClrLst>
+    <dgm:effectClrLst/>
+    <dgm:txLinClrLst/>
+    <dgm:txFillClrLst meth="repeat">
+      <a:schemeClr val="lt1"/>
+    </dgm:txFillClrLst>
+    <dgm:txEffectClrLst/>
+  </dgm:styleLbl>
+  <dgm:styleLbl name="sibTrans2D1">
+    <dgm:fillClrLst meth="repeat">
+      <a:schemeClr val="accent2">
+        <a:tint val="60000"/>
+      </a:schemeClr>
+    </dgm:fillClrLst>
+    <dgm:linClrLst meth="repeat">
+      <a:schemeClr val="accent2">
+        <a:tint val="60000"/>
+      </a:schemeClr>
+    </dgm:linClrLst>
+    <dgm:effectClrLst/>
+    <dgm:txLinClrLst/>
+    <dgm:txFillClrLst/>
+    <dgm:txEffectClrLst/>
+  </dgm:styleLbl>
+  <dgm:styleLbl name="fgSibTrans2D1">
+    <dgm:fillClrLst meth="repeat">
+      <a:schemeClr val="accent2">
+        <a:tint val="60000"/>
+      </a:schemeClr>
+    </dgm:fillClrLst>
+    <dgm:linClrLst meth="repeat">
+      <a:schemeClr val="accent2">
+        <a:tint val="60000"/>
+      </a:schemeClr>
+    </dgm:linClrLst>
+    <dgm:effectClrLst/>
+    <dgm:txLinClrLst/>
+    <dgm:txFillClrLst/>
+    <dgm:txEffectClrLst/>
+  </dgm:styleLbl>
+  <dgm:styleLbl name="bgSibTrans2D1">
+    <dgm:fillClrLst meth="repeat">
+      <a:schemeClr val="accent2">
+        <a:tint val="60000"/>
+      </a:schemeClr>
+    </dgm:fillClrLst>
+    <dgm:linClrLst meth="repeat">
+      <a:schemeClr val="accent2">
+        <a:tint val="60000"/>
+      </a:schemeClr>
+    </dgm:linClrLst>
+    <dgm:effectClrLst/>
+    <dgm:txLinClrLst/>
+    <dgm:txFillClrLst/>
+    <dgm:txEffectClrLst/>
+  </dgm:styleLbl>
+  <dgm:styleLbl name="sibTrans1D1">
+    <dgm:fillClrLst meth="repeat">
+      <a:schemeClr val="accent2"/>
+    </dgm:fillClrLst>
+    <dgm:linClrLst meth="repeat">
+      <a:schemeClr val="accent2"/>
+    </dgm:linClrLst>
+    <dgm:effectClrLst/>
+    <dgm:txLinClrLst/>
+    <dgm:txFillClrLst meth="repeat">
+      <a:schemeClr val="tx1"/>
+    </dgm:txFillClrLst>
+    <dgm:txEffectClrLst/>
+  </dgm:styleLbl>
+  <dgm:styleLbl name="callout">
+    <dgm:fillClrLst meth="repeat">
+      <a:schemeClr val="accent2"/>
+    </dgm:fillClrLst>
+    <dgm:linClrLst meth="repeat">
+      <a:schemeClr val="accent2">
+        <a:tint val="50000"/>
+      </a:schemeClr>
+    </dgm:linClrLst>
+    <dgm:effectClrLst/>
+    <dgm:txLinClrLst/>
+    <dgm:txFillClrLst meth="repeat">
+      <a:schemeClr val="tx1"/>
+    </dgm:txFillClrLst>
+    <dgm:txEffectClrLst/>
+  </dgm:styleLbl>
+  <dgm:styleLbl name="asst0">
+    <dgm:fillClrLst meth="repeat">
+      <a:schemeClr val="accent2"/>
+    </dgm:fillClrLst>
+    <dgm:linClrLst meth="repeat">
+      <a:schemeClr val="lt1"/>
+    </dgm:linClrLst>
+    <dgm:effectClrLst/>
+    <dgm:txLinClrLst/>
+    <dgm:txFillClrLst/>
+    <dgm:txEffectClrLst/>
+  </dgm:styleLbl>
+  <dgm:styleLbl name="asst1">
+    <dgm:fillClrLst meth="repeat">
+      <a:schemeClr val="accent2"/>
+    </dgm:fillClrLst>
+    <dgm:linClrLst meth="repeat">
+      <a:schemeClr val="lt1"/>
+    </dgm:linClrLst>
+    <dgm:effectClrLst/>
+    <dgm:txLinClrLst/>
+    <dgm:txFillClrLst/>
+    <dgm:txEffectClrLst/>
+  </dgm:styleLbl>
+  <dgm:styleLbl name="asst2">
+    <dgm:fillClrLst meth="repeat">
+      <a:schemeClr val="accent2"/>
+    </dgm:fillClrLst>
+    <dgm:linClrLst meth="repeat">
+      <a:schemeClr val="lt1"/>
+    </dgm:linClrLst>
+    <dgm:effectClrLst/>
+    <dgm:txLinClrLst/>
+    <dgm:txFillClrLst/>
+    <dgm:txEffectClrLst/>
+  </dgm:styleLbl>
+  <dgm:styleLbl name="asst3">
+    <dgm:fillClrLst meth="repeat">
+      <a:schemeClr val="accent2"/>
+    </dgm:fillClrLst>
+    <dgm:linClrLst meth="repeat">
+      <a:schemeClr val="lt1"/>
+    </dgm:linClrLst>
+    <dgm:effectClrLst/>
+    <dgm:txLinClrLst/>
+    <dgm:txFillClrLst/>
+    <dgm:txEffectClrLst/>
+  </dgm:styleLbl>
+  <dgm:styleLbl name="asst4">
+    <dgm:fillClrLst meth="repeat">
+      <a:schemeClr val="accent2"/>
+    </dgm:fillClrLst>
+    <dgm:linClrLst meth="repeat">
+      <a:schemeClr val="lt1"/>
+    </dgm:linClrLst>
+    <dgm:effectClrLst/>
+    <dgm:txLinClrLst/>
+    <dgm:txFillClrLst/>
+    <dgm:txEffectClrLst/>
+  </dgm:styleLbl>
+  <dgm:styleLbl name="parChTrans2D1">
+    <dgm:fillClrLst meth="repeat">
+      <a:schemeClr val="accent2">
+        <a:tint val="60000"/>
+      </a:schemeClr>
+    </dgm:fillClrLst>
+    <dgm:linClrLst meth="repeat">
+      <a:schemeClr val="accent2">
+        <a:tint val="60000"/>
+      </a:schemeClr>
+    </dgm:linClrLst>
+    <dgm:effectClrLst/>
+    <dgm:txLinClrLst/>
+    <dgm:txFillClrLst meth="repeat">
+      <a:schemeClr val="lt1"/>
+    </dgm:txFillClrLst>
+    <dgm:txEffectClrLst/>
+  </dgm:styleLbl>
+  <dgm:styleLbl name="parChTrans2D2">
+    <dgm:fillClrLst meth="repeat">
+      <a:schemeClr val="accent2"/>
+    </dgm:fillClrLst>
+    <dgm:linClrLst meth="repeat">
+      <a:schemeClr val="accent2"/>
+    </dgm:linClrLst>
+    <dgm:effectClrLst/>
+    <dgm:txLinClrLst/>
+    <dgm:txFillClrLst meth="repeat">
+      <a:schemeClr val="lt1"/>
+    </dgm:txFillClrLst>
+    <dgm:txEffectClrLst/>
+  </dgm:styleLbl>
+  <dgm:styleLbl name="parChTrans2D3">
+    <dgm:fillClrLst meth="repeat">
+      <a:schemeClr val="accent2"/>
+    </dgm:fillClrLst>
+    <dgm:linClrLst meth="repeat">
+      <a:schemeClr val="accent2"/>
+    </dgm:linClrLst>
+    <dgm:effectClrLst/>
+    <dgm:txLinClrLst/>
+    <dgm:txFillClrLst meth="repeat">
+      <a:schemeClr val="lt1"/>
+    </dgm:txFillClrLst>
+    <dgm:txEffectClrLst/>
+  </dgm:styleLbl>
+  <dgm:styleLbl name="parChTrans2D4">
+    <dgm:fillClrLst meth="repeat">
+      <a:schemeClr val="accent2"/>
+    </dgm:fillClrLst>
+    <dgm:linClrLst meth="repeat">
+      <a:schemeClr val="accent2"/>
+    </dgm:linClrLst>
+    <dgm:effectClrLst/>
+    <dgm:txLinClrLst/>
+    <dgm:txFillClrLst meth="repeat">
+      <a:schemeClr val="lt1"/>
+    </dgm:txFillClrLst>
+    <dgm:txEffectClrLst/>
+  </dgm:styleLbl>
+  <dgm:styleLbl name="parChTrans1D1">
+    <dgm:fillClrLst meth="repeat">
+      <a:schemeClr val="accent2"/>
+    </dgm:fillClrLst>
+    <dgm:linClrLst meth="repeat">
+      <a:schemeClr val="accent2">
+        <a:shade val="60000"/>
+      </a:schemeClr>
+    </dgm:linClrLst>
+    <dgm:effectClrLst/>
+    <dgm:txLinClrLst/>
+    <dgm:txFillClrLst meth="repeat">
+      <a:schemeClr val="tx1"/>
+    </dgm:txFillClrLst>
+    <dgm:txEffectClrLst/>
+  </dgm:styleLbl>
+  <dgm:styleLbl name="parChTrans1D2">
+    <dgm:fillClrLst meth="repeat">
+      <a:schemeClr val="accent2"/>
+    </dgm:fillClrLst>
+    <dgm:linClrLst meth="repeat">
+      <a:schemeClr val="accent2">
+        <a:shade val="60000"/>
+      </a:schemeClr>
+    </dgm:linClrLst>
+    <dgm:effectClrLst/>
+    <dgm:txLinClrLst/>
+    <dgm:txFillClrLst meth="repeat">
+      <a:schemeClr val="tx1"/>
+    </dgm:txFillClrLst>
+    <dgm:txEffectClrLst/>
+  </dgm:styleLbl>
+  <dgm:styleLbl name="parChTrans1D3">
+    <dgm:fillClrLst meth="repeat">
+      <a:schemeClr val="accent2"/>
+    </dgm:fillClrLst>
+    <dgm:linClrLst meth="repeat">
+      <a:schemeClr val="accent2">
+        <a:shade val="80000"/>
+      </a:schemeClr>
+    </dgm:linClrLst>
+    <dgm:effectClrLst/>
+    <dgm:txLinClrLst/>
+    <dgm:txFillClrLst meth="repeat">
+      <a:schemeClr val="tx1"/>
+    </dgm:txFillClrLst>
+    <dgm:txEffectClrLst/>
+  </dgm:styleLbl>
+  <dgm:styleLbl name="parChTrans1D4">
+    <dgm:fillClrLst meth="repeat">
+      <a:schemeClr val="accent2"/>
+    </dgm:fillClrLst>
+    <dgm:linClrLst meth="repeat">
+      <a:schemeClr val="accent2">
+        <a:shade val="80000"/>
+      </a:schemeClr>
+    </dgm:linClrLst>
+    <dgm:effectClrLst/>
+    <dgm:txLinClrLst/>
+    <dgm:txFillClrLst meth="repeat">
+      <a:schemeClr val="tx1"/>
+    </dgm:txFillClrLst>
+    <dgm:txEffectClrLst/>
+  </dgm:styleLbl>
+  <dgm:styleLbl name="fgAcc1">
+    <dgm:fillClrLst meth="repeat">
+      <a:schemeClr val="lt1">
+        <a:alpha val="90000"/>
+      </a:schemeClr>
+    </dgm:fillClrLst>
+    <dgm:linClrLst meth="repeat">
+      <a:schemeClr val="accent2"/>
+    </dgm:linClrLst>
+    <dgm:effectClrLst/>
+    <dgm:txLinClrLst/>
+    <dgm:txFillClrLst meth="repeat">
+      <a:schemeClr val="dk1"/>
+    </dgm:txFillClrLst>
+    <dgm:txEffectClrLst/>
+  </dgm:styleLbl>
+  <dgm:styleLbl name="conFgAcc1">
+    <dgm:fillClrLst meth="repeat">
+      <a:schemeClr val="lt1">
+        <a:alpha val="90000"/>
+      </a:schemeClr>
+    </dgm:fillClrLst>
+    <dgm:linClrLst meth="repeat">
+      <a:schemeClr val="accent2"/>
+    </dgm:linClrLst>
+    <dgm:effectClrLst/>
+    <dgm:txLinClrLst/>
+    <dgm:txFillClrLst meth="repeat">
+      <a:schemeClr val="dk1"/>
+    </dgm:txFillClrLst>
+    <dgm:txEffectClrLst/>
+  </dgm:styleLbl>
+  <dgm:styleLbl name="alignAcc1">
+    <dgm:fillClrLst meth="repeat">
+      <a:schemeClr val="lt1">
+        <a:alpha val="90000"/>
+      </a:schemeClr>
+    </dgm:fillClrLst>
+    <dgm:linClrLst meth="repeat">
+      <a:schemeClr val="accent2"/>
+    </dgm:linClrLst>
+    <dgm:effectClrLst/>
+    <dgm:txLinClrLst/>
+    <dgm:txFillClrLst meth="repeat">
+      <a:schemeClr val="dk1"/>
+    </dgm:txFillClrLst>
+    <dgm:txEffectClrLst/>
+  </dgm:styleLbl>
+  <dgm:styleLbl name="trAlignAcc1">
+    <dgm:fillClrLst meth="repeat">
+      <a:schemeClr val="lt1">
+        <a:alpha val="40000"/>
+      </a:schemeClr>
+    </dgm:fillClrLst>
+    <dgm:linClrLst meth="repeat">
+      <a:schemeClr val="accent2"/>
+    </dgm:linClrLst>
+    <dgm:effectClrLst/>
+    <dgm:txLinClrLst/>
+    <dgm:txFillClrLst meth="repeat">
+      <a:schemeClr val="dk1"/>
+    </dgm:txFillClrLst>
+    <dgm:txEffectClrLst/>
+  </dgm:styleLbl>
+  <dgm:styleLbl name="bgAcc1">
+    <dgm:fillClrLst meth="repeat">
+      <a:schemeClr val="lt1">
+        <a:alpha val="90000"/>
+      </a:schemeClr>
+    </dgm:fillClrLst>
+    <dgm:linClrLst meth="repeat">
+      <a:schemeClr val="accent2"/>
+    </dgm:linClrLst>
+    <dgm:effectClrLst/>
+    <dgm:txLinClrLst/>
+    <dgm:txFillClrLst meth="repeat">
+      <a:schemeClr val="dk1"/>
+    </dgm:txFillClrLst>
+    <dgm:txEffectClrLst/>
+  </dgm:styleLbl>
+  <dgm:styleLbl name="solidFgAcc1">
+    <dgm:fillClrLst meth="repeat">
+      <a:schemeClr val="lt1"/>
+    </dgm:fillClrLst>
+    <dgm:linClrLst meth="repeat">
+      <a:schemeClr val="accent2"/>
+    </dgm:linClrLst>
+    <dgm:effectClrLst/>
+    <dgm:txLinClrLst/>
+    <dgm:txFillClrLst meth="repeat">
+      <a:schemeClr val="dk1"/>
+    </dgm:txFillClrLst>
+    <dgm:txEffectClrLst/>
+  </dgm:styleLbl>
+  <dgm:styleLbl name="solidAlignAcc1">
+    <dgm:fillClrLst meth="repeat">
+      <a:schemeClr val="lt1"/>
+    </dgm:fillClrLst>
+    <dgm:linClrLst meth="repeat">
+      <a:schemeClr val="accent2"/>
+    </dgm:linClrLst>
+    <dgm:effectClrLst/>
+    <dgm:txLinClrLst/>
+    <dgm:txFillClrLst meth="repeat">
+      <a:schemeClr val="dk1"/>
+    </dgm:txFillClrLst>
+    <dgm:txEffectClrLst/>
+  </dgm:styleLbl>
+  <dgm:styleLbl name="solidBgAcc1">
+    <dgm:fillClrLst meth="repeat">
+      <a:schemeClr val="lt1"/>
+    </dgm:fillClrLst>
+    <dgm:linClrLst meth="repeat">
+      <a:schemeClr val="accent2"/>
+    </dgm:linClrLst>
+    <dgm:effectClrLst/>
+    <dgm:txLinClrLst/>
+    <dgm:txFillClrLst meth="repeat">
+      <a:schemeClr val="dk1"/>
+    </dgm:txFillClrLst>
+    <dgm:txEffectClrLst/>
+  </dgm:styleLbl>
+  <dgm:styleLbl name="fgAccFollowNode1">
+    <dgm:fillClrLst meth="repeat">
+      <a:schemeClr val="accent2">
+        <a:alpha val="90000"/>
+        <a:tint val="40000"/>
+      </a:schemeClr>
+    </dgm:fillClrLst>
+    <dgm:linClrLst meth="repeat">
+      <a:schemeClr val="accent2">
+        <a:alpha val="90000"/>
+        <a:tint val="40000"/>
+      </a:schemeClr>
+    </dgm:linClrLst>
+    <dgm:effectClrLst/>
+    <dgm:txLinClrLst/>
+    <dgm:txFillClrLst meth="repeat">
+      <a:schemeClr val="dk1"/>
+    </dgm:txFillClrLst>
+    <dgm:txEffectClrLst/>
+  </dgm:styleLbl>
+  <dgm:styleLbl name="alignAccFollowNode1">
+    <dgm:fillClrLst meth="repeat">
+      <a:schemeClr val="accent2">
+        <a:alpha val="90000"/>
+        <a:tint val="40000"/>
+      </a:schemeClr>
+    </dgm:fillClrLst>
+    <dgm:linClrLst meth="repeat">
+      <a:schemeClr val="accent2">
+        <a:alpha val="90000"/>
+        <a:tint val="40000"/>
+      </a:schemeClr>
+    </dgm:linClrLst>
+    <dgm:effectClrLst/>
+    <dgm:txLinClrLst/>
+    <dgm:txFillClrLst meth="repeat">
+      <a:schemeClr val="dk1"/>
+    </dgm:txFillClrLst>
+    <dgm:txEffectClrLst/>
+  </dgm:styleLbl>
+  <dgm:styleLbl name="bgAccFollowNode1">
+    <dgm:fillClrLst meth="repeat">
+      <a:schemeClr val="accent2">
+        <a:alpha val="90000"/>
+        <a:tint val="40000"/>
+      </a:schemeClr>
+    </dgm:fillClrLst>
+    <dgm:linClrLst meth="repeat">
+      <a:schemeClr val="accent2">
+        <a:alpha val="90000"/>
+        <a:tint val="40000"/>
+      </a:schemeClr>
+    </dgm:linClrLst>
+    <dgm:effectClrLst/>
+    <dgm:txLinClrLst/>
+    <dgm:txFillClrLst meth="repeat">
+      <a:schemeClr val="dk1"/>
+    </dgm:txFillClrLst>
+    <dgm:txEffectClrLst/>
+  </dgm:styleLbl>
+  <dgm:styleLbl name="fgAcc0">
+    <dgm:fillClrLst meth="repeat">
+      <a:schemeClr val="lt1">
+        <a:alpha val="90000"/>
+      </a:schemeClr>
+    </dgm:fillClrLst>
+    <dgm:linClrLst meth="repeat">
+      <a:schemeClr val="accent2"/>
+    </dgm:linClrLst>
+    <dgm:effectClrLst/>
+    <dgm:txLinClrLst/>
+    <dgm:txFillClrLst meth="repeat">
+      <a:schemeClr val="dk1"/>
+    </dgm:txFillClrLst>
+    <dgm:txEffectClrLst/>
+  </dgm:styleLbl>
+  <dgm:styleLbl name="fgAcc2">
+    <dgm:fillClrLst meth="repeat">
+      <a:schemeClr val="lt1">
+        <a:alpha val="90000"/>
+      </a:schemeClr>
+    </dgm:fillClrLst>
+    <dgm:linClrLst meth="repeat">
+      <a:schemeClr val="accent2"/>
+    </dgm:linClrLst>
+    <dgm:effectClrLst/>
+    <dgm:txLinClrLst/>
+    <dgm:txFillClrLst meth="repeat">
+      <a:schemeClr val="dk1"/>
+    </dgm:txFillClrLst>
+    <dgm:txEffectClrLst/>
+  </dgm:styleLbl>
+  <dgm:styleLbl name="fgAcc3">
+    <dgm:fillClrLst meth="repeat">
+      <a:schemeClr val="lt1">
+        <a:alpha val="90000"/>
+      </a:schemeClr>
+    </dgm:fillClrLst>
+    <dgm:linClrLst meth="repeat">
+      <a:schemeClr val="accent2"/>
+    </dgm:linClrLst>
+    <dgm:effectClrLst/>
+    <dgm:txLinClrLst/>
+    <dgm:txFillClrLst meth="repeat">
+      <a:schemeClr val="dk1"/>
+    </dgm:txFillClrLst>
+    <dgm:txEffectClrLst/>
+  </dgm:styleLbl>
+  <dgm:styleLbl name="fgAcc4">
+    <dgm:fillClrLst meth="repeat">
+      <a:schemeClr val="lt1">
+        <a:alpha val="90000"/>
+      </a:schemeClr>
+    </dgm:fillClrLst>
+    <dgm:linClrLst meth="repeat">
+      <a:schemeClr val="accent2"/>
+    </dgm:linClrLst>
+    <dgm:effectClrLst/>
+    <dgm:txLinClrLst/>
+    <dgm:txFillClrLst meth="repeat">
+      <a:schemeClr val="dk1"/>
+    </dgm:txFillClrLst>
+    <dgm:txEffectClrLst/>
+  </dgm:styleLbl>
+  <dgm:styleLbl name="bgShp">
+    <dgm:fillClrLst meth="repeat">
+      <a:schemeClr val="accent2">
+        <a:tint val="40000"/>
+      </a:schemeClr>
+    </dgm:fillClrLst>
+    <dgm:linClrLst meth="repeat">
+      <a:schemeClr val="accent2"/>
+    </dgm:linClrLst>
+    <dgm:effectClrLst/>
+    <dgm:txLinClrLst/>
+    <dgm:txFillClrLst meth="repeat">
+      <a:schemeClr val="dk1"/>
+    </dgm:txFillClrLst>
+    <dgm:txEffectClrLst/>
+  </dgm:styleLbl>
+  <dgm:styleLbl name="dkBgShp">
+    <dgm:fillClrLst meth="repeat">
+      <a:schemeClr val="accent2">
+        <a:shade val="80000"/>
+      </a:schemeClr>
+    </dgm:fillClrLst>
+    <dgm:linClrLst meth="repeat">
+      <a:schemeClr val="accent2"/>
+    </dgm:linClrLst>
+    <dgm:effectClrLst/>
+    <dgm:txLinClrLst/>
+    <dgm:txFillClrLst meth="repeat">
+      <a:schemeClr val="lt1"/>
+    </dgm:txFillClrLst>
+    <dgm:txEffectClrLst/>
+  </dgm:styleLbl>
+  <dgm:styleLbl name="trBgShp">
+    <dgm:fillClrLst meth="repeat">
+      <a:schemeClr val="accent2">
+        <a:tint val="50000"/>
+        <a:alpha val="40000"/>
+      </a:schemeClr>
+    </dgm:fillClrLst>
+    <dgm:linClrLst meth="repeat">
+      <a:schemeClr val="accent2"/>
+    </dgm:linClrLst>
+    <dgm:effectClrLst/>
+    <dgm:txLinClrLst/>
+    <dgm:txFillClrLst meth="repeat">
+      <a:schemeClr val="lt1"/>
+    </dgm:txFillClrLst>
+    <dgm:txEffectClrLst/>
+  </dgm:styleLbl>
+  <dgm:styleLbl name="fgShp">
+    <dgm:fillClrLst meth="repeat">
+      <a:schemeClr val="accent2">
+        <a:tint val="60000"/>
+      </a:schemeClr>
+    </dgm:fillClrLst>
+    <dgm:linClrLst meth="repeat">
+      <a:schemeClr val="lt1"/>
+    </dgm:linClrLst>
+    <dgm:effectClrLst/>
+    <dgm:txLinClrLst/>
+    <dgm:txFillClrLst meth="repeat">
+      <a:schemeClr val="dk1"/>
+    </dgm:txFillClrLst>
+    <dgm:txEffectClrLst/>
+  </dgm:styleLbl>
+  <dgm:styleLbl name="revTx">
+    <dgm:fillClrLst meth="repeat">
+      <a:schemeClr val="lt1">
+        <a:alpha val="0"/>
+      </a:schemeClr>
+    </dgm:fillClrLst>
+    <dgm:linClrLst meth="repeat">
+      <a:schemeClr val="dk1">
+        <a:alpha val="0"/>
+      </a:schemeClr>
+    </dgm:linClrLst>
+    <dgm:effectClrLst/>
+    <dgm:txLinClrLst/>
+    <dgm:txFillClrLst meth="repeat">
+      <a:schemeClr val="tx1"/>
+    </dgm:txFillClrLst>
+    <dgm:txEffectClrLst/>
+  </dgm:styleLbl>
+</dgm:colorsDef>
+</file>
+
+<file path=ppt/diagrams/data1.xml><?xml version="1.0" encoding="utf-8"?>
+<dgm:dataModel xmlns:dgm="http://schemas.openxmlformats.org/drawingml/2006/diagram" xmlns:a="http://schemas.openxmlformats.org/drawingml/2006/main">
+  <dgm:ptLst>
+    <dgm:pt modelId="{3EADE527-C8BF-4C29-A3EE-C4A7C6C84A77}" type="doc">
+      <dgm:prSet loTypeId="urn:microsoft.com/office/officeart/2005/8/layout/cycle1" loCatId="cycle" qsTypeId="urn:microsoft.com/office/officeart/2005/8/quickstyle/simple5" qsCatId="simple" csTypeId="urn:microsoft.com/office/officeart/2005/8/colors/accent2_2" csCatId="accent2" phldr="1"/>
+      <dgm:spPr/>
+      <dgm:t>
+        <a:bodyPr/>
+        <a:lstStyle/>
+        <a:p>
+          <a:endParaRPr lang="en-IN"/>
+        </a:p>
+      </dgm:t>
+    </dgm:pt>
+    <dgm:pt modelId="{ABCB9C71-6CBB-4802-BD56-E7703ECBB05E}">
+      <dgm:prSet phldrT="[Text]"/>
+      <dgm:spPr/>
+      <dgm:t>
+        <a:bodyPr/>
+        <a:lstStyle/>
+        <a:p>
+          <a:r>
+            <a:rPr lang="en-US" dirty="0"/>
+            <a:t>Event</a:t>
+          </a:r>
+          <a:endParaRPr lang="en-IN" dirty="0"/>
+        </a:p>
+      </dgm:t>
+    </dgm:pt>
+    <dgm:pt modelId="{0B6617B5-7020-4938-A375-54D44CF32FD1}" type="parTrans" cxnId="{2214875C-8E30-4940-936A-8125BB437805}">
+      <dgm:prSet/>
+      <dgm:spPr/>
+      <dgm:t>
+        <a:bodyPr/>
+        <a:lstStyle/>
+        <a:p>
+          <a:endParaRPr lang="en-IN"/>
+        </a:p>
+      </dgm:t>
+    </dgm:pt>
+    <dgm:pt modelId="{C4171DD6-2CE2-4A27-9993-941C3691DC2D}" type="sibTrans" cxnId="{2214875C-8E30-4940-936A-8125BB437805}">
+      <dgm:prSet/>
+      <dgm:spPr/>
+      <dgm:t>
+        <a:bodyPr/>
+        <a:lstStyle/>
+        <a:p>
+          <a:endParaRPr lang="en-IN"/>
+        </a:p>
+      </dgm:t>
+    </dgm:pt>
+    <dgm:pt modelId="{59A18F8B-8DDC-409A-992A-8939DC56FA19}">
+      <dgm:prSet phldrT="[Text]"/>
+      <dgm:spPr/>
+      <dgm:t>
+        <a:bodyPr/>
+        <a:lstStyle/>
+        <a:p>
+          <a:r>
+            <a:rPr lang="en-US" dirty="0"/>
+            <a:t>Loop</a:t>
+          </a:r>
+          <a:endParaRPr lang="en-IN" dirty="0"/>
+        </a:p>
+      </dgm:t>
+    </dgm:pt>
+    <dgm:pt modelId="{AAEB6786-0C3D-49CF-80F2-5A8FFA7814C0}" type="parTrans" cxnId="{A894C173-FAB9-4CC5-BC34-EE6EDCDB1E9B}">
+      <dgm:prSet/>
+      <dgm:spPr/>
+      <dgm:t>
+        <a:bodyPr/>
+        <a:lstStyle/>
+        <a:p>
+          <a:endParaRPr lang="en-IN"/>
+        </a:p>
+      </dgm:t>
+    </dgm:pt>
+    <dgm:pt modelId="{9FDA4F96-5E32-4061-ABFF-9797B27CD0A4}" type="sibTrans" cxnId="{A894C173-FAB9-4CC5-BC34-EE6EDCDB1E9B}">
+      <dgm:prSet/>
+      <dgm:spPr/>
+      <dgm:t>
+        <a:bodyPr/>
+        <a:lstStyle/>
+        <a:p>
+          <a:endParaRPr lang="en-IN"/>
+        </a:p>
+      </dgm:t>
+    </dgm:pt>
+    <dgm:pt modelId="{41BAC26F-4A6E-46F4-B068-6FB2D097BD35}">
+      <dgm:prSet phldrT="[Text]"/>
+      <dgm:spPr/>
+      <dgm:t>
+        <a:bodyPr/>
+        <a:lstStyle/>
+        <a:p>
+          <a:r>
+            <a:rPr lang="en-US" dirty="0"/>
+            <a:t>An</a:t>
+          </a:r>
+          <a:endParaRPr lang="en-IN" dirty="0"/>
+        </a:p>
+      </dgm:t>
+    </dgm:pt>
+    <dgm:pt modelId="{9A9692BC-F13E-4E6F-96EA-36132F4CF07A}" type="parTrans" cxnId="{BFAA26DA-1E0B-4E5F-AAED-D7D3D224BB02}">
+      <dgm:prSet/>
+      <dgm:spPr/>
+      <dgm:t>
+        <a:bodyPr/>
+        <a:lstStyle/>
+        <a:p>
+          <a:endParaRPr lang="en-IN"/>
+        </a:p>
+      </dgm:t>
+    </dgm:pt>
+    <dgm:pt modelId="{C3DBBE8D-F1C7-4171-9D53-AD6851916DFB}" type="sibTrans" cxnId="{BFAA26DA-1E0B-4E5F-AAED-D7D3D224BB02}">
+      <dgm:prSet/>
+      <dgm:spPr/>
+      <dgm:t>
+        <a:bodyPr/>
+        <a:lstStyle/>
+        <a:p>
+          <a:endParaRPr lang="en-IN"/>
+        </a:p>
+      </dgm:t>
+    </dgm:pt>
+    <dgm:pt modelId="{6386276D-3BC8-4495-9AEC-DDFA1A6DE38D}" type="pres">
+      <dgm:prSet presAssocID="{3EADE527-C8BF-4C29-A3EE-C4A7C6C84A77}" presName="cycle" presStyleCnt="0">
+        <dgm:presLayoutVars>
+          <dgm:dir/>
+          <dgm:resizeHandles val="exact"/>
+        </dgm:presLayoutVars>
+      </dgm:prSet>
+      <dgm:spPr/>
+    </dgm:pt>
+    <dgm:pt modelId="{95E2BECC-C9DF-45D6-BD8A-16128B82A92C}" type="pres">
+      <dgm:prSet presAssocID="{ABCB9C71-6CBB-4802-BD56-E7703ECBB05E}" presName="dummy" presStyleCnt="0"/>
+      <dgm:spPr/>
+    </dgm:pt>
+    <dgm:pt modelId="{E3A37E31-EBEE-4A4A-A109-C4C4401558E8}" type="pres">
+      <dgm:prSet presAssocID="{ABCB9C71-6CBB-4802-BD56-E7703ECBB05E}" presName="node" presStyleLbl="revTx" presStyleIdx="0" presStyleCnt="3">
+        <dgm:presLayoutVars>
+          <dgm:bulletEnabled val="1"/>
+        </dgm:presLayoutVars>
+      </dgm:prSet>
+      <dgm:spPr/>
+    </dgm:pt>
+    <dgm:pt modelId="{DC6272FE-BBD3-4723-ABBE-67F8EB2D26BC}" type="pres">
+      <dgm:prSet presAssocID="{C4171DD6-2CE2-4A27-9993-941C3691DC2D}" presName="sibTrans" presStyleLbl="node1" presStyleIdx="0" presStyleCnt="3"/>
+      <dgm:spPr/>
+    </dgm:pt>
+    <dgm:pt modelId="{2AECCF66-5A5D-46FD-A572-02F234CF6380}" type="pres">
+      <dgm:prSet presAssocID="{59A18F8B-8DDC-409A-992A-8939DC56FA19}" presName="dummy" presStyleCnt="0"/>
+      <dgm:spPr/>
+    </dgm:pt>
+    <dgm:pt modelId="{F123EECC-7255-46AA-A983-56A1717B4CD3}" type="pres">
+      <dgm:prSet presAssocID="{59A18F8B-8DDC-409A-992A-8939DC56FA19}" presName="node" presStyleLbl="revTx" presStyleIdx="1" presStyleCnt="3">
+        <dgm:presLayoutVars>
+          <dgm:bulletEnabled val="1"/>
+        </dgm:presLayoutVars>
+      </dgm:prSet>
+      <dgm:spPr/>
+    </dgm:pt>
+    <dgm:pt modelId="{5BA67B04-A8FA-4375-A222-E02F25C19C05}" type="pres">
+      <dgm:prSet presAssocID="{9FDA4F96-5E32-4061-ABFF-9797B27CD0A4}" presName="sibTrans" presStyleLbl="node1" presStyleIdx="1" presStyleCnt="3"/>
+      <dgm:spPr/>
+    </dgm:pt>
+    <dgm:pt modelId="{98A9C20C-43E0-43ED-9E1C-A54D7F6F5CDA}" type="pres">
+      <dgm:prSet presAssocID="{41BAC26F-4A6E-46F4-B068-6FB2D097BD35}" presName="dummy" presStyleCnt="0"/>
+      <dgm:spPr/>
+    </dgm:pt>
+    <dgm:pt modelId="{73577B19-F69B-433C-9517-F25BE5C55101}" type="pres">
+      <dgm:prSet presAssocID="{41BAC26F-4A6E-46F4-B068-6FB2D097BD35}" presName="node" presStyleLbl="revTx" presStyleIdx="2" presStyleCnt="3">
+        <dgm:presLayoutVars>
+          <dgm:bulletEnabled val="1"/>
+        </dgm:presLayoutVars>
+      </dgm:prSet>
+      <dgm:spPr/>
+    </dgm:pt>
+    <dgm:pt modelId="{6EAD451C-244A-40AC-8F93-429B4328DFFF}" type="pres">
+      <dgm:prSet presAssocID="{C3DBBE8D-F1C7-4171-9D53-AD6851916DFB}" presName="sibTrans" presStyleLbl="node1" presStyleIdx="2" presStyleCnt="3"/>
+      <dgm:spPr/>
+    </dgm:pt>
+  </dgm:ptLst>
+  <dgm:cxnLst>
+    <dgm:cxn modelId="{F6BEF600-1612-4E06-8D31-62D52C09215B}" type="presOf" srcId="{9FDA4F96-5E32-4061-ABFF-9797B27CD0A4}" destId="{5BA67B04-A8FA-4375-A222-E02F25C19C05}" srcOrd="0" destOrd="0" presId="urn:microsoft.com/office/officeart/2005/8/layout/cycle1"/>
+    <dgm:cxn modelId="{F3724A11-5C10-41E3-BBE4-2E552A6CDB42}" type="presOf" srcId="{ABCB9C71-6CBB-4802-BD56-E7703ECBB05E}" destId="{E3A37E31-EBEE-4A4A-A109-C4C4401558E8}" srcOrd="0" destOrd="0" presId="urn:microsoft.com/office/officeart/2005/8/layout/cycle1"/>
+    <dgm:cxn modelId="{90587321-C7E3-4006-BFD3-1EFE0CE745FE}" type="presOf" srcId="{C4171DD6-2CE2-4A27-9993-941C3691DC2D}" destId="{DC6272FE-BBD3-4723-ABBE-67F8EB2D26BC}" srcOrd="0" destOrd="0" presId="urn:microsoft.com/office/officeart/2005/8/layout/cycle1"/>
+    <dgm:cxn modelId="{6717EB22-E460-4A59-9C7E-F907D03F1E5C}" type="presOf" srcId="{3EADE527-C8BF-4C29-A3EE-C4A7C6C84A77}" destId="{6386276D-3BC8-4495-9AEC-DDFA1A6DE38D}" srcOrd="0" destOrd="0" presId="urn:microsoft.com/office/officeart/2005/8/layout/cycle1"/>
+    <dgm:cxn modelId="{2214875C-8E30-4940-936A-8125BB437805}" srcId="{3EADE527-C8BF-4C29-A3EE-C4A7C6C84A77}" destId="{ABCB9C71-6CBB-4802-BD56-E7703ECBB05E}" srcOrd="0" destOrd="0" parTransId="{0B6617B5-7020-4938-A375-54D44CF32FD1}" sibTransId="{C4171DD6-2CE2-4A27-9993-941C3691DC2D}"/>
+    <dgm:cxn modelId="{A894C173-FAB9-4CC5-BC34-EE6EDCDB1E9B}" srcId="{3EADE527-C8BF-4C29-A3EE-C4A7C6C84A77}" destId="{59A18F8B-8DDC-409A-992A-8939DC56FA19}" srcOrd="1" destOrd="0" parTransId="{AAEB6786-0C3D-49CF-80F2-5A8FFA7814C0}" sibTransId="{9FDA4F96-5E32-4061-ABFF-9797B27CD0A4}"/>
+    <dgm:cxn modelId="{8A46BBA4-C012-444A-919F-E637A6DE3D39}" type="presOf" srcId="{C3DBBE8D-F1C7-4171-9D53-AD6851916DFB}" destId="{6EAD451C-244A-40AC-8F93-429B4328DFFF}" srcOrd="0" destOrd="0" presId="urn:microsoft.com/office/officeart/2005/8/layout/cycle1"/>
+    <dgm:cxn modelId="{A3E27DAA-E660-4BF3-B4F9-BDB9053EC334}" type="presOf" srcId="{41BAC26F-4A6E-46F4-B068-6FB2D097BD35}" destId="{73577B19-F69B-433C-9517-F25BE5C55101}" srcOrd="0" destOrd="0" presId="urn:microsoft.com/office/officeart/2005/8/layout/cycle1"/>
+    <dgm:cxn modelId="{BFAA26DA-1E0B-4E5F-AAED-D7D3D224BB02}" srcId="{3EADE527-C8BF-4C29-A3EE-C4A7C6C84A77}" destId="{41BAC26F-4A6E-46F4-B068-6FB2D097BD35}" srcOrd="2" destOrd="0" parTransId="{9A9692BC-F13E-4E6F-96EA-36132F4CF07A}" sibTransId="{C3DBBE8D-F1C7-4171-9D53-AD6851916DFB}"/>
+    <dgm:cxn modelId="{FADFFDFE-0916-449B-9585-11E97B153ABA}" type="presOf" srcId="{59A18F8B-8DDC-409A-992A-8939DC56FA19}" destId="{F123EECC-7255-46AA-A983-56A1717B4CD3}" srcOrd="0" destOrd="0" presId="urn:microsoft.com/office/officeart/2005/8/layout/cycle1"/>
+    <dgm:cxn modelId="{A48DF382-6223-4D29-9225-E902516A5B65}" type="presParOf" srcId="{6386276D-3BC8-4495-9AEC-DDFA1A6DE38D}" destId="{95E2BECC-C9DF-45D6-BD8A-16128B82A92C}" srcOrd="0" destOrd="0" presId="urn:microsoft.com/office/officeart/2005/8/layout/cycle1"/>
+    <dgm:cxn modelId="{A18F1B10-1153-44A5-8625-E6D4A9ABC116}" type="presParOf" srcId="{6386276D-3BC8-4495-9AEC-DDFA1A6DE38D}" destId="{E3A37E31-EBEE-4A4A-A109-C4C4401558E8}" srcOrd="1" destOrd="0" presId="urn:microsoft.com/office/officeart/2005/8/layout/cycle1"/>
+    <dgm:cxn modelId="{721DAE26-58A8-42D7-A6F6-2E82521751D0}" type="presParOf" srcId="{6386276D-3BC8-4495-9AEC-DDFA1A6DE38D}" destId="{DC6272FE-BBD3-4723-ABBE-67F8EB2D26BC}" srcOrd="2" destOrd="0" presId="urn:microsoft.com/office/officeart/2005/8/layout/cycle1"/>
+    <dgm:cxn modelId="{F3C5CD8D-4674-4998-B638-CDE06B6260B5}" type="presParOf" srcId="{6386276D-3BC8-4495-9AEC-DDFA1A6DE38D}" destId="{2AECCF66-5A5D-46FD-A572-02F234CF6380}" srcOrd="3" destOrd="0" presId="urn:microsoft.com/office/officeart/2005/8/layout/cycle1"/>
+    <dgm:cxn modelId="{DB3D2023-822D-4801-B2D4-61DBC981BD21}" type="presParOf" srcId="{6386276D-3BC8-4495-9AEC-DDFA1A6DE38D}" destId="{F123EECC-7255-46AA-A983-56A1717B4CD3}" srcOrd="4" destOrd="0" presId="urn:microsoft.com/office/officeart/2005/8/layout/cycle1"/>
+    <dgm:cxn modelId="{CB45D1A2-E7AA-4023-9756-C41D34262504}" type="presParOf" srcId="{6386276D-3BC8-4495-9AEC-DDFA1A6DE38D}" destId="{5BA67B04-A8FA-4375-A222-E02F25C19C05}" srcOrd="5" destOrd="0" presId="urn:microsoft.com/office/officeart/2005/8/layout/cycle1"/>
+    <dgm:cxn modelId="{23F4B2FE-7953-4AE3-926F-D81A97BE1688}" type="presParOf" srcId="{6386276D-3BC8-4495-9AEC-DDFA1A6DE38D}" destId="{98A9C20C-43E0-43ED-9E1C-A54D7F6F5CDA}" srcOrd="6" destOrd="0" presId="urn:microsoft.com/office/officeart/2005/8/layout/cycle1"/>
+    <dgm:cxn modelId="{C6B774A8-B9C7-45FC-A863-7AE364F87B32}" type="presParOf" srcId="{6386276D-3BC8-4495-9AEC-DDFA1A6DE38D}" destId="{73577B19-F69B-433C-9517-F25BE5C55101}" srcOrd="7" destOrd="0" presId="urn:microsoft.com/office/officeart/2005/8/layout/cycle1"/>
+    <dgm:cxn modelId="{AC7B52CA-3140-4EFD-B011-92DFF9A0829D}" type="presParOf" srcId="{6386276D-3BC8-4495-9AEC-DDFA1A6DE38D}" destId="{6EAD451C-244A-40AC-8F93-429B4328DFFF}" srcOrd="8" destOrd="0" presId="urn:microsoft.com/office/officeart/2005/8/layout/cycle1"/>
+  </dgm:cxnLst>
+  <dgm:bg/>
+  <dgm:whole/>
+  <dgm:extLst>
+    <a:ext uri="http://schemas.microsoft.com/office/drawing/2008/diagram">
+      <dsp:dataModelExt xmlns:dsp="http://schemas.microsoft.com/office/drawing/2008/diagram" relId="rId6" minVer="http://schemas.openxmlformats.org/drawingml/2006/diagram"/>
+    </a:ext>
+  </dgm:extLst>
+</dgm:dataModel>
+</file>
+
+<file path=ppt/diagrams/drawing1.xml><?xml version="1.0" encoding="utf-8"?>
+<dsp:drawing xmlns:dgm="http://schemas.openxmlformats.org/drawingml/2006/diagram" xmlns:dsp="http://schemas.microsoft.com/office/drawing/2008/diagram" xmlns:a="http://schemas.openxmlformats.org/drawingml/2006/main">
+  <dsp:spTree>
+    <dsp:nvGrpSpPr>
+      <dsp:cNvPr id="0" name=""/>
+      <dsp:cNvGrpSpPr/>
+    </dsp:nvGrpSpPr>
+    <dsp:grpSpPr/>
+    <dsp:sp modelId="{E3A37E31-EBEE-4A4A-A109-C4C4401558E8}">
+      <dsp:nvSpPr>
+        <dsp:cNvPr id="0" name=""/>
+        <dsp:cNvSpPr/>
+      </dsp:nvSpPr>
+      <dsp:spPr>
+        <a:xfrm>
+          <a:off x="1538912" y="149139"/>
+          <a:ext cx="758845" cy="758845"/>
+        </a:xfrm>
+        <a:prstGeom prst="rect">
+          <a:avLst/>
+        </a:prstGeom>
+        <a:noFill/>
+        <a:ln>
+          <a:noFill/>
+        </a:ln>
+        <a:effectLst/>
+      </dsp:spPr>
+      <dsp:style>
+        <a:lnRef idx="0">
+          <a:scrgbClr r="0" g="0" b="0"/>
+        </a:lnRef>
+        <a:fillRef idx="0">
+          <a:scrgbClr r="0" g="0" b="0"/>
+        </a:fillRef>
+        <a:effectRef idx="0">
+          <a:scrgbClr r="0" g="0" b="0"/>
+        </a:effectRef>
+        <a:fontRef idx="minor"/>
+      </dsp:style>
+      <dsp:txBody>
+        <a:bodyPr spcFirstLastPara="0" vert="horz" wrap="square" lIns="30480" tIns="30480" rIns="30480" bIns="30480" numCol="1" spcCol="1270" anchor="ctr" anchorCtr="0">
+          <a:noAutofit/>
+        </a:bodyPr>
+        <a:lstStyle/>
+        <a:p>
+          <a:pPr marL="0" lvl="0" indent="0" algn="ctr" defTabSz="1066800">
+            <a:lnSpc>
+              <a:spcPct val="90000"/>
+            </a:lnSpc>
+            <a:spcBef>
+              <a:spcPct val="0"/>
+            </a:spcBef>
+            <a:spcAft>
+              <a:spcPct val="35000"/>
+            </a:spcAft>
+            <a:buNone/>
+          </a:pPr>
+          <a:r>
+            <a:rPr lang="en-US" sz="2400" kern="1200" dirty="0"/>
+            <a:t>Event</a:t>
+          </a:r>
+          <a:endParaRPr lang="en-IN" sz="2400" kern="1200" dirty="0"/>
+        </a:p>
+      </dsp:txBody>
+      <dsp:txXfrm>
+        <a:off x="1538912" y="149139"/>
+        <a:ext cx="758845" cy="758845"/>
+      </dsp:txXfrm>
+    </dsp:sp>
+    <dsp:sp modelId="{DC6272FE-BBD3-4723-ABBE-67F8EB2D26BC}">
+      <dsp:nvSpPr>
+        <dsp:cNvPr id="0" name=""/>
+        <dsp:cNvSpPr/>
+      </dsp:nvSpPr>
+      <dsp:spPr>
+        <a:xfrm>
+          <a:off x="382954" y="-193"/>
+          <a:ext cx="1794412" cy="1794412"/>
+        </a:xfrm>
+        <a:prstGeom prst="circularArrow">
+          <a:avLst>
+            <a:gd name="adj1" fmla="val 8246"/>
+            <a:gd name="adj2" fmla="val 575943"/>
+            <a:gd name="adj3" fmla="val 2964651"/>
+            <a:gd name="adj4" fmla="val 51190"/>
+            <a:gd name="adj5" fmla="val 9621"/>
+          </a:avLst>
+        </a:prstGeom>
+        <a:gradFill rotWithShape="0">
+          <a:gsLst>
+            <a:gs pos="0">
+              <a:schemeClr val="accent2">
+                <a:hueOff val="0"/>
+                <a:satOff val="0"/>
+                <a:lumOff val="0"/>
+                <a:alphaOff val="0"/>
+                <a:satMod val="103000"/>
+                <a:lumMod val="102000"/>
+                <a:tint val="94000"/>
+              </a:schemeClr>
+            </a:gs>
+            <a:gs pos="50000">
+              <a:schemeClr val="accent2">
+                <a:hueOff val="0"/>
+                <a:satOff val="0"/>
+                <a:lumOff val="0"/>
+                <a:alphaOff val="0"/>
+                <a:satMod val="110000"/>
+                <a:lumMod val="100000"/>
+                <a:shade val="100000"/>
+              </a:schemeClr>
+            </a:gs>
+            <a:gs pos="100000">
+              <a:schemeClr val="accent2">
+                <a:hueOff val="0"/>
+                <a:satOff val="0"/>
+                <a:lumOff val="0"/>
+                <a:alphaOff val="0"/>
+                <a:lumMod val="99000"/>
+                <a:satMod val="120000"/>
+                <a:shade val="78000"/>
+              </a:schemeClr>
+            </a:gs>
+          </a:gsLst>
+          <a:lin ang="5400000" scaled="0"/>
+        </a:gradFill>
+        <a:ln>
+          <a:noFill/>
+        </a:ln>
+        <a:effectLst>
+          <a:outerShdw blurRad="57150" dist="19050" dir="5400000" algn="ctr" rotWithShape="0">
+            <a:srgbClr val="000000">
+              <a:alpha val="63000"/>
+            </a:srgbClr>
+          </a:outerShdw>
+        </a:effectLst>
+      </dsp:spPr>
+      <dsp:style>
+        <a:lnRef idx="0">
+          <a:scrgbClr r="0" g="0" b="0"/>
+        </a:lnRef>
+        <a:fillRef idx="3">
+          <a:scrgbClr r="0" g="0" b="0"/>
+        </a:fillRef>
+        <a:effectRef idx="3">
+          <a:scrgbClr r="0" g="0" b="0"/>
+        </a:effectRef>
+        <a:fontRef idx="minor">
+          <a:schemeClr val="lt1"/>
+        </a:fontRef>
+      </dsp:style>
+    </dsp:sp>
+    <dsp:sp modelId="{F123EECC-7255-46AA-A983-56A1717B4CD3}">
+      <dsp:nvSpPr>
+        <dsp:cNvPr id="0" name=""/>
+        <dsp:cNvSpPr/>
+      </dsp:nvSpPr>
+      <dsp:spPr>
+        <a:xfrm>
+          <a:off x="900737" y="1254490"/>
+          <a:ext cx="758845" cy="758845"/>
+        </a:xfrm>
+        <a:prstGeom prst="rect">
+          <a:avLst/>
+        </a:prstGeom>
+        <a:noFill/>
+        <a:ln>
+          <a:noFill/>
+        </a:ln>
+        <a:effectLst/>
+      </dsp:spPr>
+      <dsp:style>
+        <a:lnRef idx="0">
+          <a:scrgbClr r="0" g="0" b="0"/>
+        </a:lnRef>
+        <a:fillRef idx="0">
+          <a:scrgbClr r="0" g="0" b="0"/>
+        </a:fillRef>
+        <a:effectRef idx="0">
+          <a:scrgbClr r="0" g="0" b="0"/>
+        </a:effectRef>
+        <a:fontRef idx="minor"/>
+      </dsp:style>
+      <dsp:txBody>
+        <a:bodyPr spcFirstLastPara="0" vert="horz" wrap="square" lIns="30480" tIns="30480" rIns="30480" bIns="30480" numCol="1" spcCol="1270" anchor="ctr" anchorCtr="0">
+          <a:noAutofit/>
+        </a:bodyPr>
+        <a:lstStyle/>
+        <a:p>
+          <a:pPr marL="0" lvl="0" indent="0" algn="ctr" defTabSz="1066800">
+            <a:lnSpc>
+              <a:spcPct val="90000"/>
+            </a:lnSpc>
+            <a:spcBef>
+              <a:spcPct val="0"/>
+            </a:spcBef>
+            <a:spcAft>
+              <a:spcPct val="35000"/>
+            </a:spcAft>
+            <a:buNone/>
+          </a:pPr>
+          <a:r>
+            <a:rPr lang="en-US" sz="2400" kern="1200" dirty="0"/>
+            <a:t>Loop</a:t>
+          </a:r>
+          <a:endParaRPr lang="en-IN" sz="2400" kern="1200" dirty="0"/>
+        </a:p>
+      </dsp:txBody>
+      <dsp:txXfrm>
+        <a:off x="900737" y="1254490"/>
+        <a:ext cx="758845" cy="758845"/>
+      </dsp:txXfrm>
+    </dsp:sp>
+    <dsp:sp modelId="{5BA67B04-A8FA-4375-A222-E02F25C19C05}">
+      <dsp:nvSpPr>
+        <dsp:cNvPr id="0" name=""/>
+        <dsp:cNvSpPr/>
+      </dsp:nvSpPr>
+      <dsp:spPr>
+        <a:xfrm>
+          <a:off x="382954" y="-193"/>
+          <a:ext cx="1794412" cy="1794412"/>
+        </a:xfrm>
+        <a:prstGeom prst="circularArrow">
+          <a:avLst>
+            <a:gd name="adj1" fmla="val 8246"/>
+            <a:gd name="adj2" fmla="val 575943"/>
+            <a:gd name="adj3" fmla="val 10172867"/>
+            <a:gd name="adj4" fmla="val 7259406"/>
+            <a:gd name="adj5" fmla="val 9621"/>
+          </a:avLst>
+        </a:prstGeom>
+        <a:gradFill rotWithShape="0">
+          <a:gsLst>
+            <a:gs pos="0">
+              <a:schemeClr val="accent2">
+                <a:hueOff val="0"/>
+                <a:satOff val="0"/>
+                <a:lumOff val="0"/>
+                <a:alphaOff val="0"/>
+                <a:satMod val="103000"/>
+                <a:lumMod val="102000"/>
+                <a:tint val="94000"/>
+              </a:schemeClr>
+            </a:gs>
+            <a:gs pos="50000">
+              <a:schemeClr val="accent2">
+                <a:hueOff val="0"/>
+                <a:satOff val="0"/>
+                <a:lumOff val="0"/>
+                <a:alphaOff val="0"/>
+                <a:satMod val="110000"/>
+                <a:lumMod val="100000"/>
+                <a:shade val="100000"/>
+              </a:schemeClr>
+            </a:gs>
+            <a:gs pos="100000">
+              <a:schemeClr val="accent2">
+                <a:hueOff val="0"/>
+                <a:satOff val="0"/>
+                <a:lumOff val="0"/>
+                <a:alphaOff val="0"/>
+                <a:lumMod val="99000"/>
+                <a:satMod val="120000"/>
+                <a:shade val="78000"/>
+              </a:schemeClr>
+            </a:gs>
+          </a:gsLst>
+          <a:lin ang="5400000" scaled="0"/>
+        </a:gradFill>
+        <a:ln>
+          <a:noFill/>
+        </a:ln>
+        <a:effectLst>
+          <a:outerShdw blurRad="57150" dist="19050" dir="5400000" algn="ctr" rotWithShape="0">
+            <a:srgbClr val="000000">
+              <a:alpha val="63000"/>
+            </a:srgbClr>
+          </a:outerShdw>
+        </a:effectLst>
+      </dsp:spPr>
+      <dsp:style>
+        <a:lnRef idx="0">
+          <a:scrgbClr r="0" g="0" b="0"/>
+        </a:lnRef>
+        <a:fillRef idx="3">
+          <a:scrgbClr r="0" g="0" b="0"/>
+        </a:fillRef>
+        <a:effectRef idx="3">
+          <a:scrgbClr r="0" g="0" b="0"/>
+        </a:effectRef>
+        <a:fontRef idx="minor">
+          <a:schemeClr val="lt1"/>
+        </a:fontRef>
+      </dsp:style>
+    </dsp:sp>
+    <dsp:sp modelId="{73577B19-F69B-433C-9517-F25BE5C55101}">
+      <dsp:nvSpPr>
+        <dsp:cNvPr id="0" name=""/>
+        <dsp:cNvSpPr/>
+      </dsp:nvSpPr>
+      <dsp:spPr>
+        <a:xfrm>
+          <a:off x="262563" y="149139"/>
+          <a:ext cx="758845" cy="758845"/>
+        </a:xfrm>
+        <a:prstGeom prst="rect">
+          <a:avLst/>
+        </a:prstGeom>
+        <a:noFill/>
+        <a:ln>
+          <a:noFill/>
+        </a:ln>
+        <a:effectLst/>
+      </dsp:spPr>
+      <dsp:style>
+        <a:lnRef idx="0">
+          <a:scrgbClr r="0" g="0" b="0"/>
+        </a:lnRef>
+        <a:fillRef idx="0">
+          <a:scrgbClr r="0" g="0" b="0"/>
+        </a:fillRef>
+        <a:effectRef idx="0">
+          <a:scrgbClr r="0" g="0" b="0"/>
+        </a:effectRef>
+        <a:fontRef idx="minor"/>
+      </dsp:style>
+      <dsp:txBody>
+        <a:bodyPr spcFirstLastPara="0" vert="horz" wrap="square" lIns="30480" tIns="30480" rIns="30480" bIns="30480" numCol="1" spcCol="1270" anchor="ctr" anchorCtr="0">
+          <a:noAutofit/>
+        </a:bodyPr>
+        <a:lstStyle/>
+        <a:p>
+          <a:pPr marL="0" lvl="0" indent="0" algn="ctr" defTabSz="1066800">
+            <a:lnSpc>
+              <a:spcPct val="90000"/>
+            </a:lnSpc>
+            <a:spcBef>
+              <a:spcPct val="0"/>
+            </a:spcBef>
+            <a:spcAft>
+              <a:spcPct val="35000"/>
+            </a:spcAft>
+            <a:buNone/>
+          </a:pPr>
+          <a:r>
+            <a:rPr lang="en-US" sz="2400" kern="1200" dirty="0"/>
+            <a:t>An</a:t>
+          </a:r>
+          <a:endParaRPr lang="en-IN" sz="2400" kern="1200" dirty="0"/>
+        </a:p>
+      </dsp:txBody>
+      <dsp:txXfrm>
+        <a:off x="262563" y="149139"/>
+        <a:ext cx="758845" cy="758845"/>
+      </dsp:txXfrm>
+    </dsp:sp>
+    <dsp:sp modelId="{6EAD451C-244A-40AC-8F93-429B4328DFFF}">
+      <dsp:nvSpPr>
+        <dsp:cNvPr id="0" name=""/>
+        <dsp:cNvSpPr/>
+      </dsp:nvSpPr>
+      <dsp:spPr>
+        <a:xfrm>
+          <a:off x="382954" y="-193"/>
+          <a:ext cx="1794412" cy="1794412"/>
+        </a:xfrm>
+        <a:prstGeom prst="circularArrow">
+          <a:avLst>
+            <a:gd name="adj1" fmla="val 8246"/>
+            <a:gd name="adj2" fmla="val 575943"/>
+            <a:gd name="adj3" fmla="val 16857464"/>
+            <a:gd name="adj4" fmla="val 14966593"/>
+            <a:gd name="adj5" fmla="val 9621"/>
+          </a:avLst>
+        </a:prstGeom>
+        <a:gradFill rotWithShape="0">
+          <a:gsLst>
+            <a:gs pos="0">
+              <a:schemeClr val="accent2">
+                <a:hueOff val="0"/>
+                <a:satOff val="0"/>
+                <a:lumOff val="0"/>
+                <a:alphaOff val="0"/>
+                <a:satMod val="103000"/>
+                <a:lumMod val="102000"/>
+                <a:tint val="94000"/>
+              </a:schemeClr>
+            </a:gs>
+            <a:gs pos="50000">
+              <a:schemeClr val="accent2">
+                <a:hueOff val="0"/>
+                <a:satOff val="0"/>
+                <a:lumOff val="0"/>
+                <a:alphaOff val="0"/>
+                <a:satMod val="110000"/>
+                <a:lumMod val="100000"/>
+                <a:shade val="100000"/>
+              </a:schemeClr>
+            </a:gs>
+            <a:gs pos="100000">
+              <a:schemeClr val="accent2">
+                <a:hueOff val="0"/>
+                <a:satOff val="0"/>
+                <a:lumOff val="0"/>
+                <a:alphaOff val="0"/>
+                <a:lumMod val="99000"/>
+                <a:satMod val="120000"/>
+                <a:shade val="78000"/>
+              </a:schemeClr>
+            </a:gs>
+          </a:gsLst>
+          <a:lin ang="5400000" scaled="0"/>
+        </a:gradFill>
+        <a:ln>
+          <a:noFill/>
+        </a:ln>
+        <a:effectLst>
+          <a:outerShdw blurRad="57150" dist="19050" dir="5400000" algn="ctr" rotWithShape="0">
+            <a:srgbClr val="000000">
+              <a:alpha val="63000"/>
+            </a:srgbClr>
+          </a:outerShdw>
+        </a:effectLst>
+      </dsp:spPr>
+      <dsp:style>
+        <a:lnRef idx="0">
+          <a:scrgbClr r="0" g="0" b="0"/>
+        </a:lnRef>
+        <a:fillRef idx="3">
+          <a:scrgbClr r="0" g="0" b="0"/>
+        </a:fillRef>
+        <a:effectRef idx="3">
+          <a:scrgbClr r="0" g="0" b="0"/>
+        </a:effectRef>
+        <a:fontRef idx="minor">
+          <a:schemeClr val="lt1"/>
+        </a:fontRef>
+      </dsp:style>
+    </dsp:sp>
+  </dsp:spTree>
+</dsp:drawing>
+</file>
+
+<file path=ppt/diagrams/layout1.xml><?xml version="1.0" encoding="utf-8"?>
+<dgm:layoutDef xmlns:dgm="http://schemas.openxmlformats.org/drawingml/2006/diagram" xmlns:a="http://schemas.openxmlformats.org/drawingml/2006/main" uniqueId="urn:microsoft.com/office/officeart/2005/8/layout/cycle1">
+  <dgm:title val=""/>
+  <dgm:desc val=""/>
+  <dgm:catLst>
+    <dgm:cat type="cycle" pri="2000"/>
+  </dgm:catLst>
+  <dgm:sampData>
+    <dgm:dataModel>
+      <dgm:ptLst>
+        <dgm:pt modelId="0" type="doc"/>
+        <dgm:pt modelId="1">
+          <dgm:prSet phldr="1"/>
+        </dgm:pt>
+        <dgm:pt modelId="2">
+          <dgm:prSet phldr="1"/>
+        </dgm:pt>
+        <dgm:pt modelId="3">
+          <dgm:prSet phldr="1"/>
+        </dgm:pt>
+        <dgm:pt modelId="4">
+          <dgm:prSet phldr="1"/>
+        </dgm:pt>
+        <dgm:pt modelId="5">
+          <dgm:prSet phldr="1"/>
+        </dgm:pt>
+      </dgm:ptLst>
+      <dgm:cxnLst>
+        <dgm:cxn modelId="6" srcId="0" destId="1" srcOrd="0" destOrd="0"/>
+        <dgm:cxn modelId="7" srcId="0" destId="2" srcOrd="1" destOrd="0"/>
+        <dgm:cxn modelId="8" srcId="0" destId="3" srcOrd="2" destOrd="0"/>
+        <dgm:cxn modelId="9" srcId="0" destId="4" srcOrd="3" destOrd="0"/>
+        <dgm:cxn modelId="10" srcId="0" destId="5" srcOrd="4" destOrd="0"/>
+      </dgm:cxnLst>
+      <dgm:bg/>
+      <dgm:whole/>
+    </dgm:dataModel>
+  </dgm:sampData>
+  <dgm:styleData>
+    <dgm:dataModel>
+      <dgm:ptLst>
+        <dgm:pt modelId="0" type="doc"/>
+        <dgm:pt modelId="1"/>
+        <dgm:pt modelId="2"/>
+        <dgm:pt modelId="3"/>
+      </dgm:ptLst>
+      <dgm:cxnLst>
+        <dgm:cxn modelId="4" srcId="0" destId="1" srcOrd="0" destOrd="0"/>
+        <dgm:cxn modelId="5" srcId="0" destId="2" srcOrd="1" destOrd="0"/>
+        <dgm:cxn modelId="6" srcId="0" destId="3" srcOrd="2" destOrd="0"/>
+      </dgm:cxnLst>
+      <dgm:bg/>
+      <dgm:whole/>
+    </dgm:dataModel>
+  </dgm:styleData>
+  <dgm:clrData>
+    <dgm:dataModel>
+      <dgm:ptLst>
+        <dgm:pt modelId="0" type="doc"/>
+        <dgm:pt modelId="1"/>
+        <dgm:pt modelId="2"/>
+        <dgm:pt modelId="3"/>
+        <dgm:pt modelId="4"/>
+        <dgm:pt modelId="5"/>
+        <dgm:pt modelId="6"/>
+      </dgm:ptLst>
+      <dgm:cxnLst>
+        <dgm:cxn modelId="7" srcId="0" destId="1" srcOrd="0" destOrd="0"/>
+        <dgm:cxn modelId="8" srcId="0" destId="2" srcOrd="1" destOrd="0"/>
+        <dgm:cxn modelId="9" srcId="0" destId="3" srcOrd="2" destOrd="0"/>
+        <dgm:cxn modelId="10" srcId="0" destId="4" srcOrd="3" destOrd="0"/>
+        <dgm:cxn modelId="11" srcId="0" destId="5" srcOrd="4" destOrd="0"/>
+        <dgm:cxn modelId="12" srcId="0" destId="6" srcOrd="5" destOrd="0"/>
+      </dgm:cxnLst>
+      <dgm:bg/>
+      <dgm:whole/>
+    </dgm:dataModel>
+  </dgm:clrData>
+  <dgm:layoutNode name="cycle">
+    <dgm:varLst>
+      <dgm:dir/>
+      <dgm:resizeHandles val="exact"/>
+    </dgm:varLst>
+    <dgm:choose name="Name0">
+      <dgm:if name="Name1" func="var" arg="dir" op="equ" val="norm">
+        <dgm:alg type="cycle">
+          <dgm:param type="stAng" val="0"/>
+          <dgm:param type="spanAng" val="360"/>
+        </dgm:alg>
+      </dgm:if>
+      <dgm:else name="Name2">
+        <dgm:alg type="cycle">
+          <dgm:param type="stAng" val="0"/>
+          <dgm:param type="spanAng" val="-360"/>
+        </dgm:alg>
+      </dgm:else>
+    </dgm:choose>
+    <dgm:shape xmlns:r="http://schemas.openxmlformats.org/officeDocument/2006/relationships" r:blip="">
+      <dgm:adjLst/>
+    </dgm:shape>
+    <dgm:presOf/>
+    <dgm:choose name="Name3">
+      <dgm:if name="Name4" func="var" arg="dir" op="equ" val="norm">
+        <dgm:constrLst>
+          <dgm:constr type="diam" val="1"/>
+          <dgm:constr type="w" for="ch" forName="node" refType="w"/>
+          <dgm:constr type="w" for="ch" ptType="sibTrans" refType="w" refFor="ch" refForName="node" fact="0.5"/>
+          <dgm:constr type="h" for="ch" ptType="sibTrans" op="equ"/>
+          <dgm:constr type="diam" for="ch" ptType="sibTrans" refType="diam" op="equ"/>
+          <dgm:constr type="sibSp" refType="w" refFor="ch" refForName="node" fact="0.15"/>
+          <dgm:constr type="w" for="ch" forName="dummy" refType="sibSp" fact="2.8"/>
+          <dgm:constr type="primFontSz" for="ch" forName="node" op="equ" val="65"/>
+        </dgm:constrLst>
+      </dgm:if>
+      <dgm:else name="Name5">
+        <dgm:constrLst>
+          <dgm:constr type="diam" val="1"/>
+          <dgm:constr type="w" for="ch" forName="node" refType="w"/>
+          <dgm:constr type="w" for="ch" ptType="sibTrans" refType="w" refFor="ch" refForName="node" fact="0.5"/>
+          <dgm:constr type="h" for="ch" ptType="sibTrans" op="equ"/>
+          <dgm:constr type="diam" for="ch" ptType="sibTrans" refType="diam" op="equ" fact="-1"/>
+          <dgm:constr type="sibSp" refType="w" refFor="ch" refForName="node" fact="0.15"/>
+          <dgm:constr type="w" for="ch" forName="dummy" refType="sibSp" fact="2.8"/>
+          <dgm:constr type="primFontSz" for="ch" forName="node" op="equ" val="65"/>
+        </dgm:constrLst>
+      </dgm:else>
+    </dgm:choose>
+    <dgm:ruleLst>
+      <dgm:rule type="diam" val="INF" fact="NaN" max="NaN"/>
+    </dgm:ruleLst>
+    <dgm:forEach name="nodesForEach" axis="ch" ptType="node">
+      <dgm:choose name="Name6">
+        <dgm:if name="Name7" axis="par ch" ptType="doc node" func="cnt" op="gt" val="1">
+          <dgm:layoutNode name="dummy">
+            <dgm:alg type="sp"/>
+            <dgm:shape xmlns:r="http://schemas.openxmlformats.org/officeDocument/2006/relationships" r:blip="">
+              <dgm:adjLst/>
+            </dgm:shape>
+            <dgm:presOf/>
+            <dgm:constrLst>
+              <dgm:constr type="h" refType="w"/>
+            </dgm:constrLst>
+            <dgm:ruleLst/>
+          </dgm:layoutNode>
+        </dgm:if>
+        <dgm:else name="Name8"/>
+      </dgm:choose>
+      <dgm:layoutNode name="node" styleLbl="revTx">
+        <dgm:varLst>
+          <dgm:bulletEnabled val="1"/>
+        </dgm:varLst>
+        <dgm:alg type="tx">
+          <dgm:param type="txAnchorVertCh" val="mid"/>
+        </dgm:alg>
+        <dgm:shape xmlns:r="http://schemas.openxmlformats.org/officeDocument/2006/relationships" type="rect" r:blip="">
+          <dgm:adjLst/>
+        </dgm:shape>
+        <dgm:presOf axis="desOrSelf" ptType="node"/>
+        <dgm:constrLst>
+          <dgm:constr type="h" refType="w"/>
+          <dgm:constr type="lMarg" refType="primFontSz" fact="0.1"/>
+          <dgm:constr type="rMarg" refType="primFontSz" fact="0.1"/>
+          <dgm:constr type="tMarg" refType="primFontSz" fact="0.1"/>
+          <dgm:constr type="bMarg" refType="primFontSz" fact="0.1"/>
+        </dgm:constrLst>
+        <dgm:ruleLst>
+          <dgm:rule type="primFontSz" val="5" fact="NaN" max="NaN"/>
+        </dgm:ruleLst>
+      </dgm:layoutNode>
+      <dgm:choose name="Name9">
+        <dgm:if name="Name10" axis="par ch" ptType="doc node" func="cnt" op="gt" val="1">
+          <dgm:forEach name="Name11" axis="followSib" ptType="sibTrans" hideLastTrans="0" cnt="1">
+            <dgm:layoutNode name="sibTrans" styleLbl="node1">
+              <dgm:alg type="conn">
+                <dgm:param type="connRout" val="curve"/>
+                <dgm:param type="begPts" val="radial"/>
+                <dgm:param type="endPts" val="radial"/>
+              </dgm:alg>
+              <dgm:shape xmlns:r="http://schemas.openxmlformats.org/officeDocument/2006/relationships" type="conn" r:blip="">
+                <dgm:adjLst/>
+              </dgm:shape>
+              <dgm:presOf axis="self"/>
+              <dgm:constrLst>
+                <dgm:constr type="h" refType="w" fact="0.65"/>
+                <dgm:constr type="begPad"/>
+                <dgm:constr type="endPad"/>
+              </dgm:constrLst>
+              <dgm:ruleLst/>
+            </dgm:layoutNode>
+          </dgm:forEach>
+        </dgm:if>
+        <dgm:else name="Name12"/>
+      </dgm:choose>
+    </dgm:forEach>
+  </dgm:layoutNode>
+</dgm:layoutDef>
+</file>
+
+<file path=ppt/diagrams/quickStyle1.xml><?xml version="1.0" encoding="utf-8"?>
+<dgm:styleDef xmlns:dgm="http://schemas.openxmlformats.org/drawingml/2006/diagram" xmlns:a="http://schemas.openxmlformats.org/drawingml/2006/main" uniqueId="urn:microsoft.com/office/officeart/2005/8/quickstyle/simple5">
+  <dgm:title val=""/>
+  <dgm:desc val=""/>
+  <dgm:catLst>
+    <dgm:cat type="simple" pri="10500"/>
+  </dgm:catLst>
+  <dgm:scene3d>
+    <a:camera prst="orthographicFront"/>
+    <a:lightRig rig="threePt" dir="t"/>
+  </dgm:scene3d>
+  <dgm:styleLbl name="node0">
+    <dgm:scene3d>
+      <a:camera prst="orthographicFront"/>
+      <a:lightRig rig="threePt" dir="t"/>
+    </dgm:scene3d>
+    <dgm:sp3d/>
+    <dgm:txPr/>
+    <dgm:style>
+      <a:lnRef idx="0">
+        <a:scrgbClr r="0" g="0" b="0"/>
+      </a:lnRef>
+      <a:fillRef idx="3">
+        <a:scrgbClr r="0" g="0" b="0"/>
+      </a:fillRef>
+      <a:effectRef idx="3">
+        <a:scrgbClr r="0" g="0" b="0"/>
+      </a:effectRef>
+      <a:fontRef idx="minor">
+        <a:schemeClr val="lt1"/>
+      </a:fontRef>
+    </dgm:style>
+  </dgm:styleLbl>
+  <dgm:styleLbl name="lnNode1">
+    <dgm:scene3d>
+      <a:camera prst="orthographicFront"/>
+      <a:lightRig rig="threePt" dir="t"/>
+    </dgm:scene3d>
+    <dgm:sp3d/>
+    <dgm:txPr/>
+    <dgm:style>
+      <a:lnRef idx="0">
+        <a:scrgbClr r="0" g="0" b="0"/>
+      </a:lnRef>
+      <a:fillRef idx="3">
+        <a:scrgbClr r="0" g="0" b="0"/>
+      </a:fillRef>
+      <a:effectRef idx="3">
+        <a:scrgbClr r="0" g="0" b="0"/>
+      </a:effectRef>
+      <a:fontRef idx="minor">
+        <a:schemeClr val="lt1"/>
+      </a:fontRef>
+    </dgm:style>
+  </dgm:styleLbl>
+  <dgm:styleLbl name="vennNode1">
+    <dgm:scene3d>
+      <a:camera prst="orthographicFront"/>
+      <a:lightRig rig="threePt" dir="t"/>
+    </dgm:scene3d>
+    <dgm:sp3d/>
+    <dgm:txPr/>
+    <dgm:style>
+      <a:lnRef idx="0">
+        <a:scrgbClr r="0" g="0" b="0"/>
+      </a:lnRef>
+      <a:fillRef idx="3">
+        <a:scrgbClr r="0" g="0" b="0"/>
+      </a:fillRef>
+      <a:effectRef idx="3">
+        <a:scrgbClr r="0" g="0" b="0"/>
+      </a:effectRef>
+      <a:fontRef idx="minor">
+        <a:schemeClr val="tx1"/>
+      </a:fontRef>
+    </dgm:style>
+  </dgm:styleLbl>
+  <dgm:styleLbl name="alignNode1">
+    <dgm:scene3d>
+      <a:camera prst="orthographicFront"/>
+      <a:lightRig rig="threePt" dir="t"/>
+    </dgm:scene3d>
+    <dgm:sp3d/>
+    <dgm:txPr/>
+    <dgm:style>
+      <a:lnRef idx="1">
+        <a:scrgbClr r="0" g="0" b="0"/>
+      </a:lnRef>
+      <a:fillRef idx="3">
+        <a:scrgbClr r="0" g="0" b="0"/>
+      </a:fillRef>
+      <a:effectRef idx="3">
+        <a:scrgbClr r="0" g="0" b="0"/>
+      </a:effectRef>
+      <a:fontRef idx="minor">
+        <a:schemeClr val="lt1"/>
+      </a:fontRef>
+    </dgm:style>
+  </dgm:styleLbl>
+  <dgm:styleLbl name="node1">
+    <dgm:scene3d>
+      <a:camera prst="orthographicFront"/>
+      <a:lightRig rig="threePt" dir="t"/>
+    </dgm:scene3d>
+    <dgm:sp3d/>
+    <dgm:txPr/>
+    <dgm:style>
+      <a:lnRef idx="0">
+        <a:scrgbClr r="0" g="0" b="0"/>
+      </a:lnRef>
+      <a:fillRef idx="3">
+        <a:scrgbClr r="0" g="0" b="0"/>
+      </a:fillRef>
+      <a:effectRef idx="3">
+        <a:scrgbClr r="0" g="0" b="0"/>
+      </a:effectRef>
+      <a:fontRef idx="minor">
+        <a:schemeClr val="lt1"/>
+      </a:fontRef>
+    </dgm:style>
+  </dgm:styleLbl>
+  <dgm:styleLbl name="node2">
+    <dgm:scene3d>
+      <a:camera prst="orthographicFront"/>
+      <a:lightRig rig="threePt" dir="t"/>
+    </dgm:scene3d>
+    <dgm:sp3d/>
+    <dgm:txPr/>
+    <dgm:style>
+      <a:lnRef idx="0">
+        <a:scrgbClr r="0" g="0" b="0"/>
+      </a:lnRef>
+      <a:fillRef idx="3">
+        <a:scrgbClr r="0" g="0" b="0"/>
+      </a:fillRef>
+      <a:effectRef idx="3">
+        <a:scrgbClr r="0" g="0" b="0"/>
+      </a:effectRef>
+      <a:fontRef idx="minor">
+        <a:schemeClr val="lt1"/>
+      </a:fontRef>
+    </dgm:style>
+  </dgm:styleLbl>
+  <dgm:styleLbl name="node3">
+    <dgm:scene3d>
+      <a:camera prst="orthographicFront"/>
+      <a:lightRig rig="threePt" dir="t"/>
+    </dgm:scene3d>
+    <dgm:sp3d/>
+    <dgm:txPr/>
+    <dgm:style>
+      <a:lnRef idx="0">
+        <a:scrgbClr r="0" g="0" b="0"/>
+      </a:lnRef>
+      <a:fillRef idx="3">
+        <a:scrgbClr r="0" g="0" b="0"/>
+      </a:fillRef>
+      <a:effectRef idx="3">
+        <a:scrgbClr r="0" g="0" b="0"/>
+      </a:effectRef>
+      <a:fontRef idx="minor">
+        <a:schemeClr val="lt1"/>
+      </a:fontRef>
+    </dgm:style>
+  </dgm:styleLbl>
+  <dgm:styleLbl name="node4">
+    <dgm:scene3d>
+      <a:camera prst="orthographicFront"/>
+      <a:lightRig rig="threePt" dir="t"/>
+    </dgm:scene3d>
+    <dgm:sp3d/>
+    <dgm:txPr/>
+    <dgm:style>
+      <a:lnRef idx="0">
+        <a:scrgbClr r="0" g="0" b="0"/>
+      </a:lnRef>
+      <a:fillRef idx="3">
+        <a:scrgbClr r="0" g="0" b="0"/>
+      </a:fillRef>
+      <a:effectRef idx="3">
+        <a:scrgbClr r="0" g="0" b="0"/>
+      </a:effectRef>
+      <a:fontRef idx="minor">
+        <a:schemeClr val="lt1"/>
+      </a:fontRef>
+    </dgm:style>
+  </dgm:styleLbl>
+  <dgm:styleLbl name="fgImgPlace1">
+    <dgm:scene3d>
+      <a:camera prst="orthographicFront"/>
+      <a:lightRig rig="threePt" dir="t"/>
+    </dgm:scene3d>
+    <dgm:sp3d/>
+    <dgm:txPr/>
+    <dgm:style>
+      <a:lnRef idx="0">
+        <a:scrgbClr r="0" g="0" b="0"/>
+      </a:lnRef>
+      <a:fillRef idx="1">
+        <a:scrgbClr r="0" g="0" b="0"/>
+      </a:fillRef>
+      <a:effectRef idx="3">
+        <a:scrgbClr r="0" g="0" b="0"/>
+      </a:effectRef>
+      <a:fontRef idx="minor"/>
+    </dgm:style>
+  </dgm:styleLbl>
+  <dgm:styleLbl name="alignImgPlace1">
+    <dgm:scene3d>
+      <a:camera prst="orthographicFront"/>
+      <a:lightRig rig="threePt" dir="t"/>
+    </dgm:scene3d>
+    <dgm:sp3d/>
+    <dgm:txPr/>
+    <dgm:style>
+      <a:lnRef idx="0">
+        <a:scrgbClr r="0" g="0" b="0"/>
+      </a:lnRef>
+      <a:fillRef idx="1">
+        <a:scrgbClr r="0" g="0" b="0"/>
+      </a:fillRef>
+      <a:effectRef idx="3">
+        <a:scrgbClr r="0" g="0" b="0"/>
+      </a:effectRef>
+      <a:fontRef idx="minor"/>
+    </dgm:style>
+  </dgm:styleLbl>
+  <dgm:styleLbl name="bgImgPlace1">
+    <dgm:scene3d>
+      <a:camera prst="orthographicFront"/>
+      <a:lightRig rig="threePt" dir="t"/>
+    </dgm:scene3d>
+    <dgm:sp3d/>
+    <dgm:txPr/>
+    <dgm:style>
+      <a:lnRef idx="0">
+        <a:scrgbClr r="0" g="0" b="0"/>
+      </a:lnRef>
+      <a:fillRef idx="1">
+        <a:scrgbClr r="0" g="0" b="0"/>
+      </a:fillRef>
+      <a:effectRef idx="3">
+        <a:scrgbClr r="0" g="0" b="0"/>
+      </a:effectRef>
+      <a:fontRef idx="minor"/>
+    </dgm:style>
+  </dgm:styleLbl>
+  <dgm:styleLbl name="sibTrans2D1">
+    <dgm:scene3d>
+      <a:camera prst="orthographicFront"/>
+      <a:lightRig rig="threePt" dir="t"/>
+    </dgm:scene3d>
+    <dgm:sp3d/>
+    <dgm:txPr/>
+    <dgm:style>
+      <a:lnRef idx="0">
+        <a:scrgbClr r="0" g="0" b="0"/>
+      </a:lnRef>
+      <a:fillRef idx="3">
+        <a:scrgbClr r="0" g="0" b="0"/>
+      </a:fillRef>
+      <a:effectRef idx="3">
+        <a:scrgbClr r="0" g="0" b="0"/>
+      </a:effectRef>
+      <a:fontRef idx="minor">
+        <a:schemeClr val="lt1"/>
+      </a:fontRef>
+    </dgm:style>
+  </dgm:styleLbl>
+  <dgm:styleLbl name="fgSibTrans2D1">
+    <dgm:scene3d>
+      <a:camera prst="orthographicFront"/>
+      <a:lightRig rig="threePt" dir="t"/>
+    </dgm:scene3d>
+    <dgm:sp3d/>
+    <dgm:txPr/>
+    <dgm:style>
+      <a:lnRef idx="0">
+        <a:scrgbClr r="0" g="0" b="0"/>
+      </a:lnRef>
+      <a:fillRef idx="3">
+        <a:scrgbClr r="0" g="0" b="0"/>
+      </a:fillRef>
+      <a:effectRef idx="3">
+        <a:scrgbClr r="0" g="0" b="0"/>
+      </a:effectRef>
+      <a:fontRef idx="minor">
+        <a:schemeClr val="lt1"/>
+      </a:fontRef>
+    </dgm:style>
+  </dgm:styleLbl>
+  <dgm:styleLbl name="bgSibTrans2D1">
+    <dgm:scene3d>
+      <a:camera prst="orthographicFront"/>
+      <a:lightRig rig="threePt" dir="t"/>
+    </dgm:scene3d>
+    <dgm:sp3d/>
+    <dgm:txPr/>
+    <dgm:style>
+      <a:lnRef idx="0">
+        <a:scrgbClr r="0" g="0" b="0"/>
+      </a:lnRef>
+      <a:fillRef idx="3">
+        <a:scrgbClr r="0" g="0" b="0"/>
+      </a:fillRef>
+      <a:effectRef idx="3">
+        <a:scrgbClr r="0" g="0" b="0"/>
+      </a:effectRef>
+      <a:fontRef idx="minor">
+        <a:schemeClr val="lt1"/>
+      </a:fontRef>
+    </dgm:style>
+  </dgm:styleLbl>
+  <dgm:styleLbl name="sibTrans1D1">
+    <dgm:scene3d>
+      <a:camera prst="orthographicFront"/>
+      <a:lightRig rig="threePt" dir="t"/>
+    </dgm:scene3d>
+    <dgm:sp3d/>
+    <dgm:txPr/>
+    <dgm:style>
+      <a:lnRef idx="1">
+        <a:scrgbClr r="0" g="0" b="0"/>
+      </a:lnRef>
+      <a:fillRef idx="0">
+        <a:scrgbClr r="0" g="0" b="0"/>
+      </a:fillRef>
+      <a:effectRef idx="0">
+        <a:scrgbClr r="0" g="0" b="0"/>
+      </a:effectRef>
+      <a:fontRef idx="minor"/>
+    </dgm:style>
+  </dgm:styleLbl>
+  <dgm:styleLbl name="callout">
+    <dgm:scene3d>
+      <a:camera prst="orthographicFront"/>
+      <a:lightRig rig="threePt" dir="t"/>
+    </dgm:scene3d>
+    <dgm:sp3d/>
+    <dgm:txPr/>
+    <dgm:style>
+      <a:lnRef idx="1">
+        <a:scrgbClr r="0" g="0" b="0"/>
+      </a:lnRef>
+      <a:fillRef idx="0">
+        <a:scrgbClr r="0" g="0" b="0"/>
+      </a:fillRef>
+      <a:effectRef idx="1">
+        <a:scrgbClr r="0" g="0" b="0"/>
+      </a:effectRef>
+      <a:fontRef idx="minor"/>
+    </dgm:style>
+  </dgm:styleLbl>
+  <dgm:styleLbl name="asst0">
+    <dgm:scene3d>
+      <a:camera prst="orthographicFront"/>
+      <a:lightRig rig="threePt" dir="t"/>
+    </dgm:scene3d>
+    <dgm:sp3d/>
+    <dgm:txPr/>
+    <dgm:style>
+      <a:lnRef idx="0">
+        <a:scrgbClr r="0" g="0" b="0"/>
+      </a:lnRef>
+      <a:fillRef idx="3">
+        <a:scrgbClr r="0" g="0" b="0"/>
+      </a:fillRef>
+      <a:effectRef idx="3">
+        <a:scrgbClr r="0" g="0" b="0"/>
+      </a:effectRef>
+      <a:fontRef idx="minor">
+        <a:schemeClr val="lt1"/>
+      </a:fontRef>
+    </dgm:style>
+  </dgm:styleLbl>
+  <dgm:styleLbl name="asst1">
+    <dgm:scene3d>
+      <a:camera prst="orthographicFront"/>
+      <a:lightRig rig="threePt" dir="t"/>
+    </dgm:scene3d>
+    <dgm:sp3d/>
+    <dgm:txPr/>
+    <dgm:style>
+      <a:lnRef idx="0">
+        <a:scrgbClr r="0" g="0" b="0"/>
+      </a:lnRef>
+      <a:fillRef idx="3">
+        <a:scrgbClr r="0" g="0" b="0"/>
+      </a:fillRef>
+      <a:effectRef idx="3">
+        <a:scrgbClr r="0" g="0" b="0"/>
+      </a:effectRef>
+      <a:fontRef idx="minor">
+        <a:schemeClr val="lt1"/>
+      </a:fontRef>
+    </dgm:style>
+  </dgm:styleLbl>
+  <dgm:styleLbl name="asst2">
+    <dgm:scene3d>
+      <a:camera prst="orthographicFront"/>
+      <a:lightRig rig="threePt" dir="t"/>
+    </dgm:scene3d>
+    <dgm:sp3d/>
+    <dgm:txPr/>
+    <dgm:style>
+      <a:lnRef idx="0">
+        <a:scrgbClr r="0" g="0" b="0"/>
+      </a:lnRef>
+      <a:fillRef idx="3">
+        <a:scrgbClr r="0" g="0" b="0"/>
+      </a:fillRef>
+      <a:effectRef idx="3">
+        <a:scrgbClr r="0" g="0" b="0"/>
+      </a:effectRef>
+      <a:fontRef idx="minor">
+        <a:schemeClr val="lt1"/>
+      </a:fontRef>
+    </dgm:style>
+  </dgm:styleLbl>
+  <dgm:styleLbl name="asst3">
+    <dgm:scene3d>
+      <a:camera prst="orthographicFront"/>
+      <a:lightRig rig="threePt" dir="t"/>
+    </dgm:scene3d>
+    <dgm:sp3d/>
+    <dgm:txPr/>
+    <dgm:style>
+      <a:lnRef idx="0">
+        <a:scrgbClr r="0" g="0" b="0"/>
+      </a:lnRef>
+      <a:fillRef idx="3">
+        <a:scrgbClr r="0" g="0" b="0"/>
+      </a:fillRef>
+      <a:effectRef idx="3">
+        <a:scrgbClr r="0" g="0" b="0"/>
+      </a:effectRef>
+      <a:fontRef idx="minor">
+        <a:schemeClr val="lt1"/>
+      </a:fontRef>
+    </dgm:style>
+  </dgm:styleLbl>
+  <dgm:styleLbl name="asst4">
+    <dgm:scene3d>
+      <a:camera prst="orthographicFront"/>
+      <a:lightRig rig="threePt" dir="t"/>
+    </dgm:scene3d>
+    <dgm:sp3d/>
+    <dgm:txPr/>
+    <dgm:style>
+      <a:lnRef idx="0">
+        <a:scrgbClr r="0" g="0" b="0"/>
+      </a:lnRef>
+      <a:fillRef idx="3">
+        <a:scrgbClr r="0" g="0" b="0"/>
+      </a:fillRef>
+      <a:effectRef idx="3">
+        <a:scrgbClr r="0" g="0" b="0"/>
+      </a:effectRef>
+      <a:fontRef idx="minor">
+        <a:schemeClr val="lt1"/>
+      </a:fontRef>
+    </dgm:style>
+  </dgm:styleLbl>
+  <dgm:styleLbl name="parChTrans2D1">
+    <dgm:scene3d>
+      <a:camera prst="orthographicFront"/>
+      <a:lightRig rig="threePt" dir="t"/>
+    </dgm:scene3d>
+    <dgm:sp3d/>
+    <dgm:txPr/>
+    <dgm:style>
+      <a:lnRef idx="0">
+        <a:scrgbClr r="0" g="0" b="0"/>
+      </a:lnRef>
+      <a:fillRef idx="3">
+        <a:scrgbClr r="0" g="0" b="0"/>
+      </a:fillRef>
+      <a:effectRef idx="3">
+        <a:scrgbClr r="0" g="0" b="0"/>
+      </a:effectRef>
+      <a:fontRef idx="minor">
+        <a:schemeClr val="lt1"/>
+      </a:fontRef>
+    </dgm:style>
+  </dgm:styleLbl>
+  <dgm:styleLbl name="parChTrans2D2">
+    <dgm:scene3d>
+      <a:camera prst="orthographicFront"/>
+      <a:lightRig rig="threePt" dir="t"/>
+    </dgm:scene3d>
+    <dgm:sp3d/>
+    <dgm:txPr/>
+    <dgm:style>
+      <a:lnRef idx="0">
+        <a:scrgbClr r="0" g="0" b="0"/>
+      </a:lnRef>
+      <a:fillRef idx="3">
+        <a:scrgbClr r="0" g="0" b="0"/>
+      </a:fillRef>
+      <a:effectRef idx="3">
+        <a:scrgbClr r="0" g="0" b="0"/>
+      </a:effectRef>
+      <a:fontRef idx="minor">
+        <a:schemeClr val="lt1"/>
+      </a:fontRef>
+    </dgm:style>
+  </dgm:styleLbl>
+  <dgm:styleLbl name="parChTrans2D3">
+    <dgm:scene3d>
+      <a:camera prst="orthographicFront"/>
+      <a:lightRig rig="threePt" dir="t"/>
+    </dgm:scene3d>
+    <dgm:sp3d/>
+    <dgm:txPr/>
+    <dgm:style>
+      <a:lnRef idx="0">
+        <a:scrgbClr r="0" g="0" b="0"/>
+      </a:lnRef>
+      <a:fillRef idx="3">
+        <a:scrgbClr r="0" g="0" b="0"/>
+      </a:fillRef>
+      <a:effectRef idx="3">
+        <a:scrgbClr r="0" g="0" b="0"/>
+      </a:effectRef>
+      <a:fontRef idx="minor">
+        <a:schemeClr val="lt1"/>
+      </a:fontRef>
+    </dgm:style>
+  </dgm:styleLbl>
+  <dgm:styleLbl name="parChTrans2D4">
+    <dgm:scene3d>
+      <a:camera prst="orthographicFront"/>
+      <a:lightRig rig="threePt" dir="t"/>
+    </dgm:scene3d>
+    <dgm:sp3d/>
+    <dgm:txPr/>
+    <dgm:style>
+      <a:lnRef idx="0">
+        <a:scrgbClr r="0" g="0" b="0"/>
+      </a:lnRef>
+      <a:fillRef idx="3">
+        <a:scrgbClr r="0" g="0" b="0"/>
+      </a:fillRef>
+      <a:effectRef idx="3">
+        <a:scrgbClr r="0" g="0" b="0"/>
+      </a:effectRef>
+      <a:fontRef idx="minor">
+        <a:schemeClr val="lt1"/>
+      </a:fontRef>
+    </dgm:style>
+  </dgm:styleLbl>
+  <dgm:styleLbl name="parChTrans1D1">
+    <dgm:scene3d>
+      <a:camera prst="orthographicFront"/>
+      <a:lightRig rig="threePt" dir="t"/>
+    </dgm:scene3d>
+    <dgm:sp3d/>
+    <dgm:txPr/>
+    <dgm:style>
+      <a:lnRef idx="2">
+        <a:scrgbClr r="0" g="0" b="0"/>
+      </a:lnRef>
+      <a:fillRef idx="0">
+        <a:scrgbClr r="0" g="0" b="0"/>
+      </a:fillRef>
+      <a:effectRef idx="0">
+        <a:scrgbClr r="0" g="0" b="0"/>
+      </a:effectRef>
+      <a:fontRef idx="minor"/>
+    </dgm:style>
+  </dgm:styleLbl>
+  <dgm:styleLbl name="parChTrans1D2">
+    <dgm:scene3d>
+      <a:camera prst="orthographicFront"/>
+      <a:lightRig rig="threePt" dir="t"/>
+    </dgm:scene3d>
+    <dgm:sp3d/>
+    <dgm:txPr/>
+    <dgm:style>
+      <a:lnRef idx="2">
+        <a:scrgbClr r="0" g="0" b="0"/>
+      </a:lnRef>
+      <a:fillRef idx="0">
+        <a:scrgbClr r="0" g="0" b="0"/>
+      </a:fillRef>
+      <a:effectRef idx="0">
+        <a:scrgbClr r="0" g="0" b="0"/>
+      </a:effectRef>
+      <a:fontRef idx="minor"/>
+    </dgm:style>
+  </dgm:styleLbl>
+  <dgm:styleLbl name="parChTrans1D3">
+    <dgm:scene3d>
+      <a:camera prst="orthographicFront"/>
+      <a:lightRig rig="threePt" dir="t"/>
+    </dgm:scene3d>
+    <dgm:sp3d/>
+    <dgm:txPr/>
+    <dgm:style>
+      <a:lnRef idx="2">
+        <a:scrgbClr r="0" g="0" b="0"/>
+      </a:lnRef>
+      <a:fillRef idx="0">
+        <a:scrgbClr r="0" g="0" b="0"/>
+      </a:fillRef>
+      <a:effectRef idx="0">
+        <a:scrgbClr r="0" g="0" b="0"/>
+      </a:effectRef>
+      <a:fontRef idx="minor"/>
+    </dgm:style>
+  </dgm:styleLbl>
+  <dgm:styleLbl name="parChTrans1D4">
+    <dgm:scene3d>
+      <a:camera prst="orthographicFront"/>
+      <a:lightRig rig="threePt" dir="t"/>
+    </dgm:scene3d>
+    <dgm:sp3d/>
+    <dgm:txPr/>
+    <dgm:style>
+      <a:lnRef idx="2">
+        <a:scrgbClr r="0" g="0" b="0"/>
+      </a:lnRef>
+      <a:fillRef idx="0">
+        <a:scrgbClr r="0" g="0" b="0"/>
+      </a:fillRef>
+      <a:effectRef idx="0">
+        <a:scrgbClr r="0" g="0" b="0"/>
+      </a:effectRef>
+      <a:fontRef idx="minor"/>
+    </dgm:style>
+  </dgm:styleLbl>
+  <dgm:styleLbl name="fgAcc1">
+    <dgm:scene3d>
+      <a:camera prst="orthographicFront"/>
+      <a:lightRig rig="threePt" dir="t"/>
+    </dgm:scene3d>
+    <dgm:sp3d/>
+    <dgm:txPr/>
+    <dgm:style>
+      <a:lnRef idx="1">
+        <a:scrgbClr r="0" g="0" b="0"/>
+      </a:lnRef>
+      <a:fillRef idx="1">
+        <a:scrgbClr r="0" g="0" b="0"/>
+      </a:fillRef>
+      <a:effectRef idx="2">
+        <a:scrgbClr r="0" g="0" b="0"/>
+      </a:effectRef>
+      <a:fontRef idx="minor"/>
+    </dgm:style>
+  </dgm:styleLbl>
+  <dgm:styleLbl name="conFgAcc1">
+    <dgm:scene3d>
+      <a:camera prst="orthographicFront"/>
+      <a:lightRig rig="threePt" dir="t"/>
+    </dgm:scene3d>
+    <dgm:sp3d/>
+    <dgm:txPr/>
+    <dgm:style>
+      <a:lnRef idx="1">
+        <a:scrgbClr r="0" g="0" b="0"/>
+      </a:lnRef>
+      <a:fillRef idx="1">
+        <a:scrgbClr r="0" g="0" b="0"/>
+      </a:fillRef>
+      <a:effectRef idx="2">
+        <a:scrgbClr r="0" g="0" b="0"/>
+      </a:effectRef>
+      <a:fontRef idx="minor"/>
+    </dgm:style>
+  </dgm:styleLbl>
+  <dgm:styleLbl name="alignAcc1">
+    <dgm:scene3d>
+      <a:camera prst="orthographicFront"/>
+      <a:lightRig rig="threePt" dir="t"/>
+    </dgm:scene3d>
+    <dgm:sp3d/>
+    <dgm:txPr/>
+    <dgm:style>
+      <a:lnRef idx="1">
+        <a:scrgbClr r="0" g="0" b="0"/>
+      </a:lnRef>
+      <a:fillRef idx="1">
+        <a:scrgbClr r="0" g="0" b="0"/>
+      </a:fillRef>
+      <a:effectRef idx="2">
+        <a:scrgbClr r="0" g="0" b="0"/>
+      </a:effectRef>
+      <a:fontRef idx="minor"/>
+    </dgm:style>
+  </dgm:styleLbl>
+  <dgm:styleLbl name="trAlignAcc1">
+    <dgm:scene3d>
+      <a:camera prst="orthographicFront"/>
+      <a:lightRig rig="threePt" dir="t"/>
+    </dgm:scene3d>
+    <dgm:sp3d/>
+    <dgm:txPr/>
+    <dgm:style>
+      <a:lnRef idx="1">
+        <a:scrgbClr r="0" g="0" b="0"/>
+      </a:lnRef>
+      <a:fillRef idx="1">
+        <a:scrgbClr r="0" g="0" b="0"/>
+      </a:fillRef>
+      <a:effectRef idx="0">
+        <a:scrgbClr r="0" g="0" b="0"/>
+      </a:effectRef>
+      <a:fontRef idx="minor"/>
+    </dgm:style>
+  </dgm:styleLbl>
+  <dgm:styleLbl name="bgAcc1">
+    <dgm:scene3d>
+      <a:camera prst="orthographicFront"/>
+      <a:lightRig rig="threePt" dir="t"/>
+    </dgm:scene3d>
+    <dgm:sp3d/>
+    <dgm:txPr/>
+    <dgm:style>
+      <a:lnRef idx="1">
+        <a:scrgbClr r="0" g="0" b="0"/>
+      </a:lnRef>
+      <a:fillRef idx="1">
+        <a:scrgbClr r="0" g="0" b="0"/>
+      </a:fillRef>
+      <a:effectRef idx="2">
+        <a:scrgbClr r="0" g="0" b="0"/>
+      </a:effectRef>
+      <a:fontRef idx="minor"/>
+    </dgm:style>
+  </dgm:styleLbl>
+  <dgm:styleLbl name="solidFgAcc1">
+    <dgm:scene3d>
+      <a:camera prst="orthographicFront"/>
+      <a:lightRig rig="threePt" dir="t"/>
+    </dgm:scene3d>
+    <dgm:sp3d/>
+    <dgm:txPr/>
+    <dgm:style>
+      <a:lnRef idx="1">
+        <a:scrgbClr r="0" g="0" b="0"/>
+      </a:lnRef>
+      <a:fillRef idx="1">
+        <a:scrgbClr r="0" g="0" b="0"/>
+      </a:fillRef>
+      <a:effectRef idx="2">
+        <a:scrgbClr r="0" g="0" b="0"/>
+      </a:effectRef>
+      <a:fontRef idx="minor"/>
+    </dgm:style>
+  </dgm:styleLbl>
+  <dgm:styleLbl name="solidAlignAcc1">
+    <dgm:scene3d>
+      <a:camera prst="orthographicFront"/>
+      <a:lightRig rig="threePt" dir="t"/>
+    </dgm:scene3d>
+    <dgm:sp3d/>
+    <dgm:txPr/>
+    <dgm:style>
+      <a:lnRef idx="1">
+        <a:scrgbClr r="0" g="0" b="0"/>
+      </a:lnRef>
+      <a:fillRef idx="1">
+        <a:scrgbClr r="0" g="0" b="0"/>
+      </a:fillRef>
+      <a:effectRef idx="3">
+        <a:scrgbClr r="0" g="0" b="0"/>
+      </a:effectRef>
+      <a:fontRef idx="minor"/>
+    </dgm:style>
+  </dgm:styleLbl>
+  <dgm:styleLbl name="solidBgAcc1">
+    <dgm:scene3d>
+      <a:camera prst="orthographicFront"/>
+      <a:lightRig rig="threePt" dir="t"/>
+    </dgm:scene3d>
+    <dgm:sp3d/>
+    <dgm:txPr/>
+    <dgm:style>
+      <a:lnRef idx="1">
+        <a:scrgbClr r="0" g="0" b="0"/>
+      </a:lnRef>
+      <a:fillRef idx="1">
+        <a:scrgbClr r="0" g="0" b="0"/>
+      </a:fillRef>
+      <a:effectRef idx="3">
+        <a:scrgbClr r="0" g="0" b="0"/>
+      </a:effectRef>
+      <a:fontRef idx="minor"/>
+    </dgm:style>
+  </dgm:styleLbl>
+  <dgm:styleLbl name="fgAccFollowNode1">
+    <dgm:scene3d>
+      <a:camera prst="orthographicFront"/>
+      <a:lightRig rig="threePt" dir="t"/>
+    </dgm:scene3d>
+    <dgm:sp3d/>
+    <dgm:txPr/>
+    <dgm:style>
+      <a:lnRef idx="1">
+        <a:scrgbClr r="0" g="0" b="0"/>
+      </a:lnRef>
+      <a:fillRef idx="1">
+        <a:scrgbClr r="0" g="0" b="0"/>
+      </a:fillRef>
+      <a:effectRef idx="2">
+        <a:scrgbClr r="0" g="0" b="0"/>
+      </a:effectRef>
+      <a:fontRef idx="minor"/>
+    </dgm:style>
+  </dgm:styleLbl>
+  <dgm:styleLbl name="alignAccFollowNode1">
+    <dgm:scene3d>
+      <a:camera prst="orthographicFront"/>
+      <a:lightRig rig="threePt" dir="t"/>
+    </dgm:scene3d>
+    <dgm:sp3d/>
+    <dgm:txPr/>
+    <dgm:style>
+      <a:lnRef idx="1">
+        <a:scrgbClr r="0" g="0" b="0"/>
+      </a:lnRef>
+      <a:fillRef idx="1">
+        <a:scrgbClr r="0" g="0" b="0"/>
+      </a:fillRef>
+      <a:effectRef idx="2">
+        <a:scrgbClr r="0" g="0" b="0"/>
+      </a:effectRef>
+      <a:fontRef idx="minor"/>
+    </dgm:style>
+  </dgm:styleLbl>
+  <dgm:styleLbl name="bgAccFollowNode1">
+    <dgm:scene3d>
+      <a:camera prst="orthographicFront"/>
+      <a:lightRig rig="threePt" dir="t"/>
+    </dgm:scene3d>
+    <dgm:sp3d/>
+    <dgm:txPr/>
+    <dgm:style>
+      <a:lnRef idx="1">
+        <a:scrgbClr r="0" g="0" b="0"/>
+      </a:lnRef>
+      <a:fillRef idx="1">
+        <a:scrgbClr r="0" g="0" b="0"/>
+      </a:fillRef>
+      <a:effectRef idx="2">
+        <a:scrgbClr r="0" g="0" b="0"/>
+      </a:effectRef>
+      <a:fontRef idx="minor"/>
+    </dgm:style>
+  </dgm:styleLbl>
+  <dgm:styleLbl name="fgAcc0">
+    <dgm:scene3d>
+      <a:camera prst="orthographicFront"/>
+      <a:lightRig rig="threePt" dir="t"/>
+    </dgm:scene3d>
+    <dgm:sp3d/>
+    <dgm:txPr/>
+    <dgm:style>
+      <a:lnRef idx="1">
+        <a:scrgbClr r="0" g="0" b="0"/>
+      </a:lnRef>
+      <a:fillRef idx="1">
+        <a:scrgbClr r="0" g="0" b="0"/>
+      </a:fillRef>
+      <a:effectRef idx="2">
+        <a:scrgbClr r="0" g="0" b="0"/>
+      </a:effectRef>
+      <a:fontRef idx="minor"/>
+    </dgm:style>
+  </dgm:styleLbl>
+  <dgm:styleLbl name="fgAcc2">
+    <dgm:scene3d>
+      <a:camera prst="orthographicFront"/>
+      <a:lightRig rig="threePt" dir="t"/>
+    </dgm:scene3d>
+    <dgm:sp3d/>
+    <dgm:txPr/>
+    <dgm:style>
+      <a:lnRef idx="1">
+        <a:scrgbClr r="0" g="0" b="0"/>
+      </a:lnRef>
+      <a:fillRef idx="1">
+        <a:scrgbClr r="0" g="0" b="0"/>
+      </a:fillRef>
+      <a:effectRef idx="2">
+        <a:scrgbClr r="0" g="0" b="0"/>
+      </a:effectRef>
+      <a:fontRef idx="minor"/>
+    </dgm:style>
+  </dgm:styleLbl>
+  <dgm:styleLbl name="fgAcc3">
+    <dgm:scene3d>
+      <a:camera prst="orthographicFront"/>
+      <a:lightRig rig="threePt" dir="t"/>
+    </dgm:scene3d>
+    <dgm:sp3d/>
+    <dgm:txPr/>
+    <dgm:style>
+      <a:lnRef idx="1">
+        <a:scrgbClr r="0" g="0" b="0"/>
+      </a:lnRef>
+      <a:fillRef idx="1">
+        <a:scrgbClr r="0" g="0" b="0"/>
+      </a:fillRef>
+      <a:effectRef idx="2">
+        <a:scrgbClr r="0" g="0" b="0"/>
+      </a:effectRef>
+      <a:fontRef idx="minor"/>
+    </dgm:style>
+  </dgm:styleLbl>
+  <dgm:styleLbl name="fgAcc4">
+    <dgm:scene3d>
+      <a:camera prst="orthographicFront"/>
+      <a:lightRig rig="threePt" dir="t"/>
+    </dgm:scene3d>
+    <dgm:sp3d/>
+    <dgm:txPr/>
+    <dgm:style>
+      <a:lnRef idx="1">
+        <a:scrgbClr r="0" g="0" b="0"/>
+      </a:lnRef>
+      <a:fillRef idx="1">
+        <a:scrgbClr r="0" g="0" b="0"/>
+      </a:fillRef>
+      <a:effectRef idx="2">
+        <a:scrgbClr r="0" g="0" b="0"/>
+      </a:effectRef>
+      <a:fontRef idx="minor"/>
+    </dgm:style>
+  </dgm:styleLbl>
+  <dgm:styleLbl name="bgShp">
+    <dgm:scene3d>
+      <a:camera prst="orthographicFront"/>
+      <a:lightRig rig="threePt" dir="t"/>
+    </dgm:scene3d>
+    <dgm:sp3d/>
+    <dgm:txPr/>
+    <dgm:style>
+      <a:lnRef idx="0">
+        <a:scrgbClr r="0" g="0" b="0"/>
+      </a:lnRef>
+      <a:fillRef idx="1">
+        <a:scrgbClr r="0" g="0" b="0"/>
+      </a:fillRef>
+      <a:effectRef idx="2">
+        <a:scrgbClr r="0" g="0" b="0"/>
+      </a:effectRef>
+      <a:fontRef idx="minor"/>
+    </dgm:style>
+  </dgm:styleLbl>
+  <dgm:styleLbl name="dkBgShp">
+    <dgm:scene3d>
+      <a:camera prst="orthographicFront"/>
+      <a:lightRig rig="threePt" dir="t"/>
+    </dgm:scene3d>
+    <dgm:sp3d/>
+    <dgm:txPr/>
+    <dgm:style>
+      <a:lnRef idx="0">
+        <a:scrgbClr r="0" g="0" b="0"/>
+      </a:lnRef>
+      <a:fillRef idx="1">
+        <a:scrgbClr r="0" g="0" b="0"/>
+      </a:fillRef>
+      <a:effectRef idx="3">
+        <a:scrgbClr r="0" g="0" b="0"/>
+      </a:effectRef>
+      <a:fontRef idx="minor"/>
+    </dgm:style>
+  </dgm:styleLbl>
+  <dgm:styleLbl name="trBgShp">
+    <dgm:scene3d>
+      <a:camera prst="orthographicFront"/>
+      <a:lightRig rig="threePt" dir="t"/>
+    </dgm:scene3d>
+    <dgm:sp3d/>
+    <dgm:txPr/>
+    <dgm:style>
+      <a:lnRef idx="0">
+        <a:scrgbClr r="0" g="0" b="0"/>
+      </a:lnRef>
+      <a:fillRef idx="1">
+        <a:scrgbClr r="0" g="0" b="0"/>
+      </a:fillRef>
+      <a:effectRef idx="0">
+        <a:scrgbClr r="0" g="0" b="0"/>
+      </a:effectRef>
+      <a:fontRef idx="minor"/>
+    </dgm:style>
+  </dgm:styleLbl>
+  <dgm:styleLbl name="fgShp">
+    <dgm:scene3d>
+      <a:camera prst="orthographicFront"/>
+      <a:lightRig rig="threePt" dir="t"/>
+    </dgm:scene3d>
+    <dgm:sp3d/>
+    <dgm:txPr/>
+    <dgm:style>
+      <a:lnRef idx="0">
+        <a:scrgbClr r="0" g="0" b="0"/>
+      </a:lnRef>
+      <a:fillRef idx="3">
+        <a:scrgbClr r="0" g="0" b="0"/>
+      </a:fillRef>
+      <a:effectRef idx="3">
+        <a:scrgbClr r="0" g="0" b="0"/>
+      </a:effectRef>
+      <a:fontRef idx="minor"/>
+    </dgm:style>
+  </dgm:styleLbl>
+  <dgm:styleLbl name="revTx">
+    <dgm:scene3d>
+      <a:camera prst="orthographicFront"/>
+      <a:lightRig rig="threePt" dir="t"/>
+    </dgm:scene3d>
+    <dgm:sp3d/>
+    <dgm:txPr/>
+    <dgm:style>
+      <a:lnRef idx="0">
+        <a:scrgbClr r="0" g="0" b="0"/>
+      </a:lnRef>
+      <a:fillRef idx="0">
+        <a:scrgbClr r="0" g="0" b="0"/>
+      </a:fillRef>
+      <a:effectRef idx="0">
+        <a:scrgbClr r="0" g="0" b="0"/>
+      </a:effectRef>
+      <a:fontRef idx="minor"/>
+    </dgm:style>
+  </dgm:styleLbl>
+</dgm:styleDef>
+</file>
+
 <file path=ppt/slideLayouts/slideLayout1.xml><?xml version="1.0" encoding="utf-8"?>
 <p:sldLayout xmlns:a="http://schemas.openxmlformats.org/drawingml/2006/main" xmlns:r="http://schemas.openxmlformats.org/officeDocument/2006/relationships" xmlns:p="http://schemas.openxmlformats.org/presentationml/2006/main" type="title" preserve="1">
   <p:cSld name="Title Slide">
@@ -278,7 +2917,7 @@
           <a:p>
             <a:fld id="{E38922F9-7419-47F3-8C9B-D47FCFEDE078}" type="datetimeFigureOut">
               <a:rPr lang="en-IN" smtClean="0"/>
-              <a:t>17-01-2024</a:t>
+              <a:t>30-03-2024</a:t>
             </a:fld>
             <a:endParaRPr lang="en-IN"/>
           </a:p>
@@ -478,7 +3117,7 @@
           <a:p>
             <a:fld id="{E38922F9-7419-47F3-8C9B-D47FCFEDE078}" type="datetimeFigureOut">
               <a:rPr lang="en-IN" smtClean="0"/>
-              <a:t>17-01-2024</a:t>
+              <a:t>30-03-2024</a:t>
             </a:fld>
             <a:endParaRPr lang="en-IN"/>
           </a:p>
@@ -688,7 +3327,7 @@
           <a:p>
             <a:fld id="{E38922F9-7419-47F3-8C9B-D47FCFEDE078}" type="datetimeFigureOut">
               <a:rPr lang="en-IN" smtClean="0"/>
-              <a:t>17-01-2024</a:t>
+              <a:t>30-03-2024</a:t>
             </a:fld>
             <a:endParaRPr lang="en-IN"/>
           </a:p>
@@ -888,7 +3527,7 @@
           <a:p>
             <a:fld id="{E38922F9-7419-47F3-8C9B-D47FCFEDE078}" type="datetimeFigureOut">
               <a:rPr lang="en-IN" smtClean="0"/>
-              <a:t>17-01-2024</a:t>
+              <a:t>30-03-2024</a:t>
             </a:fld>
             <a:endParaRPr lang="en-IN"/>
           </a:p>
@@ -1164,7 +3803,7 @@
           <a:p>
             <a:fld id="{E38922F9-7419-47F3-8C9B-D47FCFEDE078}" type="datetimeFigureOut">
               <a:rPr lang="en-IN" smtClean="0"/>
-              <a:t>17-01-2024</a:t>
+              <a:t>30-03-2024</a:t>
             </a:fld>
             <a:endParaRPr lang="en-IN"/>
           </a:p>
@@ -1432,7 +4071,7 @@
           <a:p>
             <a:fld id="{E38922F9-7419-47F3-8C9B-D47FCFEDE078}" type="datetimeFigureOut">
               <a:rPr lang="en-IN" smtClean="0"/>
-              <a:t>17-01-2024</a:t>
+              <a:t>30-03-2024</a:t>
             </a:fld>
             <a:endParaRPr lang="en-IN"/>
           </a:p>
@@ -1847,7 +4486,7 @@
           <a:p>
             <a:fld id="{E38922F9-7419-47F3-8C9B-D47FCFEDE078}" type="datetimeFigureOut">
               <a:rPr lang="en-IN" smtClean="0"/>
-              <a:t>17-01-2024</a:t>
+              <a:t>30-03-2024</a:t>
             </a:fld>
             <a:endParaRPr lang="en-IN"/>
           </a:p>
@@ -1989,7 +4628,7 @@
           <a:p>
             <a:fld id="{E38922F9-7419-47F3-8C9B-D47FCFEDE078}" type="datetimeFigureOut">
               <a:rPr lang="en-IN" smtClean="0"/>
-              <a:t>17-01-2024</a:t>
+              <a:t>30-03-2024</a:t>
             </a:fld>
             <a:endParaRPr lang="en-IN"/>
           </a:p>
@@ -2102,7 +4741,7 @@
           <a:p>
             <a:fld id="{E38922F9-7419-47F3-8C9B-D47FCFEDE078}" type="datetimeFigureOut">
               <a:rPr lang="en-IN" smtClean="0"/>
-              <a:t>17-01-2024</a:t>
+              <a:t>30-03-2024</a:t>
             </a:fld>
             <a:endParaRPr lang="en-IN"/>
           </a:p>
@@ -2415,7 +5054,7 @@
           <a:p>
             <a:fld id="{E38922F9-7419-47F3-8C9B-D47FCFEDE078}" type="datetimeFigureOut">
               <a:rPr lang="en-IN" smtClean="0"/>
-              <a:t>17-01-2024</a:t>
+              <a:t>30-03-2024</a:t>
             </a:fld>
             <a:endParaRPr lang="en-IN"/>
           </a:p>
@@ -2704,7 +5343,7 @@
           <a:p>
             <a:fld id="{E38922F9-7419-47F3-8C9B-D47FCFEDE078}" type="datetimeFigureOut">
               <a:rPr lang="en-IN" smtClean="0"/>
-              <a:t>17-01-2024</a:t>
+              <a:t>30-03-2024</a:t>
             </a:fld>
             <a:endParaRPr lang="en-IN"/>
           </a:p>
@@ -2947,7 +5586,7 @@
           <a:p>
             <a:fld id="{E38922F9-7419-47F3-8C9B-D47FCFEDE078}" type="datetimeFigureOut">
               <a:rPr lang="en-IN" smtClean="0"/>
-              <a:t>17-01-2024</a:t>
+              <a:t>30-03-2024</a:t>
             </a:fld>
             <a:endParaRPr lang="en-IN"/>
           </a:p>
@@ -8382,6 +11021,108 @@
 </p:sld>
 </file>
 
+<file path=ppt/slides/slide19.xml><?xml version="1.0" encoding="utf-8"?>
+<p:sld xmlns:a="http://schemas.openxmlformats.org/drawingml/2006/main" xmlns:r="http://schemas.openxmlformats.org/officeDocument/2006/relationships" xmlns:p="http://schemas.openxmlformats.org/presentationml/2006/main">
+  <p:cSld>
+    <p:spTree>
+      <p:nvGrpSpPr>
+        <p:cNvPr id="1" name=""/>
+        <p:cNvGrpSpPr/>
+        <p:nvPr/>
+      </p:nvGrpSpPr>
+      <p:grpSpPr>
+        <a:xfrm>
+          <a:off x="0" y="0"/>
+          <a:ext cx="0" cy="0"/>
+          <a:chOff x="0" y="0"/>
+          <a:chExt cx="0" cy="0"/>
+        </a:xfrm>
+      </p:grpSpPr>
+      <p:sp>
+        <p:nvSpPr>
+          <p:cNvPr id="2" name="Title 1">
+            <a:extLst>
+              <a:ext uri="{FF2B5EF4-FFF2-40B4-BE49-F238E27FC236}">
+                <a16:creationId xmlns:a16="http://schemas.microsoft.com/office/drawing/2014/main" id="{9415B4F1-45CF-42D7-A971-3FA75D4A11A1}"/>
+              </a:ext>
+            </a:extLst>
+          </p:cNvPr>
+          <p:cNvSpPr>
+            <a:spLocks noGrp="1"/>
+          </p:cNvSpPr>
+          <p:nvPr>
+            <p:ph type="title"/>
+          </p:nvPr>
+        </p:nvSpPr>
+        <p:spPr/>
+        <p:txBody>
+          <a:bodyPr/>
+          <a:lstStyle/>
+          <a:p>
+            <a:r>
+              <a:rPr lang="en-US" dirty="0"/>
+              <a:t>Promise  </a:t>
+            </a:r>
+            <a:endParaRPr lang="en-IN" dirty="0"/>
+          </a:p>
+        </p:txBody>
+      </p:sp>
+      <p:sp>
+        <p:nvSpPr>
+          <p:cNvPr id="3" name="Content Placeholder 2">
+            <a:extLst>
+              <a:ext uri="{FF2B5EF4-FFF2-40B4-BE49-F238E27FC236}">
+                <a16:creationId xmlns:a16="http://schemas.microsoft.com/office/drawing/2014/main" id="{624E529D-DBEE-4822-86B2-15E4E0884154}"/>
+              </a:ext>
+            </a:extLst>
+          </p:cNvPr>
+          <p:cNvSpPr>
+            <a:spLocks noGrp="1"/>
+          </p:cNvSpPr>
+          <p:nvPr>
+            <p:ph idx="1"/>
+          </p:nvPr>
+        </p:nvSpPr>
+        <p:spPr/>
+        <p:txBody>
+          <a:bodyPr/>
+          <a:lstStyle/>
+          <a:p>
+            <a:r>
+              <a:rPr lang="en-US" dirty="0"/>
+              <a:t>Promise goes into Microtask Queue</a:t>
+            </a:r>
+          </a:p>
+          <a:p>
+            <a:r>
+              <a:rPr lang="en-US" dirty="0"/>
+              <a:t>Promise run before </a:t>
+            </a:r>
+            <a:r>
+              <a:rPr lang="en-US" dirty="0" err="1"/>
+              <a:t>setInterval</a:t>
+            </a:r>
+            <a:r>
+              <a:rPr lang="en-US" dirty="0"/>
+              <a:t>() callback</a:t>
+            </a:r>
+            <a:endParaRPr lang="en-IN" dirty="0"/>
+          </a:p>
+        </p:txBody>
+      </p:sp>
+    </p:spTree>
+    <p:extLst>
+      <p:ext uri="{BB962C8B-B14F-4D97-AF65-F5344CB8AC3E}">
+        <p14:creationId xmlns:p14="http://schemas.microsoft.com/office/powerpoint/2010/main" val="1947745590"/>
+      </p:ext>
+    </p:extLst>
+  </p:cSld>
+  <p:clrMapOvr>
+    <a:masterClrMapping/>
+  </p:clrMapOvr>
+</p:sld>
+</file>
+
 <file path=ppt/slides/slide2.xml><?xml version="1.0" encoding="utf-8"?>
 <p:sld xmlns:a="http://schemas.openxmlformats.org/drawingml/2006/main" xmlns:r="http://schemas.openxmlformats.org/officeDocument/2006/relationships" xmlns:p="http://schemas.openxmlformats.org/presentationml/2006/main">
   <p:cSld>
@@ -8457,6 +11198,433 @@
     <p:extLst>
       <p:ext uri="{BB962C8B-B14F-4D97-AF65-F5344CB8AC3E}">
         <p14:creationId xmlns:p14="http://schemas.microsoft.com/office/powerpoint/2010/main" val="3529509923"/>
+      </p:ext>
+    </p:extLst>
+  </p:cSld>
+  <p:clrMapOvr>
+    <a:masterClrMapping/>
+  </p:clrMapOvr>
+</p:sld>
+</file>
+
+<file path=ppt/slides/slide20.xml><?xml version="1.0" encoding="utf-8"?>
+<p:sld xmlns:a="http://schemas.openxmlformats.org/drawingml/2006/main" xmlns:r="http://schemas.openxmlformats.org/officeDocument/2006/relationships" xmlns:p="http://schemas.openxmlformats.org/presentationml/2006/main">
+  <p:cSld>
+    <p:spTree>
+      <p:nvGrpSpPr>
+        <p:cNvPr id="1" name=""/>
+        <p:cNvGrpSpPr/>
+        <p:nvPr/>
+      </p:nvGrpSpPr>
+      <p:grpSpPr>
+        <a:xfrm>
+          <a:off x="0" y="0"/>
+          <a:ext cx="0" cy="0"/>
+          <a:chOff x="0" y="0"/>
+          <a:chExt cx="0" cy="0"/>
+        </a:xfrm>
+      </p:grpSpPr>
+      <p:sp>
+        <p:nvSpPr>
+          <p:cNvPr id="7" name="Rectangle 6">
+            <a:extLst>
+              <a:ext uri="{FF2B5EF4-FFF2-40B4-BE49-F238E27FC236}">
+                <a16:creationId xmlns:a16="http://schemas.microsoft.com/office/drawing/2014/main" id="{76E105FD-78CF-44B0-96EC-ACE18292EEAC}"/>
+              </a:ext>
+            </a:extLst>
+          </p:cNvPr>
+          <p:cNvSpPr/>
+          <p:nvPr/>
+        </p:nvSpPr>
+        <p:spPr>
+          <a:xfrm>
+            <a:off x="2532184" y="942536"/>
+            <a:ext cx="8848578" cy="5915464"/>
+          </a:xfrm>
+          <a:prstGeom prst="rect">
+            <a:avLst/>
+          </a:prstGeom>
+        </p:spPr>
+        <p:style>
+          <a:lnRef idx="2">
+            <a:schemeClr val="accent1">
+              <a:shade val="50000"/>
+            </a:schemeClr>
+          </a:lnRef>
+          <a:fillRef idx="1">
+            <a:schemeClr val="accent1"/>
+          </a:fillRef>
+          <a:effectRef idx="0">
+            <a:schemeClr val="accent1"/>
+          </a:effectRef>
+          <a:fontRef idx="minor">
+            <a:schemeClr val="lt1"/>
+          </a:fontRef>
+        </p:style>
+        <p:txBody>
+          <a:bodyPr rtlCol="0" anchor="ctr"/>
+          <a:lstStyle/>
+          <a:p>
+            <a:pPr algn="ctr"/>
+            <a:endParaRPr lang="en-IN"/>
+          </a:p>
+        </p:txBody>
+      </p:sp>
+      <p:sp>
+        <p:nvSpPr>
+          <p:cNvPr id="8" name="Rectangle 7">
+            <a:extLst>
+              <a:ext uri="{FF2B5EF4-FFF2-40B4-BE49-F238E27FC236}">
+                <a16:creationId xmlns:a16="http://schemas.microsoft.com/office/drawing/2014/main" id="{D345D028-9116-4B81-AF65-7D200940903C}"/>
+              </a:ext>
+            </a:extLst>
+          </p:cNvPr>
+          <p:cNvSpPr/>
+          <p:nvPr/>
+        </p:nvSpPr>
+        <p:spPr>
+          <a:xfrm>
+            <a:off x="126609" y="2869809"/>
+            <a:ext cx="1997613" cy="3882683"/>
+          </a:xfrm>
+          <a:prstGeom prst="rect">
+            <a:avLst/>
+          </a:prstGeom>
+        </p:spPr>
+        <p:style>
+          <a:lnRef idx="2">
+            <a:schemeClr val="accent2">
+              <a:shade val="50000"/>
+            </a:schemeClr>
+          </a:lnRef>
+          <a:fillRef idx="1">
+            <a:schemeClr val="accent2"/>
+          </a:fillRef>
+          <a:effectRef idx="0">
+            <a:schemeClr val="accent2"/>
+          </a:effectRef>
+          <a:fontRef idx="minor">
+            <a:schemeClr val="lt1"/>
+          </a:fontRef>
+        </p:style>
+        <p:txBody>
+          <a:bodyPr rtlCol="0" anchor="ctr"/>
+          <a:lstStyle/>
+          <a:p>
+            <a:pPr algn="ctr"/>
+            <a:endParaRPr lang="en-IN" dirty="0"/>
+          </a:p>
+        </p:txBody>
+      </p:sp>
+      <p:graphicFrame>
+        <p:nvGraphicFramePr>
+          <p:cNvPr id="9" name="Diagram 8">
+            <a:extLst>
+              <a:ext uri="{FF2B5EF4-FFF2-40B4-BE49-F238E27FC236}">
+                <a16:creationId xmlns:a16="http://schemas.microsoft.com/office/drawing/2014/main" id="{B1FA9B80-623B-4E37-8B43-40E57EBE47DB}"/>
+              </a:ext>
+            </a:extLst>
+          </p:cNvPr>
+          <p:cNvGraphicFramePr/>
+          <p:nvPr>
+            <p:extLst>
+              <p:ext uri="{D42A27DB-BD31-4B8C-83A1-F6EECF244321}">
+                <p14:modId xmlns:p14="http://schemas.microsoft.com/office/powerpoint/2010/main" val="3792601892"/>
+              </p:ext>
+            </p:extLst>
+          </p:nvPr>
+        </p:nvGraphicFramePr>
+        <p:xfrm>
+          <a:off x="2433710" y="2290624"/>
+          <a:ext cx="2560321" cy="2014090"/>
+        </p:xfrm>
+        <a:graphic>
+          <a:graphicData uri="http://schemas.openxmlformats.org/drawingml/2006/diagram">
+            <dgm:relIds xmlns:dgm="http://schemas.openxmlformats.org/drawingml/2006/diagram" xmlns:r="http://schemas.openxmlformats.org/officeDocument/2006/relationships" r:dm="rId2" r:lo="rId3" r:qs="rId4" r:cs="rId5"/>
+          </a:graphicData>
+        </a:graphic>
+      </p:graphicFrame>
+      <p:sp>
+        <p:nvSpPr>
+          <p:cNvPr id="10" name="Rectangle 9">
+            <a:extLst>
+              <a:ext uri="{FF2B5EF4-FFF2-40B4-BE49-F238E27FC236}">
+                <a16:creationId xmlns:a16="http://schemas.microsoft.com/office/drawing/2014/main" id="{8ADFB44E-6F8B-4388-A98B-D4373807890D}"/>
+              </a:ext>
+            </a:extLst>
+          </p:cNvPr>
+          <p:cNvSpPr/>
+          <p:nvPr/>
+        </p:nvSpPr>
+        <p:spPr>
+          <a:xfrm>
+            <a:off x="2532184" y="4304714"/>
+            <a:ext cx="8848578" cy="1125415"/>
+          </a:xfrm>
+          <a:prstGeom prst="rect">
+            <a:avLst/>
+          </a:prstGeom>
+          <a:noFill/>
+          <a:ln w="9525" cap="flat" cmpd="sng" algn="ctr">
+            <a:solidFill>
+              <a:schemeClr val="accent4"/>
+            </a:solidFill>
+            <a:prstDash val="solid"/>
+            <a:round/>
+            <a:headEnd type="none" w="med" len="med"/>
+            <a:tailEnd type="none" w="med" len="med"/>
+          </a:ln>
+        </p:spPr>
+        <p:style>
+          <a:lnRef idx="0">
+            <a:scrgbClr r="0" g="0" b="0"/>
+          </a:lnRef>
+          <a:fillRef idx="0">
+            <a:scrgbClr r="0" g="0" b="0"/>
+          </a:fillRef>
+          <a:effectRef idx="0">
+            <a:scrgbClr r="0" g="0" b="0"/>
+          </a:effectRef>
+          <a:fontRef idx="minor">
+            <a:schemeClr val="accent4"/>
+          </a:fontRef>
+        </p:style>
+        <p:txBody>
+          <a:bodyPr rtlCol="0" anchor="ctr"/>
+          <a:lstStyle/>
+          <a:p>
+            <a:pPr algn="ctr"/>
+            <a:r>
+              <a:rPr lang="en-US" sz="3600" dirty="0"/>
+              <a:t>Callback</a:t>
+            </a:r>
+            <a:r>
+              <a:rPr lang="en-US" dirty="0"/>
+              <a:t>   </a:t>
+            </a:r>
+            <a:r>
+              <a:rPr lang="en-US" sz="3600" dirty="0"/>
+              <a:t>Queue</a:t>
+            </a:r>
+            <a:endParaRPr lang="en-IN" sz="3600" dirty="0"/>
+          </a:p>
+        </p:txBody>
+      </p:sp>
+      <p:sp>
+        <p:nvSpPr>
+          <p:cNvPr id="11" name="Rectangle 10">
+            <a:extLst>
+              <a:ext uri="{FF2B5EF4-FFF2-40B4-BE49-F238E27FC236}">
+                <a16:creationId xmlns:a16="http://schemas.microsoft.com/office/drawing/2014/main" id="{EF2DFB8D-1528-4366-AF00-EDB6541E8BC0}"/>
+              </a:ext>
+            </a:extLst>
+          </p:cNvPr>
+          <p:cNvSpPr/>
+          <p:nvPr/>
+        </p:nvSpPr>
+        <p:spPr>
+          <a:xfrm>
+            <a:off x="2532184" y="5581357"/>
+            <a:ext cx="8848578" cy="1125415"/>
+          </a:xfrm>
+          <a:prstGeom prst="rect">
+            <a:avLst/>
+          </a:prstGeom>
+        </p:spPr>
+        <p:style>
+          <a:lnRef idx="1">
+            <a:schemeClr val="accent6"/>
+          </a:lnRef>
+          <a:fillRef idx="3">
+            <a:schemeClr val="accent6"/>
+          </a:fillRef>
+          <a:effectRef idx="2">
+            <a:schemeClr val="accent6"/>
+          </a:effectRef>
+          <a:fontRef idx="minor">
+            <a:schemeClr val="lt1"/>
+          </a:fontRef>
+        </p:style>
+        <p:txBody>
+          <a:bodyPr rtlCol="0" anchor="ctr"/>
+          <a:lstStyle/>
+          <a:p>
+            <a:pPr algn="ctr"/>
+            <a:r>
+              <a:rPr lang="en-IN" sz="3600" dirty="0"/>
+              <a:t>Microtask Queue</a:t>
+            </a:r>
+          </a:p>
+        </p:txBody>
+      </p:sp>
+      <p:sp>
+        <p:nvSpPr>
+          <p:cNvPr id="12" name="TextBox 11">
+            <a:extLst>
+              <a:ext uri="{FF2B5EF4-FFF2-40B4-BE49-F238E27FC236}">
+                <a16:creationId xmlns:a16="http://schemas.microsoft.com/office/drawing/2014/main" id="{F29DABA3-A4B7-4078-B97E-E65C63D61D69}"/>
+              </a:ext>
+            </a:extLst>
+          </p:cNvPr>
+          <p:cNvSpPr txBox="1"/>
+          <p:nvPr/>
+        </p:nvSpPr>
+        <p:spPr>
+          <a:xfrm>
+            <a:off x="87923" y="2220353"/>
+            <a:ext cx="1955151" cy="646331"/>
+          </a:xfrm>
+          <a:prstGeom prst="rect">
+            <a:avLst/>
+          </a:prstGeom>
+          <a:noFill/>
+        </p:spPr>
+        <p:txBody>
+          <a:bodyPr wrap="none" rtlCol="0">
+            <a:spAutoFit/>
+          </a:bodyPr>
+          <a:lstStyle/>
+          <a:p>
+            <a:r>
+              <a:rPr lang="en-US" sz="3600" dirty="0"/>
+              <a:t>Call Stack</a:t>
+            </a:r>
+            <a:endParaRPr lang="en-IN" sz="3600" dirty="0"/>
+          </a:p>
+        </p:txBody>
+      </p:sp>
+      <p:sp>
+        <p:nvSpPr>
+          <p:cNvPr id="13" name="Rectangle: Rounded Corners 12">
+            <a:extLst>
+              <a:ext uri="{FF2B5EF4-FFF2-40B4-BE49-F238E27FC236}">
+                <a16:creationId xmlns:a16="http://schemas.microsoft.com/office/drawing/2014/main" id="{F4F92B1A-12A0-48F7-BDCD-B257DC77DF5F}"/>
+              </a:ext>
+            </a:extLst>
+          </p:cNvPr>
+          <p:cNvSpPr/>
+          <p:nvPr/>
+        </p:nvSpPr>
+        <p:spPr>
+          <a:xfrm>
+            <a:off x="8458200" y="1427871"/>
+            <a:ext cx="2560321" cy="1667021"/>
+          </a:xfrm>
+          <a:prstGeom prst="roundRect">
+            <a:avLst/>
+          </a:prstGeom>
+        </p:spPr>
+        <p:style>
+          <a:lnRef idx="0">
+            <a:schemeClr val="dk1"/>
+          </a:lnRef>
+          <a:fillRef idx="3">
+            <a:schemeClr val="dk1"/>
+          </a:fillRef>
+          <a:effectRef idx="3">
+            <a:schemeClr val="dk1"/>
+          </a:effectRef>
+          <a:fontRef idx="minor">
+            <a:schemeClr val="lt1"/>
+          </a:fontRef>
+        </p:style>
+        <p:txBody>
+          <a:bodyPr rtlCol="0" anchor="ctr"/>
+          <a:lstStyle/>
+          <a:p>
+            <a:pPr algn="ctr"/>
+            <a:r>
+              <a:rPr lang="en-US" sz="3600" dirty="0"/>
+              <a:t>Browser</a:t>
+            </a:r>
+            <a:endParaRPr lang="en-IN" sz="3600" dirty="0"/>
+          </a:p>
+        </p:txBody>
+      </p:sp>
+      <p:cxnSp>
+        <p:nvCxnSpPr>
+          <p:cNvPr id="15" name="Straight Arrow Connector 14">
+            <a:extLst>
+              <a:ext uri="{FF2B5EF4-FFF2-40B4-BE49-F238E27FC236}">
+                <a16:creationId xmlns:a16="http://schemas.microsoft.com/office/drawing/2014/main" id="{57A3387C-7F38-4B4B-A00C-539E063178A0}"/>
+              </a:ext>
+            </a:extLst>
+          </p:cNvPr>
+          <p:cNvCxnSpPr/>
+          <p:nvPr/>
+        </p:nvCxnSpPr>
+        <p:spPr>
+          <a:xfrm flipH="1">
+            <a:off x="8616462" y="3094892"/>
+            <a:ext cx="685800" cy="1600200"/>
+          </a:xfrm>
+          <a:prstGeom prst="straightConnector1">
+            <a:avLst/>
+          </a:prstGeom>
+          <a:ln>
+            <a:tailEnd type="triangle"/>
+          </a:ln>
+        </p:spPr>
+        <p:style>
+          <a:lnRef idx="1">
+            <a:schemeClr val="accent2"/>
+          </a:lnRef>
+          <a:fillRef idx="0">
+            <a:schemeClr val="accent2"/>
+          </a:fillRef>
+          <a:effectRef idx="0">
+            <a:schemeClr val="accent2"/>
+          </a:effectRef>
+          <a:fontRef idx="minor">
+            <a:schemeClr val="tx1"/>
+          </a:fontRef>
+        </p:style>
+      </p:cxnSp>
+      <p:cxnSp>
+        <p:nvCxnSpPr>
+          <p:cNvPr id="16" name="Straight Arrow Connector 15">
+            <a:extLst>
+              <a:ext uri="{FF2B5EF4-FFF2-40B4-BE49-F238E27FC236}">
+                <a16:creationId xmlns:a16="http://schemas.microsoft.com/office/drawing/2014/main" id="{A749F680-9D1A-4748-94D9-8E4DE1BAA57A}"/>
+              </a:ext>
+            </a:extLst>
+          </p:cNvPr>
+          <p:cNvCxnSpPr>
+            <a:cxnSpLocks/>
+          </p:cNvCxnSpPr>
+          <p:nvPr/>
+        </p:nvCxnSpPr>
+        <p:spPr>
+          <a:xfrm flipH="1">
+            <a:off x="8780585" y="2866684"/>
+            <a:ext cx="620151" cy="3266830"/>
+          </a:xfrm>
+          <a:prstGeom prst="straightConnector1">
+            <a:avLst/>
+          </a:prstGeom>
+          <a:ln>
+            <a:tailEnd type="triangle"/>
+          </a:ln>
+        </p:spPr>
+        <p:style>
+          <a:lnRef idx="1">
+            <a:schemeClr val="accent2"/>
+          </a:lnRef>
+          <a:fillRef idx="0">
+            <a:schemeClr val="accent2"/>
+          </a:fillRef>
+          <a:effectRef idx="0">
+            <a:schemeClr val="accent2"/>
+          </a:effectRef>
+          <a:fontRef idx="minor">
+            <a:schemeClr val="tx1"/>
+          </a:fontRef>
+        </p:style>
+      </p:cxnSp>
+    </p:spTree>
+    <p:extLst>
+      <p:ext uri="{BB962C8B-B14F-4D97-AF65-F5344CB8AC3E}">
+        <p14:creationId xmlns:p14="http://schemas.microsoft.com/office/powerpoint/2010/main" val="2487876186"/>
       </p:ext>
     </p:extLst>
   </p:cSld>
